--- a/Umbrella Tutorial.pptx
+++ b/Umbrella Tutorial.pptx
@@ -1,31 +1,27 @@
 
 <file path=ppt/presentation.xml><?xml version="1.0" encoding="utf-8"?>
-<p:presentation xmlns:a="http://schemas.openxmlformats.org/drawingml/2006/main" xmlns:r="http://schemas.openxmlformats.org/officeDocument/2006/relationships" xmlns:p="http://schemas.openxmlformats.org/presentationml/2006/main" saveSubsetFonts="1" autoCompressPictures="0">
+<p:presentation xmlns:a="http://schemas.openxmlformats.org/drawingml/2006/main" xmlns:r="http://schemas.openxmlformats.org/officeDocument/2006/relationships" xmlns:p="http://schemas.openxmlformats.org/presentationml/2006/main" saveSubsetFonts="1">
   <p:sldMasterIdLst>
     <p:sldMasterId id="2147483648" r:id="rId1"/>
   </p:sldMasterIdLst>
+  <p:notesMasterIdLst>
+    <p:notesMasterId r:id="rId16"/>
+  </p:notesMasterIdLst>
   <p:sldIdLst>
-    <p:sldId id="256" r:id="rId2"/>
-    <p:sldId id="274" r:id="rId3"/>
-    <p:sldId id="276" r:id="rId4"/>
-    <p:sldId id="275" r:id="rId5"/>
-    <p:sldId id="260" r:id="rId6"/>
-    <p:sldId id="259" r:id="rId7"/>
-    <p:sldId id="261" r:id="rId8"/>
-    <p:sldId id="262" r:id="rId9"/>
-    <p:sldId id="264" r:id="rId10"/>
-    <p:sldId id="265" r:id="rId11"/>
-    <p:sldId id="266" r:id="rId12"/>
-    <p:sldId id="267" r:id="rId13"/>
-    <p:sldId id="268" r:id="rId14"/>
-    <p:sldId id="269" r:id="rId15"/>
-    <p:sldId id="270" r:id="rId16"/>
-    <p:sldId id="271" r:id="rId17"/>
-    <p:sldId id="272" r:id="rId18"/>
-    <p:sldId id="263" r:id="rId19"/>
-    <p:sldId id="257" r:id="rId20"/>
-    <p:sldId id="258" r:id="rId21"/>
-    <p:sldId id="273" r:id="rId22"/>
+    <p:sldId id="270" r:id="rId2"/>
+    <p:sldId id="271" r:id="rId3"/>
+    <p:sldId id="261" r:id="rId4"/>
+    <p:sldId id="263" r:id="rId5"/>
+    <p:sldId id="264" r:id="rId6"/>
+    <p:sldId id="273" r:id="rId7"/>
+    <p:sldId id="258" r:id="rId8"/>
+    <p:sldId id="260" r:id="rId9"/>
+    <p:sldId id="272" r:id="rId10"/>
+    <p:sldId id="259" r:id="rId11"/>
+    <p:sldId id="274" r:id="rId12"/>
+    <p:sldId id="265" r:id="rId13"/>
+    <p:sldId id="266" r:id="rId14"/>
+    <p:sldId id="275" r:id="rId15"/>
   </p:sldIdLst>
   <p:sldSz cx="9144000" cy="6858000" type="screen4x3"/>
   <p:notesSz cx="6858000" cy="9144000"/>
@@ -33,7 +29,7 @@
     <a:defPPr>
       <a:defRPr lang="en-US"/>
     </a:defPPr>
-    <a:lvl1pPr marL="0" algn="l" defTabSz="457200" rtl="0" eaLnBrk="1" latinLnBrk="0" hangingPunct="1">
+    <a:lvl1pPr marL="0" algn="l" defTabSz="914400" rtl="0" eaLnBrk="1" latinLnBrk="0" hangingPunct="1">
       <a:defRPr sz="1800" kern="1200">
         <a:solidFill>
           <a:schemeClr val="tx1"/>
@@ -43,7 +39,7 @@
         <a:cs typeface="+mn-cs"/>
       </a:defRPr>
     </a:lvl1pPr>
-    <a:lvl2pPr marL="457200" algn="l" defTabSz="457200" rtl="0" eaLnBrk="1" latinLnBrk="0" hangingPunct="1">
+    <a:lvl2pPr marL="457200" algn="l" defTabSz="914400" rtl="0" eaLnBrk="1" latinLnBrk="0" hangingPunct="1">
       <a:defRPr sz="1800" kern="1200">
         <a:solidFill>
           <a:schemeClr val="tx1"/>
@@ -53,7 +49,7 @@
         <a:cs typeface="+mn-cs"/>
       </a:defRPr>
     </a:lvl2pPr>
-    <a:lvl3pPr marL="914400" algn="l" defTabSz="457200" rtl="0" eaLnBrk="1" latinLnBrk="0" hangingPunct="1">
+    <a:lvl3pPr marL="914400" algn="l" defTabSz="914400" rtl="0" eaLnBrk="1" latinLnBrk="0" hangingPunct="1">
       <a:defRPr sz="1800" kern="1200">
         <a:solidFill>
           <a:schemeClr val="tx1"/>
@@ -63,7 +59,7 @@
         <a:cs typeface="+mn-cs"/>
       </a:defRPr>
     </a:lvl3pPr>
-    <a:lvl4pPr marL="1371600" algn="l" defTabSz="457200" rtl="0" eaLnBrk="1" latinLnBrk="0" hangingPunct="1">
+    <a:lvl4pPr marL="1371600" algn="l" defTabSz="914400" rtl="0" eaLnBrk="1" latinLnBrk="0" hangingPunct="1">
       <a:defRPr sz="1800" kern="1200">
         <a:solidFill>
           <a:schemeClr val="tx1"/>
@@ -73,7 +69,7 @@
         <a:cs typeface="+mn-cs"/>
       </a:defRPr>
     </a:lvl4pPr>
-    <a:lvl5pPr marL="1828800" algn="l" defTabSz="457200" rtl="0" eaLnBrk="1" latinLnBrk="0" hangingPunct="1">
+    <a:lvl5pPr marL="1828800" algn="l" defTabSz="914400" rtl="0" eaLnBrk="1" latinLnBrk="0" hangingPunct="1">
       <a:defRPr sz="1800" kern="1200">
         <a:solidFill>
           <a:schemeClr val="tx1"/>
@@ -83,7 +79,7 @@
         <a:cs typeface="+mn-cs"/>
       </a:defRPr>
     </a:lvl5pPr>
-    <a:lvl6pPr marL="2286000" algn="l" defTabSz="457200" rtl="0" eaLnBrk="1" latinLnBrk="0" hangingPunct="1">
+    <a:lvl6pPr marL="2286000" algn="l" defTabSz="914400" rtl="0" eaLnBrk="1" latinLnBrk="0" hangingPunct="1">
       <a:defRPr sz="1800" kern="1200">
         <a:solidFill>
           <a:schemeClr val="tx1"/>
@@ -93,7 +89,7 @@
         <a:cs typeface="+mn-cs"/>
       </a:defRPr>
     </a:lvl6pPr>
-    <a:lvl7pPr marL="2743200" algn="l" defTabSz="457200" rtl="0" eaLnBrk="1" latinLnBrk="0" hangingPunct="1">
+    <a:lvl7pPr marL="2743200" algn="l" defTabSz="914400" rtl="0" eaLnBrk="1" latinLnBrk="0" hangingPunct="1">
       <a:defRPr sz="1800" kern="1200">
         <a:solidFill>
           <a:schemeClr val="tx1"/>
@@ -103,7 +99,7 @@
         <a:cs typeface="+mn-cs"/>
       </a:defRPr>
     </a:lvl7pPr>
-    <a:lvl8pPr marL="3200400" algn="l" defTabSz="457200" rtl="0" eaLnBrk="1" latinLnBrk="0" hangingPunct="1">
+    <a:lvl8pPr marL="3200400" algn="l" defTabSz="914400" rtl="0" eaLnBrk="1" latinLnBrk="0" hangingPunct="1">
       <a:defRPr sz="1800" kern="1200">
         <a:solidFill>
           <a:schemeClr val="tx1"/>
@@ -113,7 +109,7 @@
         <a:cs typeface="+mn-cs"/>
       </a:defRPr>
     </a:lvl8pPr>
-    <a:lvl9pPr marL="3657600" algn="l" defTabSz="457200" rtl="0" eaLnBrk="1" latinLnBrk="0" hangingPunct="1">
+    <a:lvl9pPr marL="3657600" algn="l" defTabSz="914400" rtl="0" eaLnBrk="1" latinLnBrk="0" hangingPunct="1">
       <a:defRPr sz="1800" kern="1200">
         <a:solidFill>
           <a:schemeClr val="tx1"/>
@@ -124,23 +120,32 @@
       </a:defRPr>
     </a:lvl9pPr>
   </p:defaultTextStyle>
+  <p:extLst>
+    <p:ext uri="{EFAFB233-063F-42B5-8137-9DF3F51BA10A}">
+      <p15:sldGuideLst xmlns:p15="http://schemas.microsoft.com/office/powerpoint/2012/main">
+        <p15:guide id="1" orient="horz" pos="2160">
+          <p15:clr>
+            <a:srgbClr val="A4A3A4"/>
+          </p15:clr>
+        </p15:guide>
+        <p15:guide id="2" pos="2880">
+          <p15:clr>
+            <a:srgbClr val="A4A3A4"/>
+          </p15:clr>
+        </p15:guide>
+      </p15:sldGuideLst>
+    </p:ext>
+  </p:extLst>
 </p:presentation>
 </file>
 
-<file path=ppt/slideLayouts/slideLayout1.xml><?xml version="1.0" encoding="utf-8"?>
-<p:sldLayout xmlns:a="http://schemas.openxmlformats.org/drawingml/2006/main" xmlns:r="http://schemas.openxmlformats.org/officeDocument/2006/relationships" xmlns:p="http://schemas.openxmlformats.org/presentationml/2006/main" type="title" preserve="1">
-  <p:cSld name="Title Slide">
+<file path=ppt/notesMasters/notesMaster1.xml><?xml version="1.0" encoding="utf-8"?>
+<p:notesMaster xmlns:a="http://schemas.openxmlformats.org/drawingml/2006/main" xmlns:r="http://schemas.openxmlformats.org/officeDocument/2006/relationships" xmlns:p="http://schemas.openxmlformats.org/presentationml/2006/main">
+  <p:cSld>
     <p:bg>
-      <p:bgPr>
-        <a:blipFill dpi="0" rotWithShape="1">
-          <a:blip r:embed="rId2"/>
-          <a:srcRect/>
-          <a:stretch>
-            <a:fillRect/>
-          </a:stretch>
-        </a:blipFill>
-        <a:effectLst/>
-      </p:bgPr>
+      <p:bgRef idx="1001">
+        <a:schemeClr val="bg1"/>
+      </p:bgRef>
     </p:bg>
     <p:spTree>
       <p:nvGrpSpPr>
@@ -158,18 +163,531 @@
       </p:grpSpPr>
       <p:sp>
         <p:nvSpPr>
-          <p:cNvPr id="2" name="Title 1"/>
-          <p:cNvSpPr>
-            <a:spLocks noGrp="1"/>
-          </p:cNvSpPr>
-          <p:nvPr>
-            <p:ph type="ctrTitle"/>
+          <p:cNvPr id="2" name="Header Placeholder 1"/>
+          <p:cNvSpPr>
+            <a:spLocks noGrp="1"/>
+          </p:cNvSpPr>
+          <p:nvPr>
+            <p:ph type="hdr" sz="quarter"/>
           </p:nvPr>
         </p:nvSpPr>
         <p:spPr>
           <a:xfrm>
-            <a:off x="685800" y="1828801"/>
-            <a:ext cx="7772400" cy="1714500"/>
+            <a:off x="0" y="0"/>
+            <a:ext cx="2971800" cy="458788"/>
+          </a:xfrm>
+          <a:prstGeom prst="rect">
+            <a:avLst/>
+          </a:prstGeom>
+        </p:spPr>
+        <p:txBody>
+          <a:bodyPr vert="horz" lIns="91440" tIns="45720" rIns="91440" bIns="45720" rtlCol="0"/>
+          <a:lstStyle>
+            <a:lvl1pPr algn="l">
+              <a:defRPr sz="1200"/>
+            </a:lvl1pPr>
+          </a:lstStyle>
+          <a:p>
+            <a:endParaRPr lang="en-US"/>
+          </a:p>
+        </p:txBody>
+      </p:sp>
+      <p:sp>
+        <p:nvSpPr>
+          <p:cNvPr id="3" name="Date Placeholder 2"/>
+          <p:cNvSpPr>
+            <a:spLocks noGrp="1"/>
+          </p:cNvSpPr>
+          <p:nvPr>
+            <p:ph type="dt" idx="1"/>
+          </p:nvPr>
+        </p:nvSpPr>
+        <p:spPr>
+          <a:xfrm>
+            <a:off x="3884613" y="0"/>
+            <a:ext cx="2971800" cy="458788"/>
+          </a:xfrm>
+          <a:prstGeom prst="rect">
+            <a:avLst/>
+          </a:prstGeom>
+        </p:spPr>
+        <p:txBody>
+          <a:bodyPr vert="horz" lIns="91440" tIns="45720" rIns="91440" bIns="45720" rtlCol="0"/>
+          <a:lstStyle>
+            <a:lvl1pPr algn="r">
+              <a:defRPr sz="1200"/>
+            </a:lvl1pPr>
+          </a:lstStyle>
+          <a:p>
+            <a:fld id="{D611EFDD-0CF3-A040-99B8-33F20070D982}" type="datetimeFigureOut">
+              <a:rPr lang="en-US" smtClean="0"/>
+              <a:t>5/20/16</a:t>
+            </a:fld>
+            <a:endParaRPr lang="en-US"/>
+          </a:p>
+        </p:txBody>
+      </p:sp>
+      <p:sp>
+        <p:nvSpPr>
+          <p:cNvPr id="4" name="Slide Image Placeholder 3"/>
+          <p:cNvSpPr>
+            <a:spLocks noGrp="1" noRot="1" noChangeAspect="1"/>
+          </p:cNvSpPr>
+          <p:nvPr>
+            <p:ph type="sldImg" idx="2"/>
+          </p:nvPr>
+        </p:nvSpPr>
+        <p:spPr>
+          <a:xfrm>
+            <a:off x="1371600" y="1143000"/>
+            <a:ext cx="4114800" cy="3086100"/>
+          </a:xfrm>
+          <a:prstGeom prst="rect">
+            <a:avLst/>
+          </a:prstGeom>
+          <a:noFill/>
+          <a:ln w="12700">
+            <a:solidFill>
+              <a:prstClr val="black"/>
+            </a:solidFill>
+          </a:ln>
+        </p:spPr>
+        <p:txBody>
+          <a:bodyPr vert="horz" lIns="91440" tIns="45720" rIns="91440" bIns="45720" rtlCol="0" anchor="ctr"/>
+          <a:lstStyle/>
+          <a:p>
+            <a:endParaRPr lang="en-US"/>
+          </a:p>
+        </p:txBody>
+      </p:sp>
+      <p:sp>
+        <p:nvSpPr>
+          <p:cNvPr id="5" name="Notes Placeholder 4"/>
+          <p:cNvSpPr>
+            <a:spLocks noGrp="1"/>
+          </p:cNvSpPr>
+          <p:nvPr>
+            <p:ph type="body" sz="quarter" idx="3"/>
+          </p:nvPr>
+        </p:nvSpPr>
+        <p:spPr>
+          <a:xfrm>
+            <a:off x="685800" y="4400550"/>
+            <a:ext cx="5486400" cy="3600450"/>
+          </a:xfrm>
+          <a:prstGeom prst="rect">
+            <a:avLst/>
+          </a:prstGeom>
+        </p:spPr>
+        <p:txBody>
+          <a:bodyPr vert="horz" lIns="91440" tIns="45720" rIns="91440" bIns="45720" rtlCol="0"/>
+          <a:lstStyle/>
+          <a:p>
+            <a:pPr lvl="0"/>
+            <a:r>
+              <a:rPr lang="en-US" smtClean="0"/>
+              <a:t>Click to edit Master text styles</a:t>
+            </a:r>
+          </a:p>
+          <a:p>
+            <a:pPr lvl="1"/>
+            <a:r>
+              <a:rPr lang="en-US" smtClean="0"/>
+              <a:t>Second level</a:t>
+            </a:r>
+          </a:p>
+          <a:p>
+            <a:pPr lvl="2"/>
+            <a:r>
+              <a:rPr lang="en-US" smtClean="0"/>
+              <a:t>Third level</a:t>
+            </a:r>
+          </a:p>
+          <a:p>
+            <a:pPr lvl="3"/>
+            <a:r>
+              <a:rPr lang="en-US" smtClean="0"/>
+              <a:t>Fourth level</a:t>
+            </a:r>
+          </a:p>
+          <a:p>
+            <a:pPr lvl="4"/>
+            <a:r>
+              <a:rPr lang="en-US" smtClean="0"/>
+              <a:t>Fifth level</a:t>
+            </a:r>
+            <a:endParaRPr lang="en-US"/>
+          </a:p>
+        </p:txBody>
+      </p:sp>
+      <p:sp>
+        <p:nvSpPr>
+          <p:cNvPr id="6" name="Footer Placeholder 5"/>
+          <p:cNvSpPr>
+            <a:spLocks noGrp="1"/>
+          </p:cNvSpPr>
+          <p:nvPr>
+            <p:ph type="ftr" sz="quarter" idx="4"/>
+          </p:nvPr>
+        </p:nvSpPr>
+        <p:spPr>
+          <a:xfrm>
+            <a:off x="0" y="8685213"/>
+            <a:ext cx="2971800" cy="458787"/>
+          </a:xfrm>
+          <a:prstGeom prst="rect">
+            <a:avLst/>
+          </a:prstGeom>
+        </p:spPr>
+        <p:txBody>
+          <a:bodyPr vert="horz" lIns="91440" tIns="45720" rIns="91440" bIns="45720" rtlCol="0" anchor="b"/>
+          <a:lstStyle>
+            <a:lvl1pPr algn="l">
+              <a:defRPr sz="1200"/>
+            </a:lvl1pPr>
+          </a:lstStyle>
+          <a:p>
+            <a:endParaRPr lang="en-US"/>
+          </a:p>
+        </p:txBody>
+      </p:sp>
+      <p:sp>
+        <p:nvSpPr>
+          <p:cNvPr id="7" name="Slide Number Placeholder 6"/>
+          <p:cNvSpPr>
+            <a:spLocks noGrp="1"/>
+          </p:cNvSpPr>
+          <p:nvPr>
+            <p:ph type="sldNum" sz="quarter" idx="5"/>
+          </p:nvPr>
+        </p:nvSpPr>
+        <p:spPr>
+          <a:xfrm>
+            <a:off x="3884613" y="8685213"/>
+            <a:ext cx="2971800" cy="458787"/>
+          </a:xfrm>
+          <a:prstGeom prst="rect">
+            <a:avLst/>
+          </a:prstGeom>
+        </p:spPr>
+        <p:txBody>
+          <a:bodyPr vert="horz" lIns="91440" tIns="45720" rIns="91440" bIns="45720" rtlCol="0" anchor="b"/>
+          <a:lstStyle>
+            <a:lvl1pPr algn="r">
+              <a:defRPr sz="1200"/>
+            </a:lvl1pPr>
+          </a:lstStyle>
+          <a:p>
+            <a:fld id="{AAF83739-0D19-6444-9F64-861DE401C1F9}" type="slidenum">
+              <a:rPr lang="en-US" smtClean="0"/>
+              <a:t>‹#›</a:t>
+            </a:fld>
+            <a:endParaRPr lang="en-US"/>
+          </a:p>
+        </p:txBody>
+      </p:sp>
+    </p:spTree>
+    <p:extLst>
+      <p:ext uri="{BB962C8B-B14F-4D97-AF65-F5344CB8AC3E}">
+        <p14:creationId xmlns:p14="http://schemas.microsoft.com/office/powerpoint/2010/main" val="1429208853"/>
+      </p:ext>
+    </p:extLst>
+  </p:cSld>
+  <p:clrMap bg1="lt1" tx1="dk1" bg2="lt2" tx2="dk2" accent1="accent1" accent2="accent2" accent3="accent3" accent4="accent4" accent5="accent5" accent6="accent6" hlink="hlink" folHlink="folHlink"/>
+  <p:notesStyle>
+    <a:lvl1pPr marL="0" algn="l" defTabSz="914400" rtl="0" eaLnBrk="1" latinLnBrk="0" hangingPunct="1">
+      <a:defRPr sz="1200" kern="1200">
+        <a:solidFill>
+          <a:schemeClr val="tx1"/>
+        </a:solidFill>
+        <a:latin typeface="+mn-lt"/>
+        <a:ea typeface="+mn-ea"/>
+        <a:cs typeface="+mn-cs"/>
+      </a:defRPr>
+    </a:lvl1pPr>
+    <a:lvl2pPr marL="457200" algn="l" defTabSz="914400" rtl="0" eaLnBrk="1" latinLnBrk="0" hangingPunct="1">
+      <a:defRPr sz="1200" kern="1200">
+        <a:solidFill>
+          <a:schemeClr val="tx1"/>
+        </a:solidFill>
+        <a:latin typeface="+mn-lt"/>
+        <a:ea typeface="+mn-ea"/>
+        <a:cs typeface="+mn-cs"/>
+      </a:defRPr>
+    </a:lvl2pPr>
+    <a:lvl3pPr marL="914400" algn="l" defTabSz="914400" rtl="0" eaLnBrk="1" latinLnBrk="0" hangingPunct="1">
+      <a:defRPr sz="1200" kern="1200">
+        <a:solidFill>
+          <a:schemeClr val="tx1"/>
+        </a:solidFill>
+        <a:latin typeface="+mn-lt"/>
+        <a:ea typeface="+mn-ea"/>
+        <a:cs typeface="+mn-cs"/>
+      </a:defRPr>
+    </a:lvl3pPr>
+    <a:lvl4pPr marL="1371600" algn="l" defTabSz="914400" rtl="0" eaLnBrk="1" latinLnBrk="0" hangingPunct="1">
+      <a:defRPr sz="1200" kern="1200">
+        <a:solidFill>
+          <a:schemeClr val="tx1"/>
+        </a:solidFill>
+        <a:latin typeface="+mn-lt"/>
+        <a:ea typeface="+mn-ea"/>
+        <a:cs typeface="+mn-cs"/>
+      </a:defRPr>
+    </a:lvl4pPr>
+    <a:lvl5pPr marL="1828800" algn="l" defTabSz="914400" rtl="0" eaLnBrk="1" latinLnBrk="0" hangingPunct="1">
+      <a:defRPr sz="1200" kern="1200">
+        <a:solidFill>
+          <a:schemeClr val="tx1"/>
+        </a:solidFill>
+        <a:latin typeface="+mn-lt"/>
+        <a:ea typeface="+mn-ea"/>
+        <a:cs typeface="+mn-cs"/>
+      </a:defRPr>
+    </a:lvl5pPr>
+    <a:lvl6pPr marL="2286000" algn="l" defTabSz="914400" rtl="0" eaLnBrk="1" latinLnBrk="0" hangingPunct="1">
+      <a:defRPr sz="1200" kern="1200">
+        <a:solidFill>
+          <a:schemeClr val="tx1"/>
+        </a:solidFill>
+        <a:latin typeface="+mn-lt"/>
+        <a:ea typeface="+mn-ea"/>
+        <a:cs typeface="+mn-cs"/>
+      </a:defRPr>
+    </a:lvl6pPr>
+    <a:lvl7pPr marL="2743200" algn="l" defTabSz="914400" rtl="0" eaLnBrk="1" latinLnBrk="0" hangingPunct="1">
+      <a:defRPr sz="1200" kern="1200">
+        <a:solidFill>
+          <a:schemeClr val="tx1"/>
+        </a:solidFill>
+        <a:latin typeface="+mn-lt"/>
+        <a:ea typeface="+mn-ea"/>
+        <a:cs typeface="+mn-cs"/>
+      </a:defRPr>
+    </a:lvl7pPr>
+    <a:lvl8pPr marL="3200400" algn="l" defTabSz="914400" rtl="0" eaLnBrk="1" latinLnBrk="0" hangingPunct="1">
+      <a:defRPr sz="1200" kern="1200">
+        <a:solidFill>
+          <a:schemeClr val="tx1"/>
+        </a:solidFill>
+        <a:latin typeface="+mn-lt"/>
+        <a:ea typeface="+mn-ea"/>
+        <a:cs typeface="+mn-cs"/>
+      </a:defRPr>
+    </a:lvl8pPr>
+    <a:lvl9pPr marL="3657600" algn="l" defTabSz="914400" rtl="0" eaLnBrk="1" latinLnBrk="0" hangingPunct="1">
+      <a:defRPr sz="1200" kern="1200">
+        <a:solidFill>
+          <a:schemeClr val="tx1"/>
+        </a:solidFill>
+        <a:latin typeface="+mn-lt"/>
+        <a:ea typeface="+mn-ea"/>
+        <a:cs typeface="+mn-cs"/>
+      </a:defRPr>
+    </a:lvl9pPr>
+  </p:notesStyle>
+</p:notesMaster>
+</file>
+
+<file path=ppt/notesSlides/notesSlide1.xml><?xml version="1.0" encoding="utf-8"?>
+<p:notes xmlns:a="http://schemas.openxmlformats.org/drawingml/2006/main" xmlns:r="http://schemas.openxmlformats.org/officeDocument/2006/relationships" xmlns:p="http://schemas.openxmlformats.org/presentationml/2006/main">
+  <p:cSld>
+    <p:spTree>
+      <p:nvGrpSpPr>
+        <p:cNvPr id="1" name=""/>
+        <p:cNvGrpSpPr/>
+        <p:nvPr/>
+      </p:nvGrpSpPr>
+      <p:grpSpPr>
+        <a:xfrm>
+          <a:off x="0" y="0"/>
+          <a:ext cx="0" cy="0"/>
+          <a:chOff x="0" y="0"/>
+          <a:chExt cx="0" cy="0"/>
+        </a:xfrm>
+      </p:grpSpPr>
+      <p:sp>
+        <p:nvSpPr>
+          <p:cNvPr id="2" name="Slide Image Placeholder 1"/>
+          <p:cNvSpPr>
+            <a:spLocks noGrp="1" noRot="1" noChangeAspect="1"/>
+          </p:cNvSpPr>
+          <p:nvPr>
+            <p:ph type="sldImg"/>
+          </p:nvPr>
+        </p:nvSpPr>
+        <p:spPr/>
+      </p:sp>
+      <p:sp>
+        <p:nvSpPr>
+          <p:cNvPr id="3" name="Notes Placeholder 2"/>
+          <p:cNvSpPr>
+            <a:spLocks noGrp="1"/>
+          </p:cNvSpPr>
+          <p:nvPr>
+            <p:ph type="body" idx="1"/>
+          </p:nvPr>
+        </p:nvSpPr>
+        <p:spPr/>
+        <p:txBody>
+          <a:bodyPr/>
+          <a:lstStyle/>
+          <a:p>
+            <a:endParaRPr lang="en-US" dirty="0"/>
+          </a:p>
+        </p:txBody>
+      </p:sp>
+      <p:sp>
+        <p:nvSpPr>
+          <p:cNvPr id="4" name="Slide Number Placeholder 3"/>
+          <p:cNvSpPr>
+            <a:spLocks noGrp="1"/>
+          </p:cNvSpPr>
+          <p:nvPr>
+            <p:ph type="sldNum" sz="quarter" idx="10"/>
+          </p:nvPr>
+        </p:nvSpPr>
+        <p:spPr/>
+        <p:txBody>
+          <a:bodyPr/>
+          <a:lstStyle/>
+          <a:p>
+            <a:fld id="{AAF83739-0D19-6444-9F64-861DE401C1F9}" type="slidenum">
+              <a:rPr lang="en-US" smtClean="0"/>
+              <a:t>3</a:t>
+            </a:fld>
+            <a:endParaRPr lang="en-US"/>
+          </a:p>
+        </p:txBody>
+      </p:sp>
+    </p:spTree>
+    <p:extLst>
+      <p:ext uri="{BB962C8B-B14F-4D97-AF65-F5344CB8AC3E}">
+        <p14:creationId xmlns:p14="http://schemas.microsoft.com/office/powerpoint/2010/main" val="1108600676"/>
+      </p:ext>
+    </p:extLst>
+  </p:cSld>
+  <p:clrMapOvr>
+    <a:masterClrMapping/>
+  </p:clrMapOvr>
+</p:notes>
+</file>
+
+<file path=ppt/notesSlides/notesSlide2.xml><?xml version="1.0" encoding="utf-8"?>
+<p:notes xmlns:a="http://schemas.openxmlformats.org/drawingml/2006/main" xmlns:r="http://schemas.openxmlformats.org/officeDocument/2006/relationships" xmlns:p="http://schemas.openxmlformats.org/presentationml/2006/main">
+  <p:cSld>
+    <p:spTree>
+      <p:nvGrpSpPr>
+        <p:cNvPr id="1" name=""/>
+        <p:cNvGrpSpPr/>
+        <p:nvPr/>
+      </p:nvGrpSpPr>
+      <p:grpSpPr>
+        <a:xfrm>
+          <a:off x="0" y="0"/>
+          <a:ext cx="0" cy="0"/>
+          <a:chOff x="0" y="0"/>
+          <a:chExt cx="0" cy="0"/>
+        </a:xfrm>
+      </p:grpSpPr>
+      <p:sp>
+        <p:nvSpPr>
+          <p:cNvPr id="2" name="Slide Image Placeholder 1"/>
+          <p:cNvSpPr>
+            <a:spLocks noGrp="1" noRot="1" noChangeAspect="1"/>
+          </p:cNvSpPr>
+          <p:nvPr>
+            <p:ph type="sldImg"/>
+          </p:nvPr>
+        </p:nvSpPr>
+        <p:spPr/>
+      </p:sp>
+      <p:sp>
+        <p:nvSpPr>
+          <p:cNvPr id="3" name="Notes Placeholder 2"/>
+          <p:cNvSpPr>
+            <a:spLocks noGrp="1"/>
+          </p:cNvSpPr>
+          <p:nvPr>
+            <p:ph type="body" idx="1"/>
+          </p:nvPr>
+        </p:nvSpPr>
+        <p:spPr/>
+        <p:txBody>
+          <a:bodyPr/>
+          <a:lstStyle/>
+          <a:p>
+            <a:endParaRPr lang="en-US" dirty="0"/>
+          </a:p>
+        </p:txBody>
+      </p:sp>
+      <p:sp>
+        <p:nvSpPr>
+          <p:cNvPr id="4" name="Slide Number Placeholder 3"/>
+          <p:cNvSpPr>
+            <a:spLocks noGrp="1"/>
+          </p:cNvSpPr>
+          <p:nvPr>
+            <p:ph type="sldNum" sz="quarter" idx="10"/>
+          </p:nvPr>
+        </p:nvSpPr>
+        <p:spPr/>
+        <p:txBody>
+          <a:bodyPr/>
+          <a:lstStyle/>
+          <a:p>
+            <a:fld id="{AAF83739-0D19-6444-9F64-861DE401C1F9}" type="slidenum">
+              <a:rPr lang="en-US" smtClean="0"/>
+              <a:t>6</a:t>
+            </a:fld>
+            <a:endParaRPr lang="en-US"/>
+          </a:p>
+        </p:txBody>
+      </p:sp>
+    </p:spTree>
+    <p:extLst>
+      <p:ext uri="{BB962C8B-B14F-4D97-AF65-F5344CB8AC3E}">
+        <p14:creationId xmlns:p14="http://schemas.microsoft.com/office/powerpoint/2010/main" val="256614128"/>
+      </p:ext>
+    </p:extLst>
+  </p:cSld>
+  <p:clrMapOvr>
+    <a:masterClrMapping/>
+  </p:clrMapOvr>
+</p:notes>
+</file>
+
+<file path=ppt/slideLayouts/slideLayout1.xml><?xml version="1.0" encoding="utf-8"?>
+<p:sldLayout xmlns:a="http://schemas.openxmlformats.org/drawingml/2006/main" xmlns:r="http://schemas.openxmlformats.org/officeDocument/2006/relationships" xmlns:p="http://schemas.openxmlformats.org/presentationml/2006/main" type="title" preserve="1">
+  <p:cSld name="Title Slide">
+    <p:spTree>
+      <p:nvGrpSpPr>
+        <p:cNvPr id="1" name=""/>
+        <p:cNvGrpSpPr/>
+        <p:nvPr/>
+      </p:nvGrpSpPr>
+      <p:grpSpPr>
+        <a:xfrm>
+          <a:off x="0" y="0"/>
+          <a:ext cx="0" cy="0"/>
+          <a:chOff x="0" y="0"/>
+          <a:chExt cx="0" cy="0"/>
+        </a:xfrm>
+      </p:grpSpPr>
+      <p:sp>
+        <p:nvSpPr>
+          <p:cNvPr id="2" name="Title 1"/>
+          <p:cNvSpPr>
+            <a:spLocks noGrp="1"/>
+          </p:cNvSpPr>
+          <p:nvPr>
+            <p:ph type="ctrTitle"/>
+          </p:nvPr>
+        </p:nvSpPr>
+        <p:spPr>
+          <a:xfrm>
+            <a:off x="685800" y="2130425"/>
+            <a:ext cx="7772400" cy="1470025"/>
           </a:xfrm>
         </p:spPr>
         <p:txBody>
@@ -196,7 +714,7 @@
         </p:nvSpPr>
         <p:spPr>
           <a:xfrm>
-            <a:off x="1371600" y="3733800"/>
+            <a:off x="1371600" y="3886200"/>
             <a:ext cx="6400800" cy="1752600"/>
           </a:xfrm>
         </p:spPr>
@@ -205,12 +723,12 @@
           <a:lstStyle>
             <a:lvl1pPr marL="0" indent="0" algn="ctr">
               <a:buNone/>
-              <a:defRPr b="0" i="0">
+              <a:defRPr>
                 <a:solidFill>
-                  <a:srgbClr val="DEB408"/>
+                  <a:schemeClr val="tx1">
+                    <a:tint val="75000"/>
+                  </a:schemeClr>
                 </a:solidFill>
-                <a:latin typeface="Georgia"/>
-                <a:cs typeface="Georgia"/>
               </a:defRPr>
             </a:lvl1pPr>
             <a:lvl2pPr marL="457200" indent="0" algn="ctr">
@@ -299,7 +817,7 @@
               <a:rPr lang="en-US" smtClean="0"/>
               <a:t>Click to edit Master subtitle style</a:t>
             </a:r>
-            <a:endParaRPr lang="en-US" dirty="0"/>
+            <a:endParaRPr lang="en-US"/>
           </a:p>
         </p:txBody>
       </p:sp>
@@ -311,22 +829,361 @@
           </p:cNvSpPr>
           <p:nvPr>
             <p:ph type="dt" sz="half" idx="10"/>
+          </p:nvPr>
+        </p:nvSpPr>
+        <p:spPr/>
+        <p:txBody>
+          <a:bodyPr/>
+          <a:lstStyle/>
+          <a:p>
+            <a:fld id="{1D8BD707-D9CF-40AE-B4C6-C98DA3205C09}" type="datetimeFigureOut">
+              <a:rPr lang="en-US" smtClean="0"/>
+              <a:pPr/>
+              <a:t>5/20/16</a:t>
+            </a:fld>
+            <a:endParaRPr lang="en-US"/>
+          </a:p>
+        </p:txBody>
+      </p:sp>
+      <p:sp>
+        <p:nvSpPr>
+          <p:cNvPr id="5" name="Footer Placeholder 4"/>
+          <p:cNvSpPr>
+            <a:spLocks noGrp="1"/>
+          </p:cNvSpPr>
+          <p:nvPr>
+            <p:ph type="ftr" sz="quarter" idx="11"/>
+          </p:nvPr>
+        </p:nvSpPr>
+        <p:spPr/>
+        <p:txBody>
+          <a:bodyPr/>
+          <a:lstStyle/>
+          <a:p>
+            <a:endParaRPr lang="en-US"/>
+          </a:p>
+        </p:txBody>
+      </p:sp>
+      <p:sp>
+        <p:nvSpPr>
+          <p:cNvPr id="6" name="Slide Number Placeholder 5"/>
+          <p:cNvSpPr>
+            <a:spLocks noGrp="1"/>
+          </p:cNvSpPr>
+          <p:nvPr>
+            <p:ph type="sldNum" sz="quarter" idx="12"/>
+          </p:nvPr>
+        </p:nvSpPr>
+        <p:spPr/>
+        <p:txBody>
+          <a:bodyPr/>
+          <a:lstStyle/>
+          <a:p>
+            <a:fld id="{B6F15528-21DE-4FAA-801E-634DDDAF4B2B}" type="slidenum">
+              <a:rPr lang="en-US" smtClean="0"/>
+              <a:pPr/>
+              <a:t>‹#›</a:t>
+            </a:fld>
+            <a:endParaRPr lang="en-US"/>
+          </a:p>
+        </p:txBody>
+      </p:sp>
+    </p:spTree>
+  </p:cSld>
+  <p:clrMapOvr>
+    <a:masterClrMapping/>
+  </p:clrMapOvr>
+</p:sldLayout>
+</file>
+
+<file path=ppt/slideLayouts/slideLayout10.xml><?xml version="1.0" encoding="utf-8"?>
+<p:sldLayout xmlns:a="http://schemas.openxmlformats.org/drawingml/2006/main" xmlns:r="http://schemas.openxmlformats.org/officeDocument/2006/relationships" xmlns:p="http://schemas.openxmlformats.org/presentationml/2006/main" type="vertTx" preserve="1">
+  <p:cSld name="Title and Vertical Text">
+    <p:spTree>
+      <p:nvGrpSpPr>
+        <p:cNvPr id="1" name=""/>
+        <p:cNvGrpSpPr/>
+        <p:nvPr/>
+      </p:nvGrpSpPr>
+      <p:grpSpPr>
+        <a:xfrm>
+          <a:off x="0" y="0"/>
+          <a:ext cx="0" cy="0"/>
+          <a:chOff x="0" y="0"/>
+          <a:chExt cx="0" cy="0"/>
+        </a:xfrm>
+      </p:grpSpPr>
+      <p:sp>
+        <p:nvSpPr>
+          <p:cNvPr id="2" name="Title 1"/>
+          <p:cNvSpPr>
+            <a:spLocks noGrp="1"/>
+          </p:cNvSpPr>
+          <p:nvPr>
+            <p:ph type="title"/>
+          </p:nvPr>
+        </p:nvSpPr>
+        <p:spPr/>
+        <p:txBody>
+          <a:bodyPr/>
+          <a:lstStyle/>
+          <a:p>
+            <a:r>
+              <a:rPr lang="en-US" smtClean="0"/>
+              <a:t>Click to edit Master title style</a:t>
+            </a:r>
+            <a:endParaRPr lang="en-US"/>
+          </a:p>
+        </p:txBody>
+      </p:sp>
+      <p:sp>
+        <p:nvSpPr>
+          <p:cNvPr id="3" name="Vertical Text Placeholder 2"/>
+          <p:cNvSpPr>
+            <a:spLocks noGrp="1"/>
+          </p:cNvSpPr>
+          <p:nvPr>
+            <p:ph type="body" orient="vert" idx="1"/>
+          </p:nvPr>
+        </p:nvSpPr>
+        <p:spPr/>
+        <p:txBody>
+          <a:bodyPr vert="eaVert"/>
+          <a:lstStyle/>
+          <a:p>
+            <a:pPr lvl="0"/>
+            <a:r>
+              <a:rPr lang="en-US" smtClean="0"/>
+              <a:t>Click to edit Master text styles</a:t>
+            </a:r>
+          </a:p>
+          <a:p>
+            <a:pPr lvl="1"/>
+            <a:r>
+              <a:rPr lang="en-US" smtClean="0"/>
+              <a:t>Second level</a:t>
+            </a:r>
+          </a:p>
+          <a:p>
+            <a:pPr lvl="2"/>
+            <a:r>
+              <a:rPr lang="en-US" smtClean="0"/>
+              <a:t>Third level</a:t>
+            </a:r>
+          </a:p>
+          <a:p>
+            <a:pPr lvl="3"/>
+            <a:r>
+              <a:rPr lang="en-US" smtClean="0"/>
+              <a:t>Fourth level</a:t>
+            </a:r>
+          </a:p>
+          <a:p>
+            <a:pPr lvl="4"/>
+            <a:r>
+              <a:rPr lang="en-US" smtClean="0"/>
+              <a:t>Fifth level</a:t>
+            </a:r>
+            <a:endParaRPr lang="en-US"/>
+          </a:p>
+        </p:txBody>
+      </p:sp>
+      <p:sp>
+        <p:nvSpPr>
+          <p:cNvPr id="4" name="Date Placeholder 3"/>
+          <p:cNvSpPr>
+            <a:spLocks noGrp="1"/>
+          </p:cNvSpPr>
+          <p:nvPr>
+            <p:ph type="dt" sz="half" idx="10"/>
+          </p:nvPr>
+        </p:nvSpPr>
+        <p:spPr/>
+        <p:txBody>
+          <a:bodyPr/>
+          <a:lstStyle/>
+          <a:p>
+            <a:fld id="{1D8BD707-D9CF-40AE-B4C6-C98DA3205C09}" type="datetimeFigureOut">
+              <a:rPr lang="en-US" smtClean="0"/>
+              <a:pPr/>
+              <a:t>5/20/16</a:t>
+            </a:fld>
+            <a:endParaRPr lang="en-US"/>
+          </a:p>
+        </p:txBody>
+      </p:sp>
+      <p:sp>
+        <p:nvSpPr>
+          <p:cNvPr id="5" name="Footer Placeholder 4"/>
+          <p:cNvSpPr>
+            <a:spLocks noGrp="1"/>
+          </p:cNvSpPr>
+          <p:nvPr>
+            <p:ph type="ftr" sz="quarter" idx="11"/>
+          </p:nvPr>
+        </p:nvSpPr>
+        <p:spPr/>
+        <p:txBody>
+          <a:bodyPr/>
+          <a:lstStyle/>
+          <a:p>
+            <a:endParaRPr lang="en-US"/>
+          </a:p>
+        </p:txBody>
+      </p:sp>
+      <p:sp>
+        <p:nvSpPr>
+          <p:cNvPr id="6" name="Slide Number Placeholder 5"/>
+          <p:cNvSpPr>
+            <a:spLocks noGrp="1"/>
+          </p:cNvSpPr>
+          <p:nvPr>
+            <p:ph type="sldNum" sz="quarter" idx="12"/>
+          </p:nvPr>
+        </p:nvSpPr>
+        <p:spPr/>
+        <p:txBody>
+          <a:bodyPr/>
+          <a:lstStyle/>
+          <a:p>
+            <a:fld id="{B6F15528-21DE-4FAA-801E-634DDDAF4B2B}" type="slidenum">
+              <a:rPr lang="en-US" smtClean="0"/>
+              <a:pPr/>
+              <a:t>‹#›</a:t>
+            </a:fld>
+            <a:endParaRPr lang="en-US"/>
+          </a:p>
+        </p:txBody>
+      </p:sp>
+    </p:spTree>
+  </p:cSld>
+  <p:clrMapOvr>
+    <a:masterClrMapping/>
+  </p:clrMapOvr>
+</p:sldLayout>
+</file>
+
+<file path=ppt/slideLayouts/slideLayout11.xml><?xml version="1.0" encoding="utf-8"?>
+<p:sldLayout xmlns:a="http://schemas.openxmlformats.org/drawingml/2006/main" xmlns:r="http://schemas.openxmlformats.org/officeDocument/2006/relationships" xmlns:p="http://schemas.openxmlformats.org/presentationml/2006/main" type="vertTitleAndTx" preserve="1">
+  <p:cSld name="Vertical Title and Text">
+    <p:spTree>
+      <p:nvGrpSpPr>
+        <p:cNvPr id="1" name=""/>
+        <p:cNvGrpSpPr/>
+        <p:nvPr/>
+      </p:nvGrpSpPr>
+      <p:grpSpPr>
+        <a:xfrm>
+          <a:off x="0" y="0"/>
+          <a:ext cx="0" cy="0"/>
+          <a:chOff x="0" y="0"/>
+          <a:chExt cx="0" cy="0"/>
+        </a:xfrm>
+      </p:grpSpPr>
+      <p:sp>
+        <p:nvSpPr>
+          <p:cNvPr id="2" name="Vertical Title 1"/>
+          <p:cNvSpPr>
+            <a:spLocks noGrp="1"/>
+          </p:cNvSpPr>
+          <p:nvPr>
+            <p:ph type="title" orient="vert"/>
           </p:nvPr>
         </p:nvSpPr>
         <p:spPr>
           <a:xfrm>
-            <a:off x="457200" y="6127750"/>
-            <a:ext cx="2133600" cy="365125"/>
+            <a:off x="6629400" y="274638"/>
+            <a:ext cx="2057400" cy="5851525"/>
           </a:xfrm>
         </p:spPr>
         <p:txBody>
+          <a:bodyPr vert="eaVert"/>
+          <a:lstStyle/>
+          <a:p>
+            <a:r>
+              <a:rPr lang="en-US" smtClean="0"/>
+              <a:t>Click to edit Master title style</a:t>
+            </a:r>
+            <a:endParaRPr lang="en-US"/>
+          </a:p>
+        </p:txBody>
+      </p:sp>
+      <p:sp>
+        <p:nvSpPr>
+          <p:cNvPr id="3" name="Vertical Text Placeholder 2"/>
+          <p:cNvSpPr>
+            <a:spLocks noGrp="1"/>
+          </p:cNvSpPr>
+          <p:nvPr>
+            <p:ph type="body" orient="vert" idx="1"/>
+          </p:nvPr>
+        </p:nvSpPr>
+        <p:spPr>
+          <a:xfrm>
+            <a:off x="457200" y="274638"/>
+            <a:ext cx="6019800" cy="5851525"/>
+          </a:xfrm>
+        </p:spPr>
+        <p:txBody>
+          <a:bodyPr vert="eaVert"/>
+          <a:lstStyle/>
+          <a:p>
+            <a:pPr lvl="0"/>
+            <a:r>
+              <a:rPr lang="en-US" smtClean="0"/>
+              <a:t>Click to edit Master text styles</a:t>
+            </a:r>
+          </a:p>
+          <a:p>
+            <a:pPr lvl="1"/>
+            <a:r>
+              <a:rPr lang="en-US" smtClean="0"/>
+              <a:t>Second level</a:t>
+            </a:r>
+          </a:p>
+          <a:p>
+            <a:pPr lvl="2"/>
+            <a:r>
+              <a:rPr lang="en-US" smtClean="0"/>
+              <a:t>Third level</a:t>
+            </a:r>
+          </a:p>
+          <a:p>
+            <a:pPr lvl="3"/>
+            <a:r>
+              <a:rPr lang="en-US" smtClean="0"/>
+              <a:t>Fourth level</a:t>
+            </a:r>
+          </a:p>
+          <a:p>
+            <a:pPr lvl="4"/>
+            <a:r>
+              <a:rPr lang="en-US" smtClean="0"/>
+              <a:t>Fifth level</a:t>
+            </a:r>
+            <a:endParaRPr lang="en-US"/>
+          </a:p>
+        </p:txBody>
+      </p:sp>
+      <p:sp>
+        <p:nvSpPr>
+          <p:cNvPr id="4" name="Date Placeholder 3"/>
+          <p:cNvSpPr>
+            <a:spLocks noGrp="1"/>
+          </p:cNvSpPr>
+          <p:nvPr>
+            <p:ph type="dt" sz="half" idx="10"/>
+          </p:nvPr>
+        </p:nvSpPr>
+        <p:spPr/>
+        <p:txBody>
           <a:bodyPr/>
           <a:lstStyle/>
           <a:p>
-            <a:fld id="{B7A2E54F-B285-154F-86EE-28B5EF0CDC1C}" type="datetimeFigureOut">
+            <a:fld id="{1D8BD707-D9CF-40AE-B4C6-C98DA3205C09}" type="datetimeFigureOut">
               <a:rPr lang="en-US" smtClean="0"/>
               <a:pPr/>
-              <a:t>5/19/2016</a:t>
+              <a:t>5/20/16</a:t>
             </a:fld>
             <a:endParaRPr lang="en-US"/>
           </a:p>
@@ -334,6 +1191,25 @@
       </p:sp>
       <p:sp>
         <p:nvSpPr>
+          <p:cNvPr id="5" name="Footer Placeholder 4"/>
+          <p:cNvSpPr>
+            <a:spLocks noGrp="1"/>
+          </p:cNvSpPr>
+          <p:nvPr>
+            <p:ph type="ftr" sz="quarter" idx="11"/>
+          </p:nvPr>
+        </p:nvSpPr>
+        <p:spPr/>
+        <p:txBody>
+          <a:bodyPr/>
+          <a:lstStyle/>
+          <a:p>
+            <a:endParaRPr lang="en-US"/>
+          </a:p>
+        </p:txBody>
+      </p:sp>
+      <p:sp>
+        <p:nvSpPr>
           <p:cNvPr id="6" name="Slide Number Placeholder 5"/>
           <p:cNvSpPr>
             <a:spLocks noGrp="1"/>
@@ -342,17 +1218,12 @@
             <p:ph type="sldNum" sz="quarter" idx="12"/>
           </p:nvPr>
         </p:nvSpPr>
-        <p:spPr>
-          <a:xfrm>
-            <a:off x="6553200" y="6127750"/>
-            <a:ext cx="2133600" cy="365125"/>
-          </a:xfrm>
-        </p:spPr>
+        <p:spPr/>
         <p:txBody>
           <a:bodyPr/>
           <a:lstStyle/>
           <a:p>
-            <a:fld id="{D4996531-7675-4D4C-8758-9E8A947136CC}" type="slidenum">
+            <a:fld id="{B6F15528-21DE-4FAA-801E-634DDDAF4B2B}" type="slidenum">
               <a:rPr lang="en-US" smtClean="0"/>
               <a:pPr/>
               <a:t>‹#›</a:t>
@@ -476,10 +1347,10 @@
           <a:bodyPr/>
           <a:lstStyle/>
           <a:p>
-            <a:fld id="{B7A2E54F-B285-154F-86EE-28B5EF0CDC1C}" type="datetimeFigureOut">
+            <a:fld id="{1D8BD707-D9CF-40AE-B4C6-C98DA3205C09}" type="datetimeFigureOut">
               <a:rPr lang="en-US" smtClean="0"/>
               <a:pPr/>
-              <a:t>5/19/2016</a:t>
+              <a:t>5/20/16</a:t>
             </a:fld>
             <a:endParaRPr lang="en-US"/>
           </a:p>
@@ -519,7 +1390,7 @@
           <a:bodyPr/>
           <a:lstStyle/>
           <a:p>
-            <a:fld id="{D4996531-7675-4D4C-8758-9E8A947136CC}" type="slidenum">
+            <a:fld id="{B6F15528-21DE-4FAA-801E-634DDDAF4B2B}" type="slidenum">
               <a:rPr lang="en-US" smtClean="0"/>
               <a:pPr/>
               <a:t>‹#›</a:t>
@@ -539,18 +1410,6 @@
 <file path=ppt/slideLayouts/slideLayout3.xml><?xml version="1.0" encoding="utf-8"?>
 <p:sldLayout xmlns:a="http://schemas.openxmlformats.org/drawingml/2006/main" xmlns:r="http://schemas.openxmlformats.org/officeDocument/2006/relationships" xmlns:p="http://schemas.openxmlformats.org/presentationml/2006/main" type="secHead" preserve="1">
   <p:cSld name="Section Header">
-    <p:bg>
-      <p:bgPr>
-        <a:blipFill dpi="0" rotWithShape="1">
-          <a:blip r:embed="rId2"/>
-          <a:srcRect/>
-          <a:stretch>
-            <a:fillRect/>
-          </a:stretch>
-        </a:blipFill>
-        <a:effectLst/>
-      </p:bgPr>
-    </p:bg>
     <p:spTree>
       <p:nvGrpSpPr>
         <p:cNvPr id="1" name=""/>
@@ -577,23 +1436,15 @@
         </p:nvSpPr>
         <p:spPr>
           <a:xfrm>
-            <a:off x="722313" y="2947987"/>
-            <a:ext cx="7772400" cy="2233613"/>
+            <a:off x="722313" y="4406900"/>
+            <a:ext cx="7772400" cy="1362075"/>
           </a:xfrm>
         </p:spPr>
         <p:txBody>
-          <a:bodyPr anchor="t">
-            <a:noAutofit/>
-          </a:bodyPr>
+          <a:bodyPr anchor="t"/>
           <a:lstStyle>
             <a:lvl1pPr algn="l">
-              <a:defRPr sz="4600" b="0" i="0" cap="all">
-                <a:solidFill>
-                  <a:srgbClr val="002B5C"/>
-                </a:solidFill>
-                <a:latin typeface="Arial Bold"/>
-                <a:cs typeface="Arial Bold"/>
-              </a:defRPr>
+              <a:defRPr sz="4000" b="1" cap="all"/>
             </a:lvl1pPr>
           </a:lstStyle>
           <a:p>
@@ -601,7 +1452,7 @@
               <a:rPr lang="en-US" smtClean="0"/>
               <a:t>Click to edit Master title style</a:t>
             </a:r>
-            <a:endParaRPr lang="en-US" dirty="0"/>
+            <a:endParaRPr lang="en-US"/>
           </a:p>
         </p:txBody>
       </p:sp>
@@ -617,8 +1468,8 @@
         </p:nvSpPr>
         <p:spPr>
           <a:xfrm>
-            <a:off x="722313" y="838200"/>
-            <a:ext cx="7772400" cy="2109787"/>
+            <a:off x="722313" y="2906713"/>
+            <a:ext cx="7772400" cy="1500187"/>
           </a:xfrm>
         </p:spPr>
         <p:txBody>
@@ -628,10 +1479,10 @@
               <a:buNone/>
               <a:defRPr sz="2000">
                 <a:solidFill>
-                  <a:srgbClr val="DEB408"/>
+                  <a:schemeClr val="tx1">
+                    <a:tint val="75000"/>
+                  </a:schemeClr>
                 </a:solidFill>
-                <a:latin typeface="Georgia"/>
-                <a:cs typeface="Georgia"/>
               </a:defRPr>
             </a:lvl1pPr>
             <a:lvl2pPr marL="457200" indent="0">
@@ -721,6 +1572,73 @@
               <a:rPr lang="en-US" smtClean="0"/>
               <a:t>Click to edit Master text styles</a:t>
             </a:r>
+          </a:p>
+        </p:txBody>
+      </p:sp>
+      <p:sp>
+        <p:nvSpPr>
+          <p:cNvPr id="4" name="Date Placeholder 3"/>
+          <p:cNvSpPr>
+            <a:spLocks noGrp="1"/>
+          </p:cNvSpPr>
+          <p:nvPr>
+            <p:ph type="dt" sz="half" idx="10"/>
+          </p:nvPr>
+        </p:nvSpPr>
+        <p:spPr/>
+        <p:txBody>
+          <a:bodyPr/>
+          <a:lstStyle/>
+          <a:p>
+            <a:fld id="{1D8BD707-D9CF-40AE-B4C6-C98DA3205C09}" type="datetimeFigureOut">
+              <a:rPr lang="en-US" smtClean="0"/>
+              <a:pPr/>
+              <a:t>5/20/16</a:t>
+            </a:fld>
+            <a:endParaRPr lang="en-US"/>
+          </a:p>
+        </p:txBody>
+      </p:sp>
+      <p:sp>
+        <p:nvSpPr>
+          <p:cNvPr id="5" name="Footer Placeholder 4"/>
+          <p:cNvSpPr>
+            <a:spLocks noGrp="1"/>
+          </p:cNvSpPr>
+          <p:nvPr>
+            <p:ph type="ftr" sz="quarter" idx="11"/>
+          </p:nvPr>
+        </p:nvSpPr>
+        <p:spPr/>
+        <p:txBody>
+          <a:bodyPr/>
+          <a:lstStyle/>
+          <a:p>
+            <a:endParaRPr lang="en-US"/>
+          </a:p>
+        </p:txBody>
+      </p:sp>
+      <p:sp>
+        <p:nvSpPr>
+          <p:cNvPr id="6" name="Slide Number Placeholder 5"/>
+          <p:cNvSpPr>
+            <a:spLocks noGrp="1"/>
+          </p:cNvSpPr>
+          <p:nvPr>
+            <p:ph type="sldNum" sz="quarter" idx="12"/>
+          </p:nvPr>
+        </p:nvSpPr>
+        <p:spPr/>
+        <p:txBody>
+          <a:bodyPr/>
+          <a:lstStyle/>
+          <a:p>
+            <a:fld id="{B6F15528-21DE-4FAA-801E-634DDDAF4B2B}" type="slidenum">
+              <a:rPr lang="en-US" smtClean="0"/>
+              <a:pPr/>
+              <a:t>‹#›</a:t>
+            </a:fld>
+            <a:endParaRPr lang="en-US"/>
           </a:p>
         </p:txBody>
       </p:sp>
@@ -957,10 +1875,10 @@
           <a:bodyPr/>
           <a:lstStyle/>
           <a:p>
-            <a:fld id="{B7A2E54F-B285-154F-86EE-28B5EF0CDC1C}" type="datetimeFigureOut">
+            <a:fld id="{1D8BD707-D9CF-40AE-B4C6-C98DA3205C09}" type="datetimeFigureOut">
               <a:rPr lang="en-US" smtClean="0"/>
               <a:pPr/>
-              <a:t>5/19/2016</a:t>
+              <a:t>5/20/16</a:t>
             </a:fld>
             <a:endParaRPr lang="en-US"/>
           </a:p>
@@ -1000,7 +1918,7 @@
           <a:bodyPr/>
           <a:lstStyle/>
           <a:p>
-            <a:fld id="{D4996531-7675-4D4C-8758-9E8A947136CC}" type="slidenum">
+            <a:fld id="{B6F15528-21DE-4FAA-801E-634DDDAF4B2B}" type="slidenum">
               <a:rPr lang="en-US" smtClean="0"/>
               <a:pPr/>
               <a:t>‹#›</a:t>
@@ -1073,7 +1991,7 @@
         </p:nvSpPr>
         <p:spPr>
           <a:xfrm>
-            <a:off x="457200" y="1798638"/>
+            <a:off x="457200" y="1535113"/>
             <a:ext cx="4040188" cy="639762"/>
           </a:xfrm>
         </p:spPr>
@@ -1138,8 +2056,8 @@
         </p:nvSpPr>
         <p:spPr>
           <a:xfrm>
-            <a:off x="457200" y="2514599"/>
-            <a:ext cx="4040188" cy="3611563"/>
+            <a:off x="457200" y="2174875"/>
+            <a:ext cx="4040188" cy="3951288"/>
           </a:xfrm>
         </p:spPr>
         <p:txBody>
@@ -1223,7 +2141,7 @@
         </p:nvSpPr>
         <p:spPr>
           <a:xfrm>
-            <a:off x="4645025" y="1798638"/>
+            <a:off x="4645025" y="1535113"/>
             <a:ext cx="4041775" cy="639762"/>
           </a:xfrm>
         </p:spPr>
@@ -1288,8 +2206,8 @@
         </p:nvSpPr>
         <p:spPr>
           <a:xfrm>
-            <a:off x="4645025" y="2514599"/>
-            <a:ext cx="4041775" cy="3611564"/>
+            <a:off x="4645025" y="2174875"/>
+            <a:ext cx="4041775" cy="3951288"/>
           </a:xfrm>
         </p:spPr>
         <p:txBody>
@@ -1357,7 +2275,7 @@
               <a:rPr lang="en-US" smtClean="0"/>
               <a:t>Fifth level</a:t>
             </a:r>
-            <a:endParaRPr lang="en-US" dirty="0"/>
+            <a:endParaRPr lang="en-US"/>
           </a:p>
         </p:txBody>
       </p:sp>
@@ -1376,10 +2294,10 @@
           <a:bodyPr/>
           <a:lstStyle/>
           <a:p>
-            <a:fld id="{B7A2E54F-B285-154F-86EE-28B5EF0CDC1C}" type="datetimeFigureOut">
+            <a:fld id="{1D8BD707-D9CF-40AE-B4C6-C98DA3205C09}" type="datetimeFigureOut">
               <a:rPr lang="en-US" smtClean="0"/>
               <a:pPr/>
-              <a:t>5/19/2016</a:t>
+              <a:t>5/20/16</a:t>
             </a:fld>
             <a:endParaRPr lang="en-US"/>
           </a:p>
@@ -1419,7 +2337,7 @@
           <a:bodyPr/>
           <a:lstStyle/>
           <a:p>
-            <a:fld id="{D4996531-7675-4D4C-8758-9E8A947136CC}" type="slidenum">
+            <a:fld id="{B6F15528-21DE-4FAA-801E-634DDDAF4B2B}" type="slidenum">
               <a:rPr lang="en-US" smtClean="0"/>
               <a:pPr/>
               <a:t>‹#›</a:t>
@@ -1491,10 +2409,10 @@
           <a:bodyPr/>
           <a:lstStyle/>
           <a:p>
-            <a:fld id="{B7A2E54F-B285-154F-86EE-28B5EF0CDC1C}" type="datetimeFigureOut">
+            <a:fld id="{1D8BD707-D9CF-40AE-B4C6-C98DA3205C09}" type="datetimeFigureOut">
               <a:rPr lang="en-US" smtClean="0"/>
               <a:pPr/>
-              <a:t>5/19/2016</a:t>
+              <a:t>5/20/16</a:t>
             </a:fld>
             <a:endParaRPr lang="en-US"/>
           </a:p>
@@ -1534,7 +2452,7 @@
           <a:bodyPr/>
           <a:lstStyle/>
           <a:p>
-            <a:fld id="{D4996531-7675-4D4C-8758-9E8A947136CC}" type="slidenum">
+            <a:fld id="{B6F15528-21DE-4FAA-801E-634DDDAF4B2B}" type="slidenum">
               <a:rPr lang="en-US" smtClean="0"/>
               <a:pPr/>
               <a:t>‹#›</a:t>
@@ -1583,10 +2501,10 @@
           <a:bodyPr/>
           <a:lstStyle/>
           <a:p>
-            <a:fld id="{B7A2E54F-B285-154F-86EE-28B5EF0CDC1C}" type="datetimeFigureOut">
+            <a:fld id="{1D8BD707-D9CF-40AE-B4C6-C98DA3205C09}" type="datetimeFigureOut">
               <a:rPr lang="en-US" smtClean="0"/>
               <a:pPr/>
-              <a:t>5/19/2016</a:t>
+              <a:t>5/20/16</a:t>
             </a:fld>
             <a:endParaRPr lang="en-US"/>
           </a:p>
@@ -1626,7 +2544,7 @@
           <a:bodyPr/>
           <a:lstStyle/>
           <a:p>
-            <a:fld id="{D4996531-7675-4D4C-8758-9E8A947136CC}" type="slidenum">
+            <a:fld id="{B6F15528-21DE-4FAA-801E-634DDDAF4B2B}" type="slidenum">
               <a:rPr lang="en-US" smtClean="0"/>
               <a:pPr/>
               <a:t>‹#›</a:t>
@@ -1672,7 +2590,7 @@
         </p:nvSpPr>
         <p:spPr>
           <a:xfrm>
-            <a:off x="457200" y="438150"/>
+            <a:off x="457200" y="273050"/>
             <a:ext cx="3008313" cy="1162050"/>
           </a:xfrm>
         </p:spPr>
@@ -1680,10 +2598,7 @@
           <a:bodyPr anchor="b"/>
           <a:lstStyle>
             <a:lvl1pPr algn="l">
-              <a:defRPr sz="2000" b="1" i="0">
-                <a:latin typeface="Georgia"/>
-                <a:cs typeface="Georgia"/>
-              </a:defRPr>
+              <a:defRPr sz="2000" b="1"/>
             </a:lvl1pPr>
           </a:lstStyle>
           <a:p>
@@ -1691,7 +2606,7 @@
               <a:rPr lang="en-US" smtClean="0"/>
               <a:t>Click to edit Master title style</a:t>
             </a:r>
-            <a:endParaRPr lang="en-US" dirty="0"/>
+            <a:endParaRPr lang="en-US"/>
           </a:p>
         </p:txBody>
       </p:sp>
@@ -1707,27 +2622,27 @@
         </p:nvSpPr>
         <p:spPr>
           <a:xfrm>
-            <a:off x="3575050" y="533400"/>
-            <a:ext cx="5111750" cy="5592763"/>
+            <a:off x="3575050" y="273050"/>
+            <a:ext cx="5111750" cy="5853113"/>
           </a:xfrm>
         </p:spPr>
         <p:txBody>
           <a:bodyPr/>
           <a:lstStyle>
             <a:lvl1pPr>
-              <a:defRPr sz="2800"/>
+              <a:defRPr sz="3200"/>
             </a:lvl1pPr>
             <a:lvl2pPr>
-              <a:defRPr sz="2400"/>
+              <a:defRPr sz="2800"/>
             </a:lvl2pPr>
             <a:lvl3pPr>
-              <a:defRPr sz="2000"/>
+              <a:defRPr sz="2400"/>
             </a:lvl3pPr>
             <a:lvl4pPr>
-              <a:defRPr sz="1600"/>
+              <a:defRPr sz="2000"/>
             </a:lvl4pPr>
             <a:lvl5pPr>
-              <a:defRPr sz="1200"/>
+              <a:defRPr sz="2000"/>
             </a:lvl5pPr>
             <a:lvl6pPr>
               <a:defRPr sz="2000"/>
@@ -1776,7 +2691,7 @@
               <a:rPr lang="en-US" smtClean="0"/>
               <a:t>Fifth level</a:t>
             </a:r>
-            <a:endParaRPr lang="en-US" dirty="0"/>
+            <a:endParaRPr lang="en-US"/>
           </a:p>
         </p:txBody>
       </p:sp>
@@ -1792,8 +2707,8 @@
         </p:nvSpPr>
         <p:spPr>
           <a:xfrm>
-            <a:off x="457200" y="1600200"/>
-            <a:ext cx="3008313" cy="4525963"/>
+            <a:off x="457200" y="1435100"/>
+            <a:ext cx="3008313" cy="4691063"/>
           </a:xfrm>
         </p:spPr>
         <p:txBody>
@@ -1801,11 +2716,7 @@
           <a:lstStyle>
             <a:lvl1pPr marL="0" indent="0">
               <a:buNone/>
-              <a:defRPr sz="1400">
-                <a:solidFill>
-                  <a:srgbClr val="DEB408"/>
-                </a:solidFill>
-              </a:defRPr>
+              <a:defRPr sz="1400"/>
             </a:lvl1pPr>
             <a:lvl2pPr marL="457200" indent="0">
               <a:buNone/>
@@ -1864,10 +2775,10 @@
           <a:bodyPr/>
           <a:lstStyle/>
           <a:p>
-            <a:fld id="{B7A2E54F-B285-154F-86EE-28B5EF0CDC1C}" type="datetimeFigureOut">
+            <a:fld id="{1D8BD707-D9CF-40AE-B4C6-C98DA3205C09}" type="datetimeFigureOut">
               <a:rPr lang="en-US" smtClean="0"/>
               <a:pPr/>
-              <a:t>5/19/2016</a:t>
+              <a:t>5/20/16</a:t>
             </a:fld>
             <a:endParaRPr lang="en-US"/>
           </a:p>
@@ -1907,7 +2818,7 @@
           <a:bodyPr/>
           <a:lstStyle/>
           <a:p>
-            <a:fld id="{D4996531-7675-4D4C-8758-9E8A947136CC}" type="slidenum">
+            <a:fld id="{B6F15528-21DE-4FAA-801E-634DDDAF4B2B}" type="slidenum">
               <a:rPr lang="en-US" smtClean="0"/>
               <a:pPr/>
               <a:t>‹#›</a:t>
@@ -2030,10 +2941,6 @@
             </a:lvl9pPr>
           </a:lstStyle>
           <a:p>
-            <a:r>
-              <a:rPr lang="en-US" smtClean="0"/>
-              <a:t>Click icon to add picture</a:t>
-            </a:r>
             <a:endParaRPr lang="en-US"/>
           </a:p>
         </p:txBody>
@@ -2118,10 +3025,10 @@
           <a:bodyPr/>
           <a:lstStyle/>
           <a:p>
-            <a:fld id="{B7A2E54F-B285-154F-86EE-28B5EF0CDC1C}" type="datetimeFigureOut">
+            <a:fld id="{1D8BD707-D9CF-40AE-B4C6-C98DA3205C09}" type="datetimeFigureOut">
               <a:rPr lang="en-US" smtClean="0"/>
               <a:pPr/>
-              <a:t>5/19/2016</a:t>
+              <a:t>5/20/16</a:t>
             </a:fld>
             <a:endParaRPr lang="en-US"/>
           </a:p>
@@ -2161,7 +3068,7 @@
           <a:bodyPr/>
           <a:lstStyle/>
           <a:p>
-            <a:fld id="{D4996531-7675-4D4C-8758-9E8A947136CC}" type="slidenum">
+            <a:fld id="{B6F15528-21DE-4FAA-801E-634DDDAF4B2B}" type="slidenum">
               <a:rPr lang="en-US" smtClean="0"/>
               <a:pPr/>
               <a:t>‹#›</a:t>
@@ -2182,16 +3089,9 @@
 <p:sldMaster xmlns:a="http://schemas.openxmlformats.org/drawingml/2006/main" xmlns:r="http://schemas.openxmlformats.org/officeDocument/2006/relationships" xmlns:p="http://schemas.openxmlformats.org/presentationml/2006/main">
   <p:cSld>
     <p:bg>
-      <p:bgPr>
-        <a:blipFill dpi="0" rotWithShape="1">
-          <a:blip r:embed="rId11"/>
-          <a:srcRect/>
-          <a:stretch>
-            <a:fillRect/>
-          </a:stretch>
-        </a:blipFill>
-        <a:effectLst/>
-      </p:bgPr>
+      <p:bgRef idx="1001">
+        <a:schemeClr val="bg1"/>
+      </p:bgRef>
     </p:bg>
     <p:spTree>
       <p:nvGrpSpPr>
@@ -2219,7 +3119,7 @@
         </p:nvSpPr>
         <p:spPr>
           <a:xfrm>
-            <a:off x="457200" y="457200"/>
+            <a:off x="457200" y="274638"/>
             <a:ext cx="8229600" cy="1143000"/>
           </a:xfrm>
           <a:prstGeom prst="rect">
@@ -2236,7 +3136,7 @@
               <a:rPr lang="en-US" smtClean="0"/>
               <a:t>Click to edit Master title style</a:t>
             </a:r>
-            <a:endParaRPr lang="en-US" dirty="0"/>
+            <a:endParaRPr lang="en-US"/>
           </a:p>
         </p:txBody>
       </p:sp>
@@ -2252,8 +3152,8 @@
         </p:nvSpPr>
         <p:spPr>
           <a:xfrm>
-            <a:off x="457200" y="1828800"/>
-            <a:ext cx="8229600" cy="4297363"/>
+            <a:off x="457200" y="1600200"/>
+            <a:ext cx="8229600" cy="4525963"/>
           </a:xfrm>
           <a:prstGeom prst="rect">
             <a:avLst/>
@@ -2298,7 +3198,7 @@
               <a:rPr lang="en-US" smtClean="0"/>
               <a:t>Fifth level</a:t>
             </a:r>
-            <a:endParaRPr lang="en-US" dirty="0"/>
+            <a:endParaRPr lang="en-US"/>
           </a:p>
         </p:txBody>
       </p:sp>
@@ -2314,7 +3214,7 @@
         </p:nvSpPr>
         <p:spPr>
           <a:xfrm>
-            <a:off x="457200" y="6492875"/>
+            <a:off x="457200" y="6356350"/>
             <a:ext cx="2133600" cy="365125"/>
           </a:xfrm>
           <a:prstGeom prst="rect">
@@ -2325,22 +3225,22 @@
           <a:bodyPr vert="horz" lIns="91440" tIns="45720" rIns="91440" bIns="45720" rtlCol="0" anchor="ctr"/>
           <a:lstStyle>
             <a:lvl1pPr algn="l">
-              <a:defRPr sz="1100" b="0" i="0">
+              <a:defRPr sz="1200">
                 <a:solidFill>
-                  <a:srgbClr val="002B5C"/>
+                  <a:schemeClr val="tx1">
+                    <a:tint val="75000"/>
+                  </a:schemeClr>
                 </a:solidFill>
-                <a:latin typeface="Arial"/>
-                <a:cs typeface="Arial"/>
               </a:defRPr>
             </a:lvl1pPr>
           </a:lstStyle>
           <a:p>
-            <a:fld id="{B7A2E54F-B285-154F-86EE-28B5EF0CDC1C}" type="datetimeFigureOut">
+            <a:fld id="{1D8BD707-D9CF-40AE-B4C6-C98DA3205C09}" type="datetimeFigureOut">
               <a:rPr lang="en-US" smtClean="0"/>
               <a:pPr/>
-              <a:t>5/19/2016</a:t>
+              <a:t>5/20/16</a:t>
             </a:fld>
-            <a:endParaRPr lang="en-US" dirty="0"/>
+            <a:endParaRPr lang="en-US"/>
           </a:p>
         </p:txBody>
       </p:sp>
@@ -2356,7 +3256,7 @@
         </p:nvSpPr>
         <p:spPr>
           <a:xfrm>
-            <a:off x="3124200" y="6492875"/>
+            <a:off x="3124200" y="6356350"/>
             <a:ext cx="2895600" cy="365125"/>
           </a:xfrm>
           <a:prstGeom prst="rect">
@@ -2367,17 +3267,17 @@
           <a:bodyPr vert="horz" lIns="91440" tIns="45720" rIns="91440" bIns="45720" rtlCol="0" anchor="ctr"/>
           <a:lstStyle>
             <a:lvl1pPr algn="ctr">
-              <a:defRPr sz="1100" b="0" i="0">
+              <a:defRPr sz="1200">
                 <a:solidFill>
-                  <a:srgbClr val="002B5C"/>
+                  <a:schemeClr val="tx1">
+                    <a:tint val="75000"/>
+                  </a:schemeClr>
                 </a:solidFill>
-                <a:latin typeface="Arial"/>
-                <a:cs typeface="Arial"/>
               </a:defRPr>
             </a:lvl1pPr>
           </a:lstStyle>
           <a:p>
-            <a:endParaRPr lang="en-US" dirty="0"/>
+            <a:endParaRPr lang="en-US"/>
           </a:p>
         </p:txBody>
       </p:sp>
@@ -2393,7 +3293,7 @@
         </p:nvSpPr>
         <p:spPr>
           <a:xfrm>
-            <a:off x="6553200" y="6492875"/>
+            <a:off x="6553200" y="6356350"/>
             <a:ext cx="2133600" cy="365125"/>
           </a:xfrm>
           <a:prstGeom prst="rect">
@@ -2406,18 +3306,20 @@
             <a:lvl1pPr algn="r">
               <a:defRPr sz="1200">
                 <a:solidFill>
-                  <a:srgbClr val="002B5C"/>
+                  <a:schemeClr val="tx1">
+                    <a:tint val="75000"/>
+                  </a:schemeClr>
                 </a:solidFill>
               </a:defRPr>
             </a:lvl1pPr>
           </a:lstStyle>
           <a:p>
-            <a:fld id="{D4996531-7675-4D4C-8758-9E8A947136CC}" type="slidenum">
+            <a:fld id="{B6F15528-21DE-4FAA-801E-634DDDAF4B2B}" type="slidenum">
               <a:rPr lang="en-US" smtClean="0"/>
               <a:pPr/>
               <a:t>‹#›</a:t>
             </a:fld>
-            <a:endParaRPr lang="en-US" dirty="0"/>
+            <a:endParaRPr lang="en-US"/>
           </a:p>
         </p:txBody>
       </p:sp>
@@ -2434,105 +3336,107 @@
     <p:sldLayoutId id="2147483655" r:id="rId7"/>
     <p:sldLayoutId id="2147483656" r:id="rId8"/>
     <p:sldLayoutId id="2147483657" r:id="rId9"/>
+    <p:sldLayoutId id="2147483658" r:id="rId10"/>
+    <p:sldLayoutId id="2147483659" r:id="rId11"/>
   </p:sldLayoutIdLst>
   <p:txStyles>
     <p:titleStyle>
-      <a:lvl1pPr algn="ctr" defTabSz="457200" rtl="0" eaLnBrk="1" latinLnBrk="0" hangingPunct="1">
+      <a:lvl1pPr algn="ctr" defTabSz="914400" rtl="0" eaLnBrk="1" latinLnBrk="0" hangingPunct="1">
         <a:spcBef>
           <a:spcPct val="0"/>
         </a:spcBef>
         <a:buNone/>
-        <a:defRPr sz="4400" b="0" i="0" kern="1200">
+        <a:defRPr sz="4400" kern="1200">
           <a:solidFill>
-            <a:srgbClr val="002B5C"/>
+            <a:schemeClr val="tx1"/>
           </a:solidFill>
-          <a:latin typeface="Arial Bold"/>
+          <a:latin typeface="+mj-lt"/>
           <a:ea typeface="+mj-ea"/>
-          <a:cs typeface="Arial Bold"/>
+          <a:cs typeface="+mj-cs"/>
         </a:defRPr>
       </a:lvl1pPr>
     </p:titleStyle>
     <p:bodyStyle>
-      <a:lvl1pPr marL="342900" indent="-342900" algn="l" defTabSz="457200" rtl="0" eaLnBrk="1" latinLnBrk="0" hangingPunct="1">
+      <a:lvl1pPr marL="342900" indent="-342900" algn="l" defTabSz="914400" rtl="0" eaLnBrk="1" latinLnBrk="0" hangingPunct="1">
         <a:spcBef>
           <a:spcPct val="20000"/>
         </a:spcBef>
-        <a:buFont typeface="Arial"/>
+        <a:buFont typeface="Arial" pitchFamily="34" charset="0"/>
         <a:buChar char="•"/>
-        <a:defRPr sz="2800" kern="1200">
+        <a:defRPr sz="3200" kern="1200">
           <a:solidFill>
-            <a:srgbClr val="002B5C"/>
+            <a:schemeClr val="tx1"/>
           </a:solidFill>
-          <a:latin typeface="Arial"/>
+          <a:latin typeface="+mn-lt"/>
           <a:ea typeface="+mn-ea"/>
-          <a:cs typeface="Arial"/>
+          <a:cs typeface="+mn-cs"/>
         </a:defRPr>
       </a:lvl1pPr>
-      <a:lvl2pPr marL="742950" indent="-285750" algn="l" defTabSz="457200" rtl="0" eaLnBrk="1" latinLnBrk="0" hangingPunct="1">
+      <a:lvl2pPr marL="742950" indent="-285750" algn="l" defTabSz="914400" rtl="0" eaLnBrk="1" latinLnBrk="0" hangingPunct="1">
         <a:spcBef>
           <a:spcPct val="20000"/>
         </a:spcBef>
-        <a:buFont typeface="Arial"/>
+        <a:buFont typeface="Arial" pitchFamily="34" charset="0"/>
         <a:buChar char="–"/>
-        <a:defRPr sz="2400" kern="1200">
+        <a:defRPr sz="2800" kern="1200">
           <a:solidFill>
-            <a:srgbClr val="002B5C"/>
+            <a:schemeClr val="tx1"/>
           </a:solidFill>
-          <a:latin typeface="Arial"/>
+          <a:latin typeface="+mn-lt"/>
           <a:ea typeface="+mn-ea"/>
-          <a:cs typeface="Arial"/>
+          <a:cs typeface="+mn-cs"/>
         </a:defRPr>
       </a:lvl2pPr>
-      <a:lvl3pPr marL="1143000" indent="-228600" algn="l" defTabSz="457200" rtl="0" eaLnBrk="1" latinLnBrk="0" hangingPunct="1">
+      <a:lvl3pPr marL="1143000" indent="-228600" algn="l" defTabSz="914400" rtl="0" eaLnBrk="1" latinLnBrk="0" hangingPunct="1">
         <a:spcBef>
           <a:spcPct val="20000"/>
         </a:spcBef>
-        <a:buFont typeface="Arial"/>
+        <a:buFont typeface="Arial" pitchFamily="34" charset="0"/>
         <a:buChar char="•"/>
-        <a:defRPr sz="2000" kern="1200">
+        <a:defRPr sz="2400" kern="1200">
           <a:solidFill>
-            <a:srgbClr val="002B5C"/>
+            <a:schemeClr val="tx1"/>
           </a:solidFill>
-          <a:latin typeface="Arial"/>
+          <a:latin typeface="+mn-lt"/>
           <a:ea typeface="+mn-ea"/>
-          <a:cs typeface="Arial"/>
+          <a:cs typeface="+mn-cs"/>
         </a:defRPr>
       </a:lvl3pPr>
-      <a:lvl4pPr marL="1600200" indent="-228600" algn="l" defTabSz="457200" rtl="0" eaLnBrk="1" latinLnBrk="0" hangingPunct="1">
+      <a:lvl4pPr marL="1600200" indent="-228600" algn="l" defTabSz="914400" rtl="0" eaLnBrk="1" latinLnBrk="0" hangingPunct="1">
         <a:spcBef>
           <a:spcPct val="20000"/>
         </a:spcBef>
-        <a:buFont typeface="Arial"/>
+        <a:buFont typeface="Arial" pitchFamily="34" charset="0"/>
         <a:buChar char="–"/>
-        <a:defRPr sz="1600" kern="1200">
+        <a:defRPr sz="2000" kern="1200">
           <a:solidFill>
-            <a:srgbClr val="002B5C"/>
+            <a:schemeClr val="tx1"/>
           </a:solidFill>
-          <a:latin typeface="Arial"/>
+          <a:latin typeface="+mn-lt"/>
           <a:ea typeface="+mn-ea"/>
-          <a:cs typeface="Arial"/>
+          <a:cs typeface="+mn-cs"/>
         </a:defRPr>
       </a:lvl4pPr>
-      <a:lvl5pPr marL="2057400" indent="-228600" algn="l" defTabSz="457200" rtl="0" eaLnBrk="1" latinLnBrk="0" hangingPunct="1">
+      <a:lvl5pPr marL="2057400" indent="-228600" algn="l" defTabSz="914400" rtl="0" eaLnBrk="1" latinLnBrk="0" hangingPunct="1">
         <a:spcBef>
           <a:spcPct val="20000"/>
         </a:spcBef>
-        <a:buFont typeface="Arial"/>
+        <a:buFont typeface="Arial" pitchFamily="34" charset="0"/>
         <a:buChar char="»"/>
-        <a:defRPr sz="1200" kern="1200">
+        <a:defRPr sz="2000" kern="1200">
           <a:solidFill>
-            <a:srgbClr val="002B5C"/>
+            <a:schemeClr val="tx1"/>
           </a:solidFill>
-          <a:latin typeface="Arial"/>
+          <a:latin typeface="+mn-lt"/>
           <a:ea typeface="+mn-ea"/>
-          <a:cs typeface="Arial"/>
+          <a:cs typeface="+mn-cs"/>
         </a:defRPr>
       </a:lvl5pPr>
-      <a:lvl6pPr marL="2514600" indent="-228600" algn="l" defTabSz="457200" rtl="0" eaLnBrk="1" latinLnBrk="0" hangingPunct="1">
+      <a:lvl6pPr marL="2514600" indent="-228600" algn="l" defTabSz="914400" rtl="0" eaLnBrk="1" latinLnBrk="0" hangingPunct="1">
         <a:spcBef>
           <a:spcPct val="20000"/>
         </a:spcBef>
-        <a:buFont typeface="Arial"/>
+        <a:buFont typeface="Arial" pitchFamily="34" charset="0"/>
         <a:buChar char="•"/>
         <a:defRPr sz="2000" kern="1200">
           <a:solidFill>
@@ -2543,11 +3447,11 @@
           <a:cs typeface="+mn-cs"/>
         </a:defRPr>
       </a:lvl6pPr>
-      <a:lvl7pPr marL="2971800" indent="-228600" algn="l" defTabSz="457200" rtl="0" eaLnBrk="1" latinLnBrk="0" hangingPunct="1">
+      <a:lvl7pPr marL="2971800" indent="-228600" algn="l" defTabSz="914400" rtl="0" eaLnBrk="1" latinLnBrk="0" hangingPunct="1">
         <a:spcBef>
           <a:spcPct val="20000"/>
         </a:spcBef>
-        <a:buFont typeface="Arial"/>
+        <a:buFont typeface="Arial" pitchFamily="34" charset="0"/>
         <a:buChar char="•"/>
         <a:defRPr sz="2000" kern="1200">
           <a:solidFill>
@@ -2558,11 +3462,11 @@
           <a:cs typeface="+mn-cs"/>
         </a:defRPr>
       </a:lvl7pPr>
-      <a:lvl8pPr marL="3429000" indent="-228600" algn="l" defTabSz="457200" rtl="0" eaLnBrk="1" latinLnBrk="0" hangingPunct="1">
+      <a:lvl8pPr marL="3429000" indent="-228600" algn="l" defTabSz="914400" rtl="0" eaLnBrk="1" latinLnBrk="0" hangingPunct="1">
         <a:spcBef>
           <a:spcPct val="20000"/>
         </a:spcBef>
-        <a:buFont typeface="Arial"/>
+        <a:buFont typeface="Arial" pitchFamily="34" charset="0"/>
         <a:buChar char="•"/>
         <a:defRPr sz="2000" kern="1200">
           <a:solidFill>
@@ -2573,11 +3477,11 @@
           <a:cs typeface="+mn-cs"/>
         </a:defRPr>
       </a:lvl8pPr>
-      <a:lvl9pPr marL="3886200" indent="-228600" algn="l" defTabSz="457200" rtl="0" eaLnBrk="1" latinLnBrk="0" hangingPunct="1">
+      <a:lvl9pPr marL="3886200" indent="-228600" algn="l" defTabSz="914400" rtl="0" eaLnBrk="1" latinLnBrk="0" hangingPunct="1">
         <a:spcBef>
           <a:spcPct val="20000"/>
         </a:spcBef>
-        <a:buFont typeface="Arial"/>
+        <a:buFont typeface="Arial" pitchFamily="34" charset="0"/>
         <a:buChar char="•"/>
         <a:defRPr sz="2000" kern="1200">
           <a:solidFill>
@@ -2593,7 +3497,7 @@
       <a:defPPr>
         <a:defRPr lang="en-US"/>
       </a:defPPr>
-      <a:lvl1pPr marL="0" algn="l" defTabSz="457200" rtl="0" eaLnBrk="1" latinLnBrk="0" hangingPunct="1">
+      <a:lvl1pPr marL="0" algn="l" defTabSz="914400" rtl="0" eaLnBrk="1" latinLnBrk="0" hangingPunct="1">
         <a:defRPr sz="1800" kern="1200">
           <a:solidFill>
             <a:schemeClr val="tx1"/>
@@ -2603,7 +3507,7 @@
           <a:cs typeface="+mn-cs"/>
         </a:defRPr>
       </a:lvl1pPr>
-      <a:lvl2pPr marL="457200" algn="l" defTabSz="457200" rtl="0" eaLnBrk="1" latinLnBrk="0" hangingPunct="1">
+      <a:lvl2pPr marL="457200" algn="l" defTabSz="914400" rtl="0" eaLnBrk="1" latinLnBrk="0" hangingPunct="1">
         <a:defRPr sz="1800" kern="1200">
           <a:solidFill>
             <a:schemeClr val="tx1"/>
@@ -2613,7 +3517,7 @@
           <a:cs typeface="+mn-cs"/>
         </a:defRPr>
       </a:lvl2pPr>
-      <a:lvl3pPr marL="914400" algn="l" defTabSz="457200" rtl="0" eaLnBrk="1" latinLnBrk="0" hangingPunct="1">
+      <a:lvl3pPr marL="914400" algn="l" defTabSz="914400" rtl="0" eaLnBrk="1" latinLnBrk="0" hangingPunct="1">
         <a:defRPr sz="1800" kern="1200">
           <a:solidFill>
             <a:schemeClr val="tx1"/>
@@ -2623,7 +3527,7 @@
           <a:cs typeface="+mn-cs"/>
         </a:defRPr>
       </a:lvl3pPr>
-      <a:lvl4pPr marL="1371600" algn="l" defTabSz="457200" rtl="0" eaLnBrk="1" latinLnBrk="0" hangingPunct="1">
+      <a:lvl4pPr marL="1371600" algn="l" defTabSz="914400" rtl="0" eaLnBrk="1" latinLnBrk="0" hangingPunct="1">
         <a:defRPr sz="1800" kern="1200">
           <a:solidFill>
             <a:schemeClr val="tx1"/>
@@ -2633,7 +3537,7 @@
           <a:cs typeface="+mn-cs"/>
         </a:defRPr>
       </a:lvl4pPr>
-      <a:lvl5pPr marL="1828800" algn="l" defTabSz="457200" rtl="0" eaLnBrk="1" latinLnBrk="0" hangingPunct="1">
+      <a:lvl5pPr marL="1828800" algn="l" defTabSz="914400" rtl="0" eaLnBrk="1" latinLnBrk="0" hangingPunct="1">
         <a:defRPr sz="1800" kern="1200">
           <a:solidFill>
             <a:schemeClr val="tx1"/>
@@ -2643,7 +3547,7 @@
           <a:cs typeface="+mn-cs"/>
         </a:defRPr>
       </a:lvl5pPr>
-      <a:lvl6pPr marL="2286000" algn="l" defTabSz="457200" rtl="0" eaLnBrk="1" latinLnBrk="0" hangingPunct="1">
+      <a:lvl6pPr marL="2286000" algn="l" defTabSz="914400" rtl="0" eaLnBrk="1" latinLnBrk="0" hangingPunct="1">
         <a:defRPr sz="1800" kern="1200">
           <a:solidFill>
             <a:schemeClr val="tx1"/>
@@ -2653,7 +3557,7 @@
           <a:cs typeface="+mn-cs"/>
         </a:defRPr>
       </a:lvl6pPr>
-      <a:lvl7pPr marL="2743200" algn="l" defTabSz="457200" rtl="0" eaLnBrk="1" latinLnBrk="0" hangingPunct="1">
+      <a:lvl7pPr marL="2743200" algn="l" defTabSz="914400" rtl="0" eaLnBrk="1" latinLnBrk="0" hangingPunct="1">
         <a:defRPr sz="1800" kern="1200">
           <a:solidFill>
             <a:schemeClr val="tx1"/>
@@ -2663,7 +3567,7 @@
           <a:cs typeface="+mn-cs"/>
         </a:defRPr>
       </a:lvl7pPr>
-      <a:lvl8pPr marL="3200400" algn="l" defTabSz="457200" rtl="0" eaLnBrk="1" latinLnBrk="0" hangingPunct="1">
+      <a:lvl8pPr marL="3200400" algn="l" defTabSz="914400" rtl="0" eaLnBrk="1" latinLnBrk="0" hangingPunct="1">
         <a:defRPr sz="1800" kern="1200">
           <a:solidFill>
             <a:schemeClr val="tx1"/>
@@ -2673,7 +3577,7 @@
           <a:cs typeface="+mn-cs"/>
         </a:defRPr>
       </a:lvl8pPr>
-      <a:lvl9pPr marL="3657600" algn="l" defTabSz="457200" rtl="0" eaLnBrk="1" latinLnBrk="0" hangingPunct="1">
+      <a:lvl9pPr marL="3657600" algn="l" defTabSz="914400" rtl="0" eaLnBrk="1" latinLnBrk="0" hangingPunct="1">
         <a:defRPr sz="1800" kern="1200">
           <a:solidFill>
             <a:schemeClr val="tx1"/>
@@ -2707,12 +3611,12 @@
       </p:grpSpPr>
       <p:sp>
         <p:nvSpPr>
-          <p:cNvPr id="2" name="Title 1"/>
-          <p:cNvSpPr>
-            <a:spLocks noGrp="1"/>
-          </p:cNvSpPr>
-          <p:nvPr>
-            <p:ph type="ctrTitle"/>
+          <p:cNvPr id="3" name="Content Placeholder 2"/>
+          <p:cNvSpPr>
+            <a:spLocks noGrp="1"/>
+          </p:cNvSpPr>
+          <p:nvPr>
+            <p:ph idx="1"/>
           </p:nvPr>
         </p:nvSpPr>
         <p:spPr/>
@@ -2721,40 +3625,39 @@
           <a:lstStyle/>
           <a:p>
             <a:r>
-              <a:rPr lang="en-US" dirty="0" smtClean="0"/>
-              <a:t>Umbrella tutorial</a:t>
-            </a:r>
-            <a:endParaRPr lang="en-US" dirty="0"/>
-          </a:p>
-        </p:txBody>
-      </p:sp>
-      <p:sp>
-        <p:nvSpPr>
-          <p:cNvPr id="3" name="Subtitle 2"/>
-          <p:cNvSpPr>
-            <a:spLocks noGrp="1"/>
-          </p:cNvSpPr>
-          <p:nvPr>
-            <p:ph type="subTitle" idx="1"/>
-          </p:nvPr>
-        </p:nvSpPr>
-        <p:spPr/>
-        <p:txBody>
-          <a:bodyPr/>
-          <a:lstStyle/>
-          <a:p>
-            <a:r>
-              <a:rPr lang="en-US" dirty="0" smtClean="0"/>
-              <a:t>Preserving </a:t>
-            </a:r>
-            <a:r>
-              <a:rPr lang="en-US" dirty="0" err="1" smtClean="0"/>
-              <a:t>bertini</a:t>
-            </a:r>
-            <a:r>
-              <a:rPr lang="en-US" dirty="0" smtClean="0"/>
-              <a:t> software</a:t>
-            </a:r>
+              <a:rPr lang="en-US" dirty="0">
+                <a:latin typeface="Helvetica Neue Light"/>
+                <a:cs typeface="Helvetica Neue Light"/>
+              </a:rPr>
+              <a:t>Server: </a:t>
+            </a:r>
+            <a:r>
+              <a:rPr lang="is-IS" dirty="0">
+                <a:latin typeface="Helvetica Neue Light"/>
+                <a:cs typeface="Helvetica Neue Light"/>
+              </a:rPr>
+              <a:t>129.74.246.122</a:t>
+            </a:r>
+          </a:p>
+          <a:p>
+            <a:r>
+              <a:rPr lang="is-IS" dirty="0">
+                <a:latin typeface="Helvetica Neue Light"/>
+                <a:cs typeface="Helvetica Neue Light"/>
+              </a:rPr>
+              <a:t>Login: daspos</a:t>
+            </a:r>
+          </a:p>
+          <a:p>
+            <a:r>
+              <a:rPr lang="is-IS" dirty="0">
+                <a:latin typeface="Helvetica Neue Light"/>
+                <a:cs typeface="Helvetica Neue Light"/>
+              </a:rPr>
+              <a:t>Password: daspos1</a:t>
+            </a:r>
+          </a:p>
+          <a:p>
             <a:endParaRPr lang="en-US" dirty="0"/>
           </a:p>
         </p:txBody>
@@ -2762,7 +3665,7 @@
     </p:spTree>
     <p:extLst>
       <p:ext uri="{BB962C8B-B14F-4D97-AF65-F5344CB8AC3E}">
-        <p14:creationId xmlns:p14="http://schemas.microsoft.com/office/powerpoint/2010/main" val="2952977762"/>
+        <p14:creationId xmlns:p14="http://schemas.microsoft.com/office/powerpoint/2010/main" val="1172060687"/>
       </p:ext>
     </p:extLst>
   </p:cSld>
@@ -2801,39 +3704,70 @@
         </p:nvSpPr>
         <p:spPr/>
         <p:txBody>
+          <a:bodyPr/>
+          <a:lstStyle/>
+          <a:p>
+            <a:r>
+              <a:rPr lang="en-US" dirty="0" smtClean="0"/>
+              <a:t>Umbrella Local Cache</a:t>
+            </a:r>
+            <a:endParaRPr lang="en-US" dirty="0"/>
+          </a:p>
+        </p:txBody>
+      </p:sp>
+      <p:sp>
+        <p:nvSpPr>
+          <p:cNvPr id="3" name="Content Placeholder 2"/>
+          <p:cNvSpPr>
+            <a:spLocks noGrp="1"/>
+          </p:cNvSpPr>
+          <p:nvPr>
+            <p:ph idx="1"/>
+          </p:nvPr>
+        </p:nvSpPr>
+        <p:spPr>
+          <a:xfrm>
+            <a:off x="108857" y="1493837"/>
+            <a:ext cx="8229600" cy="639763"/>
+          </a:xfrm>
+        </p:spPr>
+        <p:txBody>
           <a:bodyPr>
-            <a:normAutofit fontScale="90000"/>
+            <a:normAutofit/>
           </a:bodyPr>
           <a:lstStyle/>
           <a:p>
             <a:r>
               <a:rPr lang="en-US" dirty="0" smtClean="0"/>
-              <a:t>Step 5: Specify executable file(s) </a:t>
-            </a:r>
-            <a:endParaRPr lang="en-US" dirty="0"/>
+              <a:t>OS-level virtualization </a:t>
+            </a:r>
           </a:p>
         </p:txBody>
       </p:sp>
       <p:pic>
         <p:nvPicPr>
-          <p:cNvPr id="4" name="Content Placeholder 3"/>
+          <p:cNvPr id="4" name="Picture 3"/>
           <p:cNvPicPr>
-            <a:picLocks noGrp="1" noChangeAspect="1"/>
+            <a:picLocks noChangeAspect="1"/>
           </p:cNvPicPr>
-          <p:nvPr>
-            <p:ph idx="1"/>
-          </p:nvPr>
+          <p:nvPr/>
         </p:nvPicPr>
         <p:blipFill>
-          <a:blip r:embed="rId2"/>
+          <a:blip r:embed="rId2">
+            <a:extLst>
+              <a:ext uri="{28A0092B-C50C-407E-A947-70E740481C1C}">
+                <a14:useLocalDpi xmlns:a14="http://schemas.microsoft.com/office/drawing/2010/main" val="0"/>
+              </a:ext>
+            </a:extLst>
+          </a:blip>
           <a:stretch>
             <a:fillRect/>
           </a:stretch>
         </p:blipFill>
         <p:spPr>
           <a:xfrm>
-            <a:off x="457200" y="2599905"/>
-            <a:ext cx="8229600" cy="2755152"/>
+            <a:off x="108857" y="2590800"/>
+            <a:ext cx="8958943" cy="3861362"/>
           </a:xfrm>
           <a:prstGeom prst="rect">
             <a:avLst/>
@@ -2843,13 +3777,20 @@
     </p:spTree>
     <p:extLst>
       <p:ext uri="{BB962C8B-B14F-4D97-AF65-F5344CB8AC3E}">
-        <p14:creationId xmlns:p14="http://schemas.microsoft.com/office/powerpoint/2010/main" val="4208411827"/>
+        <p14:creationId xmlns:p14="http://schemas.microsoft.com/office/powerpoint/2010/main" val="925213443"/>
       </p:ext>
     </p:extLst>
   </p:cSld>
   <p:clrMapOvr>
     <a:masterClrMapping/>
   </p:clrMapOvr>
+  <p:timing>
+    <p:tnLst>
+      <p:par>
+        <p:cTn id="1" dur="indefinite" restart="never" nodeType="tmRoot"/>
+      </p:par>
+    </p:tnLst>
+  </p:timing>
 </p:sld>
 </file>
 
@@ -2882,49 +3823,90 @@
         </p:nvSpPr>
         <p:spPr/>
         <p:txBody>
-          <a:bodyPr>
-            <a:normAutofit/>
-          </a:bodyPr>
-          <a:lstStyle/>
-          <a:p>
-            <a:r>
-              <a:rPr lang="en-US" dirty="0" smtClean="0"/>
-              <a:t>Step 6: Expected output </a:t>
+          <a:bodyPr/>
+          <a:lstStyle/>
+          <a:p>
+            <a:endParaRPr lang="en-US"/>
+          </a:p>
+        </p:txBody>
+      </p:sp>
+      <p:sp>
+        <p:nvSpPr>
+          <p:cNvPr id="3" name="Content Placeholder 2"/>
+          <p:cNvSpPr>
+            <a:spLocks noGrp="1"/>
+          </p:cNvSpPr>
+          <p:nvPr>
+            <p:ph idx="1"/>
+          </p:nvPr>
+        </p:nvSpPr>
+        <p:spPr/>
+        <p:txBody>
+          <a:bodyPr/>
+          <a:lstStyle/>
+          <a:p>
+            <a:r>
+              <a:rPr lang="en-US" dirty="0"/>
+              <a:t>[</a:t>
+            </a:r>
+            <a:r>
+              <a:rPr lang="en-US" dirty="0" err="1"/>
+              <a:t>avyushko@stockpile</a:t>
+            </a:r>
+            <a:r>
+              <a:rPr lang="en-US" dirty="0"/>
+              <a:t> demo1]$ </a:t>
+            </a:r>
+            <a:r>
+              <a:rPr lang="en-US" dirty="0" err="1"/>
+              <a:t>ls</a:t>
+            </a:r>
+            <a:r>
+              <a:rPr lang="en-US" dirty="0"/>
+              <a:t> /</a:t>
+            </a:r>
+            <a:r>
+              <a:rPr lang="en-US" dirty="0" err="1"/>
+              <a:t>tmp</a:t>
+            </a:r>
+            <a:r>
+              <a:rPr lang="en-US" dirty="0"/>
+              <a:t>/</a:t>
+            </a:r>
+            <a:r>
+              <a:rPr lang="en-US" dirty="0" err="1"/>
+              <a:t>umbrella_cache</a:t>
+            </a:r>
+            <a:r>
+              <a:rPr lang="en-US" dirty="0"/>
+              <a:t>/cache</a:t>
+            </a:r>
+          </a:p>
+          <a:p>
+            <a:pPr marL="0" indent="0">
+              <a:buNone/>
+            </a:pPr>
+            <a:r>
+              <a:rPr lang="pl-PL" dirty="0"/>
+              <a:t>5566c8dc820c2a2744f646abf662e34b  c2a2b68f8089209fc2454f3bc242b5d2</a:t>
+            </a:r>
+          </a:p>
+          <a:p>
+            <a:pPr marL="0" indent="0">
+              <a:buNone/>
+            </a:pPr>
+            <a:r>
+              <a:rPr lang="en-US" dirty="0"/>
+              <a:t>902703f016e0f930a870eaf9cb31640b</a:t>
             </a:r>
             <a:endParaRPr lang="en-US" dirty="0"/>
           </a:p>
         </p:txBody>
       </p:sp>
-      <p:pic>
-        <p:nvPicPr>
-          <p:cNvPr id="6" name="Content Placeholder 5"/>
-          <p:cNvPicPr>
-            <a:picLocks noGrp="1" noChangeAspect="1"/>
-          </p:cNvPicPr>
-          <p:nvPr>
-            <p:ph idx="1"/>
-          </p:nvPr>
-        </p:nvPicPr>
-        <p:blipFill>
-          <a:blip r:embed="rId2"/>
-          <a:stretch>
-            <a:fillRect/>
-          </a:stretch>
-        </p:blipFill>
-        <p:spPr>
-          <a:xfrm>
-            <a:off x="457200" y="2763430"/>
-            <a:ext cx="8229600" cy="2428102"/>
-          </a:xfrm>
-          <a:prstGeom prst="rect">
-            <a:avLst/>
-          </a:prstGeom>
-        </p:spPr>
-      </p:pic>
     </p:spTree>
     <p:extLst>
       <p:ext uri="{BB962C8B-B14F-4D97-AF65-F5344CB8AC3E}">
-        <p14:creationId xmlns:p14="http://schemas.microsoft.com/office/powerpoint/2010/main" val="2398977628"/>
+        <p14:creationId xmlns:p14="http://schemas.microsoft.com/office/powerpoint/2010/main" val="2056137421"/>
       </p:ext>
     </p:extLst>
   </p:cSld>
@@ -2968,48 +3950,129 @@
           <a:p>
             <a:r>
               <a:rPr lang="en-US" dirty="0" smtClean="0"/>
-              <a:t>Step 7: Optional sections</a:t>
+              <a:t>Umbrella Archiver</a:t>
             </a:r>
             <a:endParaRPr lang="en-US" dirty="0"/>
           </a:p>
         </p:txBody>
       </p:sp>
-      <p:pic>
-        <p:nvPicPr>
-          <p:cNvPr id="4" name="Content Placeholder 3"/>
-          <p:cNvPicPr>
-            <a:picLocks noGrp="1" noChangeAspect="1"/>
-          </p:cNvPicPr>
+      <p:sp>
+        <p:nvSpPr>
+          <p:cNvPr id="3" name="Content Placeholder 2"/>
+          <p:cNvSpPr>
+            <a:spLocks noGrp="1"/>
+          </p:cNvSpPr>
           <p:nvPr>
             <p:ph idx="1"/>
           </p:nvPr>
-        </p:nvPicPr>
-        <p:blipFill>
-          <a:blip r:embed="rId2"/>
-          <a:stretch>
-            <a:fillRect/>
-          </a:stretch>
-        </p:blipFill>
+        </p:nvSpPr>
         <p:spPr>
           <a:xfrm>
-            <a:off x="457200" y="3178957"/>
-            <a:ext cx="8229600" cy="1597048"/>
+            <a:off x="152400" y="1600200"/>
+            <a:ext cx="8763000" cy="4800600"/>
           </a:xfrm>
-          <a:prstGeom prst="rect">
-            <a:avLst/>
-          </a:prstGeom>
         </p:spPr>
-      </p:pic>
+        <p:txBody>
+          <a:bodyPr>
+            <a:normAutofit fontScale="92500" lnSpcReduction="10000"/>
+          </a:bodyPr>
+          <a:lstStyle/>
+          <a:p>
+            <a:pPr marL="0" indent="0">
+              <a:buNone/>
+            </a:pPr>
+            <a:r>
+              <a:rPr lang="en-US" dirty="0" smtClean="0"/>
+              <a:t>Two Categories of Unreliable Dependencies:</a:t>
+            </a:r>
+          </a:p>
+          <a:p>
+            <a:pPr marL="0" indent="0">
+              <a:buNone/>
+            </a:pPr>
+            <a:r>
+              <a:rPr lang="en-US" dirty="0"/>
+              <a:t>	</a:t>
+            </a:r>
+            <a:r>
+              <a:rPr lang="en-US" dirty="0" smtClean="0"/>
+              <a:t>Local dependencies</a:t>
+            </a:r>
+          </a:p>
+          <a:p>
+            <a:pPr marL="0" indent="0">
+              <a:buNone/>
+            </a:pPr>
+            <a:r>
+              <a:rPr lang="en-US" dirty="0"/>
+              <a:t>	</a:t>
+            </a:r>
+            <a:r>
+              <a:rPr lang="en-US" dirty="0" smtClean="0"/>
+              <a:t>Some third-party network dependencies</a:t>
+            </a:r>
+          </a:p>
+          <a:p>
+            <a:pPr marL="0" indent="0">
+              <a:buNone/>
+            </a:pPr>
+            <a:endParaRPr lang="en-US" sz="1200" dirty="0" smtClean="0"/>
+          </a:p>
+          <a:p>
+            <a:r>
+              <a:rPr lang="en-US" dirty="0" smtClean="0"/>
+              <a:t>Allows the user to mark unreliable deps </a:t>
+            </a:r>
+          </a:p>
+          <a:p>
+            <a:r>
+              <a:rPr lang="en-US" dirty="0" smtClean="0"/>
+              <a:t>Uploads the unreliable deps to reliable archive </a:t>
+            </a:r>
+          </a:p>
+          <a:p>
+            <a:pPr lvl="1"/>
+            <a:r>
+              <a:rPr lang="en-US" dirty="0"/>
+              <a:t>Amazon S3</a:t>
+            </a:r>
+          </a:p>
+          <a:p>
+            <a:pPr lvl="1"/>
+            <a:r>
+              <a:rPr lang="en-US" dirty="0"/>
+              <a:t>OSF storage </a:t>
+            </a:r>
+            <a:r>
+              <a:rPr lang="en-US" dirty="0" smtClean="0"/>
+              <a:t>service</a:t>
+            </a:r>
+          </a:p>
+          <a:p>
+            <a:r>
+              <a:rPr lang="en-US" dirty="0" smtClean="0"/>
+              <a:t>Allows the user to set the access permission of uploaded resources </a:t>
+            </a:r>
+          </a:p>
+        </p:txBody>
+      </p:sp>
     </p:spTree>
     <p:extLst>
       <p:ext uri="{BB962C8B-B14F-4D97-AF65-F5344CB8AC3E}">
-        <p14:creationId xmlns:p14="http://schemas.microsoft.com/office/powerpoint/2010/main" val="3262182028"/>
+        <p14:creationId xmlns:p14="http://schemas.microsoft.com/office/powerpoint/2010/main" val="1281213290"/>
       </p:ext>
     </p:extLst>
   </p:cSld>
   <p:clrMapOvr>
     <a:masterClrMapping/>
   </p:clrMapOvr>
+  <p:timing>
+    <p:tnLst>
+      <p:par>
+        <p:cTn id="1" dur="indefinite" restart="never" nodeType="tmRoot"/>
+      </p:par>
+    </p:tnLst>
+  </p:timing>
 </p:sld>
 </file>
 
@@ -3030,29 +4093,6 @@
           <a:chExt cx="0" cy="0"/>
         </a:xfrm>
       </p:grpSpPr>
-      <p:sp>
-        <p:nvSpPr>
-          <p:cNvPr id="2" name="Title 1"/>
-          <p:cNvSpPr>
-            <a:spLocks noGrp="1"/>
-          </p:cNvSpPr>
-          <p:nvPr>
-            <p:ph type="title"/>
-          </p:nvPr>
-        </p:nvSpPr>
-        <p:spPr/>
-        <p:txBody>
-          <a:bodyPr/>
-          <a:lstStyle/>
-          <a:p>
-            <a:r>
-              <a:rPr lang="en-US" dirty="0" smtClean="0"/>
-              <a:t>Step 8: Input file </a:t>
-            </a:r>
-            <a:endParaRPr lang="en-US" dirty="0"/>
-          </a:p>
-        </p:txBody>
-      </p:sp>
       <p:pic>
         <p:nvPicPr>
           <p:cNvPr id="4" name="Content Placeholder 3"/>
@@ -3064,31 +4104,69 @@
           </p:nvPr>
         </p:nvPicPr>
         <p:blipFill>
-          <a:blip r:embed="rId2"/>
+          <a:blip r:embed="rId2">
+            <a:extLst>
+              <a:ext uri="{28A0092B-C50C-407E-A947-70E740481C1C}">
+                <a14:useLocalDpi xmlns:a14="http://schemas.microsoft.com/office/drawing/2010/main" val="0"/>
+              </a:ext>
+            </a:extLst>
+          </a:blip>
           <a:stretch>
             <a:fillRect/>
           </a:stretch>
         </p:blipFill>
         <p:spPr>
           <a:xfrm>
-            <a:off x="457200" y="2010542"/>
-            <a:ext cx="8229600" cy="3933878"/>
+            <a:off x="838498" y="860491"/>
+            <a:ext cx="7772102" cy="5939279"/>
           </a:xfrm>
-          <a:prstGeom prst="rect">
-            <a:avLst/>
-          </a:prstGeom>
         </p:spPr>
       </p:pic>
+      <p:sp>
+        <p:nvSpPr>
+          <p:cNvPr id="3" name="Title 1"/>
+          <p:cNvSpPr>
+            <a:spLocks noGrp="1"/>
+          </p:cNvSpPr>
+          <p:nvPr>
+            <p:ph type="title"/>
+          </p:nvPr>
+        </p:nvSpPr>
+        <p:spPr>
+          <a:xfrm>
+            <a:off x="457200" y="76200"/>
+            <a:ext cx="8229600" cy="990600"/>
+          </a:xfrm>
+        </p:spPr>
+        <p:txBody>
+          <a:bodyPr/>
+          <a:lstStyle/>
+          <a:p>
+            <a:r>
+              <a:rPr lang="en-US" dirty="0" smtClean="0"/>
+              <a:t>Umbrella + OSF</a:t>
+            </a:r>
+            <a:endParaRPr lang="en-US" dirty="0"/>
+          </a:p>
+        </p:txBody>
+      </p:sp>
     </p:spTree>
     <p:extLst>
       <p:ext uri="{BB962C8B-B14F-4D97-AF65-F5344CB8AC3E}">
-        <p14:creationId xmlns:p14="http://schemas.microsoft.com/office/powerpoint/2010/main" val="3571062251"/>
+        <p14:creationId xmlns:p14="http://schemas.microsoft.com/office/powerpoint/2010/main" val="2244433366"/>
       </p:ext>
     </p:extLst>
   </p:cSld>
   <p:clrMapOvr>
     <a:masterClrMapping/>
   </p:clrMapOvr>
+  <p:timing>
+    <p:tnLst>
+      <p:par>
+        <p:cTn id="1" dur="indefinite" restart="never" nodeType="tmRoot"/>
+      </p:par>
+    </p:tnLst>
+  </p:timing>
 </p:sld>
 </file>
 
@@ -3124,471 +4202,198 @@
           <a:bodyPr/>
           <a:lstStyle/>
           <a:p>
+            <a:endParaRPr lang="en-US"/>
+          </a:p>
+        </p:txBody>
+      </p:sp>
+      <p:sp>
+        <p:nvSpPr>
+          <p:cNvPr id="3" name="Content Placeholder 2"/>
+          <p:cNvSpPr>
+            <a:spLocks noGrp="1"/>
+          </p:cNvSpPr>
+          <p:nvPr>
+            <p:ph idx="1"/>
+          </p:nvPr>
+        </p:nvSpPr>
+        <p:spPr/>
+        <p:txBody>
+          <a:bodyPr/>
+          <a:lstStyle/>
+          <a:p>
             <a:r>
               <a:rPr lang="en-US" dirty="0" smtClean="0"/>
-              <a:t>Step 9: Environment variables</a:t>
+              <a:t>umbrella </a:t>
+            </a:r>
+            <a:r>
+              <a:rPr lang="en-US" dirty="0"/>
+              <a:t>--spec </a:t>
+            </a:r>
+            <a:r>
+              <a:rPr lang="en-US" dirty="0" err="1"/>
+              <a:t>bertini.umbrella</a:t>
+            </a:r>
+            <a:r>
+              <a:rPr lang="en-US" dirty="0"/>
+              <a:t> </a:t>
+            </a:r>
+            <a:r>
+              <a:rPr lang="en-US" dirty="0" smtClean="0"/>
+              <a:t>\</a:t>
+            </a:r>
+          </a:p>
+          <a:p>
+            <a:pPr marL="0" indent="0">
+              <a:buNone/>
+            </a:pPr>
+            <a:r>
+              <a:rPr lang="en-US" dirty="0" smtClean="0"/>
+              <a:t>--</a:t>
+            </a:r>
+            <a:r>
+              <a:rPr lang="en-US" dirty="0" err="1"/>
+              <a:t>localdir</a:t>
+            </a:r>
+            <a:r>
+              <a:rPr lang="en-US" dirty="0"/>
+              <a:t> /</a:t>
+            </a:r>
+            <a:r>
+              <a:rPr lang="en-US" dirty="0" err="1"/>
+              <a:t>tmp</a:t>
+            </a:r>
+            <a:r>
+              <a:rPr lang="en-US" dirty="0"/>
+              <a:t>/</a:t>
+            </a:r>
+            <a:r>
+              <a:rPr lang="en-US" dirty="0" err="1"/>
+              <a:t>umbrella_test</a:t>
+            </a:r>
+            <a:r>
+              <a:rPr lang="en-US" dirty="0"/>
+              <a:t>/ </a:t>
+            </a:r>
+            <a:r>
+              <a:rPr lang="en-US" dirty="0" smtClean="0"/>
+              <a:t>\</a:t>
+            </a:r>
+          </a:p>
+          <a:p>
+            <a:pPr marL="0" indent="0">
+              <a:buNone/>
+            </a:pPr>
+            <a:r>
+              <a:rPr lang="en-US" dirty="0" smtClean="0"/>
+              <a:t>--</a:t>
+            </a:r>
+            <a:r>
+              <a:rPr lang="en-US" dirty="0"/>
+              <a:t>log </a:t>
+            </a:r>
+            <a:r>
+              <a:rPr lang="en-US" dirty="0" err="1"/>
+              <a:t>umbrella.log</a:t>
+            </a:r>
+            <a:r>
+              <a:rPr lang="en-US" dirty="0"/>
+              <a:t> </a:t>
+            </a:r>
+            <a:r>
+              <a:rPr lang="en-US" dirty="0" smtClean="0"/>
+              <a:t>\</a:t>
+            </a:r>
+          </a:p>
+          <a:p>
+            <a:pPr marL="0" indent="0">
+              <a:buNone/>
+            </a:pPr>
+            <a:r>
+              <a:rPr lang="en-US" dirty="0" smtClean="0"/>
+              <a:t>--</a:t>
+            </a:r>
+            <a:r>
+              <a:rPr lang="en-US" dirty="0" err="1"/>
+              <a:t>osf_userid</a:t>
+            </a:r>
+            <a:r>
+              <a:rPr lang="en-US" dirty="0"/>
+              <a:t>=kh4n3 </a:t>
+            </a:r>
+            <a:r>
+              <a:rPr lang="en-US" dirty="0" smtClean="0"/>
+              <a:t>\</a:t>
+            </a:r>
+          </a:p>
+          <a:p>
+            <a:pPr marL="0" indent="0">
+              <a:buNone/>
+            </a:pPr>
+            <a:r>
+              <a:rPr lang="en-US" dirty="0" smtClean="0"/>
+              <a:t>--</a:t>
+            </a:r>
+            <a:r>
+              <a:rPr lang="en-US" dirty="0" err="1" smtClean="0"/>
+              <a:t>osf_user</a:t>
+            </a:r>
+            <a:r>
+              <a:rPr lang="en-US" dirty="0" smtClean="0"/>
+              <a:t>=</a:t>
+            </a:r>
+            <a:r>
+              <a:rPr lang="en-US" dirty="0" err="1" smtClean="0"/>
+              <a:t>avyushko@nd.edu</a:t>
+            </a:r>
+            <a:r>
+              <a:rPr lang="en-US" dirty="0" smtClean="0"/>
+              <a:t> \</a:t>
+            </a:r>
+          </a:p>
+          <a:p>
+            <a:pPr marL="0" indent="0">
+              <a:buNone/>
+            </a:pPr>
+            <a:r>
+              <a:rPr lang="en-US" dirty="0" smtClean="0"/>
+              <a:t>--</a:t>
+            </a:r>
+            <a:r>
+              <a:rPr lang="en-US" dirty="0" err="1" smtClean="0"/>
+              <a:t>osf_pass</a:t>
+            </a:r>
+            <a:r>
+              <a:rPr lang="en-US" dirty="0" smtClean="0"/>
+              <a:t>=&lt;password&gt; upload </a:t>
+            </a:r>
+            <a:r>
+              <a:rPr lang="en-US" dirty="0" err="1"/>
+              <a:t>osf</a:t>
+            </a:r>
+            <a:r>
+              <a:rPr lang="en-US" dirty="0"/>
+              <a:t> </a:t>
+            </a:r>
+            <a:r>
+              <a:rPr lang="en-US" dirty="0" err="1"/>
+              <a:t>proj_bertini</a:t>
+            </a:r>
+            <a:r>
+              <a:rPr lang="en-US" dirty="0"/>
+              <a:t> public </a:t>
+            </a:r>
+            <a:r>
+              <a:rPr lang="en-US" dirty="0" err="1"/>
+              <a:t>osf.umbrella</a:t>
             </a:r>
             <a:endParaRPr lang="en-US" dirty="0"/>
           </a:p>
         </p:txBody>
       </p:sp>
-      <p:pic>
-        <p:nvPicPr>
-          <p:cNvPr id="7" name="Content Placeholder 6"/>
-          <p:cNvPicPr>
-            <a:picLocks noGrp="1" noChangeAspect="1"/>
-          </p:cNvPicPr>
-          <p:nvPr>
-            <p:ph idx="1"/>
-          </p:nvPr>
-        </p:nvPicPr>
-        <p:blipFill>
-          <a:blip r:embed="rId2"/>
-          <a:stretch>
-            <a:fillRect/>
-          </a:stretch>
-        </p:blipFill>
-        <p:spPr>
-          <a:xfrm>
-            <a:off x="457200" y="2201275"/>
-            <a:ext cx="8229600" cy="3552412"/>
-          </a:xfrm>
-          <a:prstGeom prst="rect">
-            <a:avLst/>
-          </a:prstGeom>
-        </p:spPr>
-      </p:pic>
     </p:spTree>
     <p:extLst>
       <p:ext uri="{BB962C8B-B14F-4D97-AF65-F5344CB8AC3E}">
-        <p14:creationId xmlns:p14="http://schemas.microsoft.com/office/powerpoint/2010/main" val="1648884655"/>
-      </p:ext>
-    </p:extLst>
-  </p:cSld>
-  <p:clrMapOvr>
-    <a:masterClrMapping/>
-  </p:clrMapOvr>
-</p:sld>
-</file>
-
-<file path=ppt/slides/slide15.xml><?xml version="1.0" encoding="utf-8"?>
-<p:sld xmlns:a="http://schemas.openxmlformats.org/drawingml/2006/main" xmlns:r="http://schemas.openxmlformats.org/officeDocument/2006/relationships" xmlns:p="http://schemas.openxmlformats.org/presentationml/2006/main">
-  <p:cSld>
-    <p:spTree>
-      <p:nvGrpSpPr>
-        <p:cNvPr id="1" name=""/>
-        <p:cNvGrpSpPr/>
-        <p:nvPr/>
-      </p:nvGrpSpPr>
-      <p:grpSpPr>
-        <a:xfrm>
-          <a:off x="0" y="0"/>
-          <a:ext cx="0" cy="0"/>
-          <a:chOff x="0" y="0"/>
-          <a:chExt cx="0" cy="0"/>
-        </a:xfrm>
-      </p:grpSpPr>
-      <p:sp>
-        <p:nvSpPr>
-          <p:cNvPr id="2" name="Title 1"/>
-          <p:cNvSpPr>
-            <a:spLocks noGrp="1"/>
-          </p:cNvSpPr>
-          <p:nvPr>
-            <p:ph type="title"/>
-          </p:nvPr>
-        </p:nvSpPr>
-        <p:spPr/>
-        <p:txBody>
-          <a:bodyPr>
-            <a:normAutofit fontScale="90000"/>
-          </a:bodyPr>
-          <a:lstStyle/>
-          <a:p>
-            <a:r>
-              <a:rPr lang="en-US" dirty="0" smtClean="0"/>
-              <a:t>Step 10. Specify command to execute</a:t>
-            </a:r>
-            <a:endParaRPr lang="en-US" dirty="0"/>
-          </a:p>
-        </p:txBody>
-      </p:sp>
-      <p:pic>
-        <p:nvPicPr>
-          <p:cNvPr id="4" name="Content Placeholder 3"/>
-          <p:cNvPicPr>
-            <a:picLocks noGrp="1" noChangeAspect="1"/>
-          </p:cNvPicPr>
-          <p:nvPr>
-            <p:ph idx="1"/>
-          </p:nvPr>
-        </p:nvPicPr>
-        <p:blipFill>
-          <a:blip r:embed="rId2"/>
-          <a:stretch>
-            <a:fillRect/>
-          </a:stretch>
-        </p:blipFill>
-        <p:spPr>
-          <a:xfrm>
-            <a:off x="457200" y="2857777"/>
-            <a:ext cx="8229600" cy="2239409"/>
-          </a:xfrm>
-          <a:prstGeom prst="rect">
-            <a:avLst/>
-          </a:prstGeom>
-        </p:spPr>
-      </p:pic>
-    </p:spTree>
-    <p:extLst>
-      <p:ext uri="{BB962C8B-B14F-4D97-AF65-F5344CB8AC3E}">
-        <p14:creationId xmlns:p14="http://schemas.microsoft.com/office/powerpoint/2010/main" val="295619348"/>
-      </p:ext>
-    </p:extLst>
-  </p:cSld>
-  <p:clrMapOvr>
-    <a:masterClrMapping/>
-  </p:clrMapOvr>
-</p:sld>
-</file>
-
-<file path=ppt/slides/slide16.xml><?xml version="1.0" encoding="utf-8"?>
-<p:sld xmlns:a="http://schemas.openxmlformats.org/drawingml/2006/main" xmlns:r="http://schemas.openxmlformats.org/officeDocument/2006/relationships" xmlns:p="http://schemas.openxmlformats.org/presentationml/2006/main">
-  <p:cSld>
-    <p:spTree>
-      <p:nvGrpSpPr>
-        <p:cNvPr id="1" name=""/>
-        <p:cNvGrpSpPr/>
-        <p:nvPr/>
-      </p:nvGrpSpPr>
-      <p:grpSpPr>
-        <a:xfrm>
-          <a:off x="0" y="0"/>
-          <a:ext cx="0" cy="0"/>
-          <a:chOff x="0" y="0"/>
-          <a:chExt cx="0" cy="0"/>
-        </a:xfrm>
-      </p:grpSpPr>
-      <p:sp>
-        <p:nvSpPr>
-          <p:cNvPr id="2" name="Title 1"/>
-          <p:cNvSpPr>
-            <a:spLocks noGrp="1"/>
-          </p:cNvSpPr>
-          <p:nvPr>
-            <p:ph type="title"/>
-          </p:nvPr>
-        </p:nvSpPr>
-        <p:spPr/>
-        <p:txBody>
-          <a:bodyPr/>
-          <a:lstStyle/>
-          <a:p>
-            <a:r>
-              <a:rPr lang="en-US" dirty="0" smtClean="0"/>
-              <a:t>Example umbrella spec</a:t>
-            </a:r>
-            <a:endParaRPr lang="en-US" dirty="0"/>
-          </a:p>
-        </p:txBody>
-      </p:sp>
-      <p:pic>
-        <p:nvPicPr>
-          <p:cNvPr id="4" name="Content Placeholder 3"/>
-          <p:cNvPicPr>
-            <a:picLocks noGrp="1" noChangeAspect="1"/>
-          </p:cNvPicPr>
-          <p:nvPr>
-            <p:ph idx="1"/>
-          </p:nvPr>
-        </p:nvPicPr>
-        <p:blipFill>
-          <a:blip r:embed="rId2"/>
-          <a:stretch>
-            <a:fillRect/>
-          </a:stretch>
-        </p:blipFill>
-        <p:spPr>
-          <a:xfrm>
-            <a:off x="457200" y="2166620"/>
-            <a:ext cx="8229600" cy="3742493"/>
-          </a:xfrm>
-          <a:prstGeom prst="rect">
-            <a:avLst/>
-          </a:prstGeom>
-        </p:spPr>
-      </p:pic>
-    </p:spTree>
-    <p:extLst>
-      <p:ext uri="{BB962C8B-B14F-4D97-AF65-F5344CB8AC3E}">
-        <p14:creationId xmlns:p14="http://schemas.microsoft.com/office/powerpoint/2010/main" val="2755517383"/>
-      </p:ext>
-    </p:extLst>
-  </p:cSld>
-  <p:clrMapOvr>
-    <a:masterClrMapping/>
-  </p:clrMapOvr>
-</p:sld>
-</file>
-
-<file path=ppt/slides/slide17.xml><?xml version="1.0" encoding="utf-8"?>
-<p:sld xmlns:a="http://schemas.openxmlformats.org/drawingml/2006/main" xmlns:r="http://schemas.openxmlformats.org/officeDocument/2006/relationships" xmlns:p="http://schemas.openxmlformats.org/presentationml/2006/main">
-  <p:cSld>
-    <p:spTree>
-      <p:nvGrpSpPr>
-        <p:cNvPr id="1" name=""/>
-        <p:cNvGrpSpPr/>
-        <p:nvPr/>
-      </p:nvGrpSpPr>
-      <p:grpSpPr>
-        <a:xfrm>
-          <a:off x="0" y="0"/>
-          <a:ext cx="0" cy="0"/>
-          <a:chOff x="0" y="0"/>
-          <a:chExt cx="0" cy="0"/>
-        </a:xfrm>
-      </p:grpSpPr>
-      <p:sp>
-        <p:nvSpPr>
-          <p:cNvPr id="2" name="Title 1"/>
-          <p:cNvSpPr>
-            <a:spLocks noGrp="1"/>
-          </p:cNvSpPr>
-          <p:nvPr>
-            <p:ph type="title"/>
-          </p:nvPr>
-        </p:nvSpPr>
-        <p:spPr/>
-        <p:txBody>
-          <a:bodyPr/>
-          <a:lstStyle/>
-          <a:p>
-            <a:r>
-              <a:rPr lang="en-US" dirty="0" smtClean="0"/>
-              <a:t>Step 11: Make files public</a:t>
-            </a:r>
-            <a:endParaRPr lang="en-US" dirty="0"/>
-          </a:p>
-        </p:txBody>
-      </p:sp>
-      <p:pic>
-        <p:nvPicPr>
-          <p:cNvPr id="4" name="Content Placeholder 3"/>
-          <p:cNvPicPr>
-            <a:picLocks noGrp="1" noChangeAspect="1"/>
-          </p:cNvPicPr>
-          <p:nvPr>
-            <p:ph idx="1"/>
-          </p:nvPr>
-        </p:nvPicPr>
-        <p:blipFill>
-          <a:blip r:embed="rId2"/>
-          <a:stretch>
-            <a:fillRect/>
-          </a:stretch>
-        </p:blipFill>
-        <p:spPr>
-          <a:xfrm>
-            <a:off x="457200" y="2750437"/>
-            <a:ext cx="8229600" cy="2454088"/>
-          </a:xfrm>
-          <a:prstGeom prst="rect">
-            <a:avLst/>
-          </a:prstGeom>
-        </p:spPr>
-      </p:pic>
-    </p:spTree>
-    <p:extLst>
-      <p:ext uri="{BB962C8B-B14F-4D97-AF65-F5344CB8AC3E}">
-        <p14:creationId xmlns:p14="http://schemas.microsoft.com/office/powerpoint/2010/main" val="207474862"/>
-      </p:ext>
-    </p:extLst>
-  </p:cSld>
-  <p:clrMapOvr>
-    <a:masterClrMapping/>
-  </p:clrMapOvr>
-</p:sld>
-</file>
-
-<file path=ppt/slides/slide18.xml><?xml version="1.0" encoding="utf-8"?>
-<p:sld xmlns:a="http://schemas.openxmlformats.org/drawingml/2006/main" xmlns:r="http://schemas.openxmlformats.org/officeDocument/2006/relationships" xmlns:p="http://schemas.openxmlformats.org/presentationml/2006/main">
-  <p:cSld>
-    <p:spTree>
-      <p:nvGrpSpPr>
-        <p:cNvPr id="1" name=""/>
-        <p:cNvGrpSpPr/>
-        <p:nvPr/>
-      </p:nvGrpSpPr>
-      <p:grpSpPr>
-        <a:xfrm>
-          <a:off x="0" y="0"/>
-          <a:ext cx="0" cy="0"/>
-          <a:chOff x="0" y="0"/>
-          <a:chExt cx="0" cy="0"/>
-        </a:xfrm>
-      </p:grpSpPr>
-      <p:sp>
-        <p:nvSpPr>
-          <p:cNvPr id="2" name="Title 1"/>
-          <p:cNvSpPr>
-            <a:spLocks noGrp="1"/>
-          </p:cNvSpPr>
-          <p:nvPr>
-            <p:ph type="title"/>
-          </p:nvPr>
-        </p:nvSpPr>
-        <p:spPr/>
-        <p:txBody>
-          <a:bodyPr/>
-          <a:lstStyle/>
-          <a:p>
-            <a:r>
-              <a:rPr lang="en-US" dirty="0" smtClean="0"/>
-              <a:t>Run the specification</a:t>
-            </a:r>
-            <a:endParaRPr lang="en-US" dirty="0"/>
-          </a:p>
-        </p:txBody>
-      </p:sp>
-      <p:sp>
-        <p:nvSpPr>
-          <p:cNvPr id="3" name="Content Placeholder 2"/>
-          <p:cNvSpPr>
-            <a:spLocks noGrp="1"/>
-          </p:cNvSpPr>
-          <p:nvPr>
-            <p:ph idx="1"/>
-          </p:nvPr>
-        </p:nvSpPr>
-        <p:spPr/>
-        <p:txBody>
-          <a:bodyPr/>
-          <a:lstStyle/>
-          <a:p>
-            <a:endParaRPr lang="en-US"/>
-          </a:p>
-        </p:txBody>
-      </p:sp>
-    </p:spTree>
-    <p:extLst>
-      <p:ext uri="{BB962C8B-B14F-4D97-AF65-F5344CB8AC3E}">
-        <p14:creationId xmlns:p14="http://schemas.microsoft.com/office/powerpoint/2010/main" val="81099194"/>
-      </p:ext>
-    </p:extLst>
-  </p:cSld>
-  <p:clrMapOvr>
-    <a:masterClrMapping/>
-  </p:clrMapOvr>
-</p:sld>
-</file>
-
-<file path=ppt/slides/slide19.xml><?xml version="1.0" encoding="utf-8"?>
-<p:sld xmlns:a="http://schemas.openxmlformats.org/drawingml/2006/main" xmlns:r="http://schemas.openxmlformats.org/officeDocument/2006/relationships" xmlns:p="http://schemas.openxmlformats.org/presentationml/2006/main">
-  <p:cSld>
-    <p:spTree>
-      <p:nvGrpSpPr>
-        <p:cNvPr id="1" name=""/>
-        <p:cNvGrpSpPr/>
-        <p:nvPr/>
-      </p:nvGrpSpPr>
-      <p:grpSpPr>
-        <a:xfrm>
-          <a:off x="0" y="0"/>
-          <a:ext cx="0" cy="0"/>
-          <a:chOff x="0" y="0"/>
-          <a:chExt cx="0" cy="0"/>
-        </a:xfrm>
-      </p:grpSpPr>
-      <p:sp>
-        <p:nvSpPr>
-          <p:cNvPr id="2" name="Title 1"/>
-          <p:cNvSpPr>
-            <a:spLocks noGrp="1"/>
-          </p:cNvSpPr>
-          <p:nvPr>
-            <p:ph type="title"/>
-          </p:nvPr>
-        </p:nvSpPr>
-        <p:spPr/>
-        <p:txBody>
-          <a:bodyPr/>
-          <a:lstStyle/>
-          <a:p>
-            <a:r>
-              <a:rPr lang="en-US" dirty="0" smtClean="0"/>
-              <a:t>Step 1: Login to server</a:t>
-            </a:r>
-            <a:endParaRPr lang="en-US" dirty="0"/>
-          </a:p>
-        </p:txBody>
-      </p:sp>
-      <p:sp>
-        <p:nvSpPr>
-          <p:cNvPr id="3" name="Content Placeholder 2"/>
-          <p:cNvSpPr>
-            <a:spLocks noGrp="1"/>
-          </p:cNvSpPr>
-          <p:nvPr>
-            <p:ph idx="1"/>
-          </p:nvPr>
-        </p:nvSpPr>
-        <p:spPr/>
-        <p:txBody>
-          <a:bodyPr/>
-          <a:lstStyle/>
-          <a:p>
-            <a:pPr marL="0" indent="0">
-              <a:buNone/>
-            </a:pPr>
-            <a:r>
-              <a:rPr lang="en-US" dirty="0" smtClean="0"/>
-              <a:t>Umbrella and </a:t>
-            </a:r>
-            <a:r>
-              <a:rPr lang="en-US" dirty="0" err="1" smtClean="0"/>
-              <a:t>docker</a:t>
-            </a:r>
-            <a:r>
-              <a:rPr lang="en-US" dirty="0" smtClean="0"/>
-              <a:t> are installed and configured</a:t>
-            </a:r>
-          </a:p>
-          <a:p>
-            <a:pPr marL="0" indent="0">
-              <a:buNone/>
-            </a:pPr>
-            <a:endParaRPr lang="en-US" dirty="0" smtClean="0"/>
-          </a:p>
-          <a:p>
-            <a:r>
-              <a:rPr lang="en-US" dirty="0" smtClean="0"/>
-              <a:t>Server: stockpile.crc.nd.edu</a:t>
-            </a:r>
-          </a:p>
-          <a:p>
-            <a:r>
-              <a:rPr lang="en-US" dirty="0" smtClean="0"/>
-              <a:t>User: </a:t>
-            </a:r>
-            <a:r>
-              <a:rPr lang="en-US" dirty="0" err="1" smtClean="0"/>
-              <a:t>daspos</a:t>
-            </a:r>
-            <a:endParaRPr lang="en-US" dirty="0" smtClean="0"/>
-          </a:p>
-          <a:p>
-            <a:r>
-              <a:rPr lang="en-US" dirty="0" smtClean="0"/>
-              <a:t>Password: daspos1</a:t>
-            </a:r>
-            <a:endParaRPr lang="en-US" dirty="0"/>
-          </a:p>
-        </p:txBody>
-      </p:sp>
-    </p:spTree>
-    <p:extLst>
-      <p:ext uri="{BB962C8B-B14F-4D97-AF65-F5344CB8AC3E}">
-        <p14:creationId xmlns:p14="http://schemas.microsoft.com/office/powerpoint/2010/main" val="3225160841"/>
+        <p14:creationId xmlns:p14="http://schemas.microsoft.com/office/powerpoint/2010/main" val="865206731"/>
       </p:ext>
     </p:extLst>
   </p:cSld>
@@ -3632,7 +4437,15 @@
           <a:p>
             <a:r>
               <a:rPr lang="en-US" dirty="0" smtClean="0"/>
-              <a:t>Preparation</a:t>
+              <a:t>Quick start: </a:t>
+            </a:r>
+            <a:r>
+              <a:rPr lang="en-US" dirty="0" err="1" smtClean="0"/>
+              <a:t>bertini</a:t>
+            </a:r>
+            <a:r>
+              <a:rPr lang="en-US" dirty="0" smtClean="0"/>
+              <a:t> software</a:t>
             </a:r>
             <a:endParaRPr lang="en-US" dirty="0"/>
           </a:p>
@@ -3650,8 +4463,203 @@
         </p:nvSpPr>
         <p:spPr/>
         <p:txBody>
-          <a:bodyPr/>
-          <a:lstStyle/>
+          <a:bodyPr>
+            <a:normAutofit fontScale="85000" lnSpcReduction="10000"/>
+          </a:bodyPr>
+          <a:lstStyle/>
+          <a:p>
+            <a:r>
+              <a:rPr lang="en-US" dirty="0" err="1">
+                <a:latin typeface="Helvetica Neue Light"/>
+                <a:cs typeface="Helvetica Neue Light"/>
+              </a:rPr>
+              <a:t>wget</a:t>
+            </a:r>
+            <a:r>
+              <a:rPr lang="en-US" dirty="0">
+                <a:latin typeface="Helvetica Neue Light"/>
+                <a:cs typeface="Helvetica Neue Light"/>
+              </a:rPr>
+              <a:t> -O </a:t>
+            </a:r>
+            <a:r>
+              <a:rPr lang="en-US" dirty="0" err="1">
+                <a:latin typeface="Helvetica Neue Light"/>
+                <a:cs typeface="Helvetica Neue Light"/>
+              </a:rPr>
+              <a:t>bertini.umbrella</a:t>
+            </a:r>
+            <a:r>
+              <a:rPr lang="en-US" dirty="0">
+                <a:latin typeface="Helvetica Neue Light"/>
+                <a:cs typeface="Helvetica Neue Light"/>
+              </a:rPr>
+              <a:t> \</a:t>
+            </a:r>
+          </a:p>
+          <a:p>
+            <a:r>
+              <a:rPr lang="en-US" dirty="0">
+                <a:latin typeface="Helvetica Neue Light"/>
+                <a:cs typeface="Helvetica Neue Light"/>
+                <a:hlinkClick r:id="rId2"/>
+              </a:rPr>
+              <a:t>https://curate.nd.edu/downloads/b2773t9694n</a:t>
+            </a:r>
+            <a:endParaRPr lang="en-US" dirty="0">
+              <a:latin typeface="Helvetica Neue Light"/>
+              <a:cs typeface="Helvetica Neue Light"/>
+            </a:endParaRPr>
+          </a:p>
+          <a:p>
+            <a:endParaRPr lang="en-US" dirty="0">
+              <a:latin typeface="Helvetica Neue Light"/>
+              <a:cs typeface="Helvetica Neue Light"/>
+            </a:endParaRPr>
+          </a:p>
+          <a:p>
+            <a:r>
+              <a:rPr lang="en-US" dirty="0" err="1"/>
+              <a:t>sudo</a:t>
+            </a:r>
+            <a:r>
+              <a:rPr lang="en-US" dirty="0"/>
+              <a:t> umbrella --spec </a:t>
+            </a:r>
+            <a:r>
+              <a:rPr lang="en-US" dirty="0" err="1"/>
+              <a:t>bertini.umbrella</a:t>
+            </a:r>
+            <a:r>
+              <a:rPr lang="en-US" dirty="0"/>
+              <a:t> \</a:t>
+            </a:r>
+          </a:p>
+          <a:p>
+            <a:r>
+              <a:rPr lang="en-US" dirty="0"/>
+              <a:t>--</a:t>
+            </a:r>
+            <a:r>
+              <a:rPr lang="en-US" dirty="0" err="1"/>
+              <a:t>localdir</a:t>
+            </a:r>
+            <a:r>
+              <a:rPr lang="en-US" dirty="0"/>
+              <a:t> </a:t>
+            </a:r>
+            <a:r>
+              <a:rPr lang="en-US" b="1" dirty="0"/>
+              <a:t>/</a:t>
+            </a:r>
+            <a:r>
+              <a:rPr lang="en-US" b="1" dirty="0" err="1"/>
+              <a:t>tmp</a:t>
+            </a:r>
+            <a:r>
+              <a:rPr lang="en-US" b="1" dirty="0"/>
+              <a:t>/</a:t>
+            </a:r>
+            <a:r>
+              <a:rPr lang="en-US" b="1" dirty="0" err="1"/>
+              <a:t>umbrella_cache</a:t>
+            </a:r>
+            <a:r>
+              <a:rPr lang="en-US" b="1" dirty="0"/>
+              <a:t>/ </a:t>
+            </a:r>
+            <a:r>
+              <a:rPr lang="en-US" dirty="0"/>
+              <a:t>\</a:t>
+            </a:r>
+          </a:p>
+          <a:p>
+            <a:r>
+              <a:rPr lang="en-US" dirty="0"/>
+              <a:t>--output "/</a:t>
+            </a:r>
+            <a:r>
+              <a:rPr lang="en-US" dirty="0" err="1"/>
+              <a:t>tmp</a:t>
+            </a:r>
+            <a:r>
+              <a:rPr lang="en-US" dirty="0"/>
+              <a:t>=</a:t>
+            </a:r>
+            <a:r>
+              <a:rPr lang="en-US" b="1" dirty="0"/>
+              <a:t>/</a:t>
+            </a:r>
+            <a:r>
+              <a:rPr lang="en-US" b="1" dirty="0" err="1"/>
+              <a:t>tmp</a:t>
+            </a:r>
+            <a:r>
+              <a:rPr lang="en-US" b="1" dirty="0"/>
+              <a:t>/</a:t>
+            </a:r>
+            <a:r>
+              <a:rPr lang="en-US" b="1" dirty="0" err="1"/>
+              <a:t>umbrella_cache</a:t>
+            </a:r>
+            <a:r>
+              <a:rPr lang="en-US" b="1" dirty="0"/>
+              <a:t>/</a:t>
+            </a:r>
+            <a:r>
+              <a:rPr lang="en-US" b="1" dirty="0" err="1"/>
+              <a:t>bertini_output</a:t>
+            </a:r>
+            <a:r>
+              <a:rPr lang="en-US" dirty="0"/>
+              <a:t>" \</a:t>
+            </a:r>
+          </a:p>
+          <a:p>
+            <a:r>
+              <a:rPr lang="en-US" dirty="0"/>
+              <a:t>--</a:t>
+            </a:r>
+            <a:r>
+              <a:rPr lang="en-US" dirty="0" err="1"/>
+              <a:t>sandbox_mode</a:t>
+            </a:r>
+            <a:r>
+              <a:rPr lang="en-US" dirty="0"/>
+              <a:t> </a:t>
+            </a:r>
+            <a:r>
+              <a:rPr lang="en-US" dirty="0" err="1"/>
+              <a:t>docker</a:t>
+            </a:r>
+            <a:r>
+              <a:rPr lang="en-US" dirty="0"/>
+              <a:t> \</a:t>
+            </a:r>
+          </a:p>
+          <a:p>
+            <a:r>
+              <a:rPr lang="en-US" dirty="0"/>
+              <a:t>--log </a:t>
+            </a:r>
+            <a:r>
+              <a:rPr lang="en-US" dirty="0" err="1"/>
+              <a:t>umbrella.log</a:t>
+            </a:r>
+            <a:r>
+              <a:rPr lang="en-US" dirty="0"/>
+              <a:t> \</a:t>
+            </a:r>
+          </a:p>
+          <a:p>
+            <a:r>
+              <a:rPr lang="en-US" dirty="0">
+                <a:latin typeface="Helvetica Neue Light"/>
+                <a:cs typeface="Helvetica Neue Light"/>
+              </a:rPr>
+              <a:t>run</a:t>
+            </a:r>
+          </a:p>
           <a:p>
             <a:endParaRPr lang="en-US" dirty="0"/>
           </a:p>
@@ -3660,330 +4668,7 @@
     </p:spTree>
     <p:extLst>
       <p:ext uri="{BB962C8B-B14F-4D97-AF65-F5344CB8AC3E}">
-        <p14:creationId xmlns:p14="http://schemas.microsoft.com/office/powerpoint/2010/main" val="741919816"/>
-      </p:ext>
-    </p:extLst>
-  </p:cSld>
-  <p:clrMapOvr>
-    <a:masterClrMapping/>
-  </p:clrMapOvr>
-</p:sld>
-</file>
-
-<file path=ppt/slides/slide20.xml><?xml version="1.0" encoding="utf-8"?>
-<p:sld xmlns:a="http://schemas.openxmlformats.org/drawingml/2006/main" xmlns:r="http://schemas.openxmlformats.org/officeDocument/2006/relationships" xmlns:p="http://schemas.openxmlformats.org/presentationml/2006/main">
-  <p:cSld>
-    <p:spTree>
-      <p:nvGrpSpPr>
-        <p:cNvPr id="1" name=""/>
-        <p:cNvGrpSpPr/>
-        <p:nvPr/>
-      </p:nvGrpSpPr>
-      <p:grpSpPr>
-        <a:xfrm>
-          <a:off x="0" y="0"/>
-          <a:ext cx="0" cy="0"/>
-          <a:chOff x="0" y="0"/>
-          <a:chExt cx="0" cy="0"/>
-        </a:xfrm>
-      </p:grpSpPr>
-      <p:sp>
-        <p:nvSpPr>
-          <p:cNvPr id="2" name="Title 1"/>
-          <p:cNvSpPr>
-            <a:spLocks noGrp="1"/>
-          </p:cNvSpPr>
-          <p:nvPr>
-            <p:ph type="title"/>
-          </p:nvPr>
-        </p:nvSpPr>
-        <p:spPr/>
-        <p:txBody>
-          <a:bodyPr>
-            <a:normAutofit fontScale="90000"/>
-          </a:bodyPr>
-          <a:lstStyle/>
-          <a:p>
-            <a:r>
-              <a:rPr lang="en-US" dirty="0" smtClean="0"/>
-              <a:t>Step 2: Create a workspace directory</a:t>
-            </a:r>
-            <a:endParaRPr lang="en-US" dirty="0"/>
-          </a:p>
-        </p:txBody>
-      </p:sp>
-      <p:sp>
-        <p:nvSpPr>
-          <p:cNvPr id="3" name="Content Placeholder 2"/>
-          <p:cNvSpPr>
-            <a:spLocks noGrp="1"/>
-          </p:cNvSpPr>
-          <p:nvPr>
-            <p:ph idx="1"/>
-          </p:nvPr>
-        </p:nvSpPr>
-        <p:spPr/>
-        <p:txBody>
-          <a:bodyPr/>
-          <a:lstStyle/>
-          <a:p>
-            <a:r>
-              <a:rPr lang="en-US" dirty="0" err="1" smtClean="0"/>
-              <a:t>mkdir</a:t>
-            </a:r>
-            <a:r>
-              <a:rPr lang="en-US" dirty="0" smtClean="0"/>
-              <a:t> /</a:t>
-            </a:r>
-            <a:r>
-              <a:rPr lang="en-US" dirty="0" err="1" smtClean="0"/>
-              <a:t>tmp</a:t>
-            </a:r>
-            <a:r>
-              <a:rPr lang="en-US" dirty="0" smtClean="0"/>
-              <a:t>/</a:t>
-            </a:r>
-            <a:r>
-              <a:rPr lang="en-US" dirty="0" err="1" smtClean="0"/>
-              <a:t>alex</a:t>
-            </a:r>
-            <a:endParaRPr lang="en-US" dirty="0"/>
-          </a:p>
-        </p:txBody>
-      </p:sp>
-    </p:spTree>
-    <p:extLst>
-      <p:ext uri="{BB962C8B-B14F-4D97-AF65-F5344CB8AC3E}">
-        <p14:creationId xmlns:p14="http://schemas.microsoft.com/office/powerpoint/2010/main" val="3535376740"/>
-      </p:ext>
-    </p:extLst>
-  </p:cSld>
-  <p:clrMapOvr>
-    <a:masterClrMapping/>
-  </p:clrMapOvr>
-</p:sld>
-</file>
-
-<file path=ppt/slides/slide21.xml><?xml version="1.0" encoding="utf-8"?>
-<p:sld xmlns:a="http://schemas.openxmlformats.org/drawingml/2006/main" xmlns:r="http://schemas.openxmlformats.org/officeDocument/2006/relationships" xmlns:p="http://schemas.openxmlformats.org/presentationml/2006/main">
-  <p:cSld>
-    <p:spTree>
-      <p:nvGrpSpPr>
-        <p:cNvPr id="1" name=""/>
-        <p:cNvGrpSpPr/>
-        <p:nvPr/>
-      </p:nvGrpSpPr>
-      <p:grpSpPr>
-        <a:xfrm>
-          <a:off x="0" y="0"/>
-          <a:ext cx="0" cy="0"/>
-          <a:chOff x="0" y="0"/>
-          <a:chExt cx="0" cy="0"/>
-        </a:xfrm>
-      </p:grpSpPr>
-      <p:sp>
-        <p:nvSpPr>
-          <p:cNvPr id="2" name="Title 1"/>
-          <p:cNvSpPr>
-            <a:spLocks noGrp="1"/>
-          </p:cNvSpPr>
-          <p:nvPr>
-            <p:ph type="title"/>
-          </p:nvPr>
-        </p:nvSpPr>
-        <p:spPr/>
-        <p:txBody>
-          <a:bodyPr/>
-          <a:lstStyle/>
-          <a:p>
-            <a:r>
-              <a:rPr lang="en-US" dirty="0" smtClean="0"/>
-              <a:t>Step 3: Run the specification</a:t>
-            </a:r>
-            <a:endParaRPr lang="en-US" dirty="0"/>
-          </a:p>
-        </p:txBody>
-      </p:sp>
-      <p:sp>
-        <p:nvSpPr>
-          <p:cNvPr id="3" name="Content Placeholder 2"/>
-          <p:cNvSpPr>
-            <a:spLocks noGrp="1"/>
-          </p:cNvSpPr>
-          <p:nvPr>
-            <p:ph idx="1"/>
-          </p:nvPr>
-        </p:nvSpPr>
-        <p:spPr/>
-        <p:txBody>
-          <a:bodyPr/>
-          <a:lstStyle/>
-          <a:p>
-            <a:r>
-              <a:rPr lang="en-US" dirty="0" err="1"/>
-              <a:t>sudo</a:t>
-            </a:r>
-            <a:r>
-              <a:rPr lang="en-US" dirty="0"/>
-              <a:t> umbrella \</a:t>
-            </a:r>
-          </a:p>
-          <a:p>
-            <a:pPr marL="0" indent="0">
-              <a:buNone/>
-            </a:pPr>
-            <a:r>
-              <a:rPr lang="en-US" dirty="0"/>
-              <a:t>--spec </a:t>
-            </a:r>
-            <a:r>
-              <a:rPr lang="en-US" dirty="0" err="1"/>
-              <a:t>bertini.umbrella</a:t>
-            </a:r>
-            <a:r>
-              <a:rPr lang="en-US" dirty="0"/>
-              <a:t> \</a:t>
-            </a:r>
-          </a:p>
-          <a:p>
-            <a:pPr marL="0" indent="0">
-              <a:buNone/>
-            </a:pPr>
-            <a:r>
-              <a:rPr lang="en-US" dirty="0"/>
-              <a:t>--</a:t>
-            </a:r>
-            <a:r>
-              <a:rPr lang="en-US" dirty="0" err="1"/>
-              <a:t>localdir</a:t>
-            </a:r>
-            <a:r>
-              <a:rPr lang="en-US" dirty="0"/>
-              <a:t> /</a:t>
-            </a:r>
-            <a:r>
-              <a:rPr lang="en-US" dirty="0" err="1"/>
-              <a:t>tmp</a:t>
-            </a:r>
-            <a:r>
-              <a:rPr lang="en-US" dirty="0"/>
-              <a:t>/</a:t>
-            </a:r>
-            <a:r>
-              <a:rPr lang="en-US" dirty="0" err="1"/>
-              <a:t>alex</a:t>
-            </a:r>
-            <a:r>
-              <a:rPr lang="en-US" dirty="0"/>
-              <a:t>/</a:t>
-            </a:r>
-            <a:r>
-              <a:rPr lang="en-US" dirty="0" err="1"/>
-              <a:t>umbrella_cache</a:t>
-            </a:r>
-            <a:r>
-              <a:rPr lang="en-US" dirty="0"/>
-              <a:t>/ \</a:t>
-            </a:r>
-          </a:p>
-          <a:p>
-            <a:pPr marL="0" indent="0">
-              <a:buNone/>
-            </a:pPr>
-            <a:r>
-              <a:rPr lang="en-US" dirty="0"/>
-              <a:t>--output "/</a:t>
-            </a:r>
-            <a:r>
-              <a:rPr lang="en-US" dirty="0" err="1"/>
-              <a:t>tmp</a:t>
-            </a:r>
-            <a:r>
-              <a:rPr lang="en-US" dirty="0"/>
-              <a:t>=/</a:t>
-            </a:r>
-            <a:r>
-              <a:rPr lang="en-US" dirty="0" err="1"/>
-              <a:t>tmp</a:t>
-            </a:r>
-            <a:r>
-              <a:rPr lang="en-US" dirty="0"/>
-              <a:t>/</a:t>
-            </a:r>
-            <a:r>
-              <a:rPr lang="en-US" dirty="0" err="1"/>
-              <a:t>alex</a:t>
-            </a:r>
-            <a:r>
-              <a:rPr lang="en-US" dirty="0"/>
-              <a:t>/</a:t>
-            </a:r>
-            <a:r>
-              <a:rPr lang="en-US" dirty="0" err="1"/>
-              <a:t>umbrella_cache</a:t>
-            </a:r>
-            <a:r>
-              <a:rPr lang="en-US" dirty="0"/>
-              <a:t>/</a:t>
-            </a:r>
-            <a:r>
-              <a:rPr lang="en-US" dirty="0" err="1"/>
-              <a:t>bertini_output</a:t>
-            </a:r>
-            <a:r>
-              <a:rPr lang="en-US" dirty="0"/>
-              <a:t>" \</a:t>
-            </a:r>
-          </a:p>
-          <a:p>
-            <a:pPr marL="0" indent="0">
-              <a:buNone/>
-            </a:pPr>
-            <a:r>
-              <a:rPr lang="en-US" dirty="0"/>
-              <a:t>--</a:t>
-            </a:r>
-            <a:r>
-              <a:rPr lang="en-US" dirty="0" err="1"/>
-              <a:t>sandbox_mode</a:t>
-            </a:r>
-            <a:r>
-              <a:rPr lang="en-US" dirty="0"/>
-              <a:t> </a:t>
-            </a:r>
-            <a:r>
-              <a:rPr lang="en-US" dirty="0" err="1"/>
-              <a:t>docker</a:t>
-            </a:r>
-            <a:r>
-              <a:rPr lang="en-US" dirty="0"/>
-              <a:t> \</a:t>
-            </a:r>
-          </a:p>
-          <a:p>
-            <a:pPr marL="0" indent="0">
-              <a:buNone/>
-            </a:pPr>
-            <a:r>
-              <a:rPr lang="en-US" dirty="0"/>
-              <a:t>--log umbrella.log \</a:t>
-            </a:r>
-          </a:p>
-          <a:p>
-            <a:pPr marL="0" indent="0">
-              <a:buNone/>
-            </a:pPr>
-            <a:r>
-              <a:rPr lang="en-US" dirty="0"/>
-              <a:t>run</a:t>
-            </a:r>
-          </a:p>
-        </p:txBody>
-      </p:sp>
-    </p:spTree>
-    <p:extLst>
-      <p:ext uri="{BB962C8B-B14F-4D97-AF65-F5344CB8AC3E}">
-        <p14:creationId xmlns:p14="http://schemas.microsoft.com/office/powerpoint/2010/main" val="719220194"/>
+        <p14:creationId xmlns:p14="http://schemas.microsoft.com/office/powerpoint/2010/main" val="429500913"/>
       </p:ext>
     </p:extLst>
   </p:cSld>
@@ -4027,7 +4712,7 @@
           <a:p>
             <a:r>
               <a:rPr lang="en-US" dirty="0" smtClean="0"/>
-              <a:t>Executable file</a:t>
+              <a:t>Umbrella</a:t>
             </a:r>
             <a:endParaRPr lang="en-US" dirty="0"/>
           </a:p>
@@ -4049,74 +4734,74 @@
           <a:lstStyle/>
           <a:p>
             <a:r>
-              <a:rPr lang="en-US" dirty="0" err="1"/>
-              <a:t>wget</a:t>
-            </a:r>
-            <a:r>
-              <a:rPr lang="en-US" dirty="0"/>
-              <a:t> http://bertini.nd.edu/BertiniLinux64_v1.5.tar.gz</a:t>
-            </a:r>
-          </a:p>
-          <a:p>
-            <a:r>
-              <a:rPr lang="en-US" dirty="0"/>
-              <a:t>tar -</a:t>
-            </a:r>
-            <a:r>
-              <a:rPr lang="en-US" dirty="0" err="1"/>
-              <a:t>zxf</a:t>
-            </a:r>
-            <a:r>
-              <a:rPr lang="en-US" dirty="0"/>
-              <a:t> BertiniLinux64_v1.5.tar.gz</a:t>
-            </a:r>
-          </a:p>
-          <a:p>
-            <a:r>
-              <a:rPr lang="en-US" dirty="0"/>
-              <a:t>cd BertiniLinux64_v1.5</a:t>
-            </a:r>
-          </a:p>
-          <a:p>
-            <a:r>
-              <a:rPr lang="en-US" dirty="0"/>
-              <a:t>tar -</a:t>
-            </a:r>
-            <a:r>
-              <a:rPr lang="en-US" dirty="0" err="1"/>
-              <a:t>zcf</a:t>
-            </a:r>
-            <a:r>
-              <a:rPr lang="en-US" dirty="0"/>
-              <a:t> </a:t>
-            </a:r>
-            <a:r>
-              <a:rPr lang="en-US" dirty="0" err="1"/>
-              <a:t>bertini</a:t>
-            </a:r>
-            <a:r>
-              <a:rPr lang="en-US" dirty="0"/>
-              <a:t> bertini.tar.gz</a:t>
-            </a:r>
-          </a:p>
-          <a:p>
-            <a:pPr marL="0" indent="0">
+              <a:rPr lang="en-US" b="1" dirty="0" smtClean="0"/>
+              <a:t>Tracking execution environment</a:t>
+            </a:r>
+          </a:p>
+          <a:p>
+            <a:pPr lvl="1"/>
+            <a:r>
+              <a:rPr lang="en-US" dirty="0" smtClean="0"/>
+              <a:t>Umbrella Specification</a:t>
+            </a:r>
+          </a:p>
+          <a:p>
+            <a:pPr marL="457200" lvl="1" indent="0">
               <a:buNone/>
             </a:pPr>
-            <a:endParaRPr lang="en-US" dirty="0"/>
+            <a:endParaRPr lang="en-US" sz="1200" dirty="0" smtClean="0"/>
+          </a:p>
+          <a:p>
+            <a:r>
+              <a:rPr lang="en-US" b="1" dirty="0" smtClean="0"/>
+              <a:t>Creating execution environment</a:t>
+            </a:r>
+          </a:p>
+          <a:p>
+            <a:pPr lvl="1"/>
+            <a:r>
+              <a:rPr lang="en-US" dirty="0" smtClean="0"/>
+              <a:t>Umbrella Execution Engine</a:t>
+            </a:r>
+          </a:p>
+          <a:p>
+            <a:pPr marL="457200" lvl="1" indent="0">
+              <a:buNone/>
+            </a:pPr>
+            <a:endParaRPr lang="en-US" sz="1200" dirty="0" smtClean="0"/>
+          </a:p>
+          <a:p>
+            <a:r>
+              <a:rPr lang="en-US" b="1" dirty="0" smtClean="0"/>
+              <a:t>Preserving execution environment</a:t>
+            </a:r>
+          </a:p>
+          <a:p>
+            <a:pPr lvl="1"/>
+            <a:r>
+              <a:rPr lang="en-US" dirty="0" smtClean="0"/>
+              <a:t>Umbrella Archiver</a:t>
+            </a:r>
           </a:p>
         </p:txBody>
       </p:sp>
     </p:spTree>
     <p:extLst>
       <p:ext uri="{BB962C8B-B14F-4D97-AF65-F5344CB8AC3E}">
-        <p14:creationId xmlns:p14="http://schemas.microsoft.com/office/powerpoint/2010/main" val="658266435"/>
+        <p14:creationId xmlns:p14="http://schemas.microsoft.com/office/powerpoint/2010/main" val="2325760745"/>
       </p:ext>
     </p:extLst>
   </p:cSld>
   <p:clrMapOvr>
     <a:masterClrMapping/>
   </p:clrMapOvr>
+  <p:timing>
+    <p:tnLst>
+      <p:par>
+        <p:cTn id="1" dur="indefinite" restart="never" nodeType="tmRoot"/>
+      </p:par>
+    </p:tnLst>
+  </p:timing>
 </p:sld>
 </file>
 
@@ -4139,22 +4824,57 @@
       </p:grpSpPr>
       <p:sp>
         <p:nvSpPr>
-          <p:cNvPr id="2" name="Title 1"/>
-          <p:cNvSpPr>
-            <a:spLocks noGrp="1"/>
-          </p:cNvSpPr>
-          <p:nvPr>
-            <p:ph type="title"/>
-          </p:nvPr>
-        </p:nvSpPr>
-        <p:spPr/>
-        <p:txBody>
-          <a:bodyPr/>
-          <a:lstStyle/>
+          <p:cNvPr id="4" name="Title 1"/>
+          <p:cNvSpPr txBox="1">
+            <a:spLocks/>
+          </p:cNvSpPr>
+          <p:nvPr/>
+        </p:nvSpPr>
+        <p:spPr>
+          <a:xfrm>
+            <a:off x="152400" y="304800"/>
+            <a:ext cx="3200400" cy="1477962"/>
+          </a:xfrm>
+          <a:prstGeom prst="rect">
+            <a:avLst/>
+          </a:prstGeom>
+          <a:ln w="28575">
+            <a:solidFill>
+              <a:schemeClr val="tx1"/>
+            </a:solidFill>
+          </a:ln>
+        </p:spPr>
+        <p:txBody>
+          <a:bodyPr vert="horz" lIns="91440" tIns="45720" rIns="91440" bIns="45720" rtlCol="0" anchor="ctr">
+            <a:normAutofit/>
+          </a:bodyPr>
+          <a:lstStyle>
+            <a:lvl1pPr algn="ctr" defTabSz="914400" rtl="0" eaLnBrk="1" latinLnBrk="0" hangingPunct="1">
+              <a:spcBef>
+                <a:spcPct val="0"/>
+              </a:spcBef>
+              <a:buNone/>
+              <a:defRPr sz="4400" kern="1200">
+                <a:solidFill>
+                  <a:schemeClr val="tx1"/>
+                </a:solidFill>
+                <a:latin typeface="+mj-lt"/>
+                <a:ea typeface="+mj-ea"/>
+                <a:cs typeface="+mj-cs"/>
+              </a:defRPr>
+            </a:lvl1pPr>
+          </a:lstStyle>
           <a:p>
             <a:r>
               <a:rPr lang="en-US" dirty="0" smtClean="0"/>
-              <a:t>Input file</a:t>
+              <a:t>Umbrella</a:t>
+            </a:r>
+            <a:br>
+              <a:rPr lang="en-US" dirty="0" smtClean="0"/>
+            </a:br>
+            <a:r>
+              <a:rPr lang="en-US" dirty="0" smtClean="0"/>
+              <a:t>Specification</a:t>
             </a:r>
             <a:endParaRPr lang="en-US" dirty="0"/>
           </a:p>
@@ -4162,74 +4882,221 @@
       </p:sp>
       <p:sp>
         <p:nvSpPr>
-          <p:cNvPr id="3" name="Content Placeholder 2"/>
-          <p:cNvSpPr>
-            <a:spLocks noGrp="1"/>
-          </p:cNvSpPr>
-          <p:nvPr>
-            <p:ph idx="1"/>
-          </p:nvPr>
-        </p:nvSpPr>
-        <p:spPr/>
-        <p:txBody>
-          <a:bodyPr/>
-          <a:lstStyle/>
-          <a:p>
-            <a:endParaRPr lang="en-US" dirty="0" smtClean="0"/>
-          </a:p>
-          <a:p>
-            <a:r>
-              <a:rPr lang="en-US" dirty="0">
-                <a:hlinkClick r:id="rId2"/>
+          <p:cNvPr id="6" name="TextBox 5"/>
+          <p:cNvSpPr txBox="1"/>
+          <p:nvPr/>
+        </p:nvSpPr>
+        <p:spPr>
+          <a:xfrm>
+            <a:off x="152400" y="2133600"/>
+            <a:ext cx="4092018" cy="4524315"/>
+          </a:xfrm>
+          <a:prstGeom prst="rect">
+            <a:avLst/>
+          </a:prstGeom>
+          <a:noFill/>
+        </p:spPr>
+        <p:txBody>
+          <a:bodyPr wrap="none" rtlCol="0">
+            <a:spAutoFit/>
+          </a:bodyPr>
+          <a:lstStyle/>
+          <a:p>
+            <a:r>
+              <a:rPr lang="en-US" sz="3200" b="1" dirty="0" smtClean="0">
+                <a:solidFill>
+                  <a:schemeClr val="tx2">
+                    <a:lumMod val="60000"/>
+                    <a:lumOff val="40000"/>
+                  </a:schemeClr>
+                </a:solidFill>
               </a:rPr>
-              <a:t>http://</a:t>
-            </a:r>
-            <a:r>
-              <a:rPr lang="en-US" dirty="0" smtClean="0">
-                <a:hlinkClick r:id="rId2"/>
+              <a:t>Sections:</a:t>
+            </a:r>
+          </a:p>
+          <a:p>
+            <a:r>
+              <a:rPr lang="en-US" sz="3200" dirty="0" smtClean="0">
+                <a:solidFill>
+                  <a:schemeClr val="tx2">
+                    <a:lumMod val="60000"/>
+                    <a:lumOff val="40000"/>
+                  </a:schemeClr>
+                </a:solidFill>
               </a:rPr>
-              <a:t>bertini.nd.edu/BertiniLinux64_v1.5.tar.gz</a:t>
-            </a:r>
-            <a:endParaRPr lang="en-US" dirty="0" smtClean="0"/>
-          </a:p>
-          <a:p>
-            <a:endParaRPr lang="en-US" dirty="0" smtClean="0"/>
-          </a:p>
-          <a:p>
-            <a:r>
-              <a:rPr lang="en-US" dirty="0" smtClean="0"/>
-              <a:t>examples\</a:t>
-            </a:r>
-            <a:r>
-              <a:rPr lang="en-US" dirty="0" err="1" smtClean="0"/>
-              <a:t>pos_dim</a:t>
-            </a:r>
-            <a:r>
-              <a:rPr lang="en-US" dirty="0" smtClean="0"/>
-              <a:t>\</a:t>
-            </a:r>
-            <a:r>
-              <a:rPr lang="en-US" dirty="0" err="1" smtClean="0"/>
-              <a:t>basic_pos_dim</a:t>
-            </a:r>
-            <a:r>
-              <a:rPr lang="en-US" dirty="0" smtClean="0"/>
-              <a:t>\input</a:t>
-            </a:r>
-            <a:endParaRPr lang="en-US" dirty="0"/>
-          </a:p>
-        </p:txBody>
-      </p:sp>
+              <a:t>  Hardware</a:t>
+            </a:r>
+          </a:p>
+          <a:p>
+            <a:r>
+              <a:rPr lang="en-US" sz="3200" dirty="0" smtClean="0">
+                <a:solidFill>
+                  <a:schemeClr val="tx2">
+                    <a:lumMod val="60000"/>
+                    <a:lumOff val="40000"/>
+                  </a:schemeClr>
+                </a:solidFill>
+              </a:rPr>
+              <a:t>  Kernel</a:t>
+            </a:r>
+          </a:p>
+          <a:p>
+            <a:r>
+              <a:rPr lang="en-US" sz="3200" dirty="0" smtClean="0">
+                <a:solidFill>
+                  <a:schemeClr val="tx2">
+                    <a:lumMod val="60000"/>
+                    <a:lumOff val="40000"/>
+                  </a:schemeClr>
+                </a:solidFill>
+              </a:rPr>
+              <a:t>  OS</a:t>
+            </a:r>
+          </a:p>
+          <a:p>
+            <a:r>
+              <a:rPr lang="en-US" sz="3200" dirty="0" smtClean="0">
+                <a:solidFill>
+                  <a:schemeClr val="tx2">
+                    <a:lumMod val="60000"/>
+                    <a:lumOff val="40000"/>
+                  </a:schemeClr>
+                </a:solidFill>
+              </a:rPr>
+              <a:t>  Software</a:t>
+            </a:r>
+          </a:p>
+          <a:p>
+            <a:r>
+              <a:rPr lang="en-US" sz="3200" dirty="0" smtClean="0">
+                <a:solidFill>
+                  <a:schemeClr val="tx2">
+                    <a:lumMod val="60000"/>
+                    <a:lumOff val="40000"/>
+                  </a:schemeClr>
+                </a:solidFill>
+              </a:rPr>
+              <a:t>  Data</a:t>
+            </a:r>
+          </a:p>
+          <a:p>
+            <a:r>
+              <a:rPr lang="en-US" sz="3200" dirty="0" smtClean="0">
+                <a:solidFill>
+                  <a:schemeClr val="tx2">
+                    <a:lumMod val="60000"/>
+                    <a:lumOff val="40000"/>
+                  </a:schemeClr>
+                </a:solidFill>
+              </a:rPr>
+              <a:t>  Environment variables</a:t>
+            </a:r>
+          </a:p>
+          <a:p>
+            <a:r>
+              <a:rPr lang="en-US" sz="3200" dirty="0">
+                <a:solidFill>
+                  <a:schemeClr val="tx2">
+                    <a:lumMod val="60000"/>
+                    <a:lumOff val="40000"/>
+                  </a:schemeClr>
+                </a:solidFill>
+              </a:rPr>
+              <a:t> </a:t>
+            </a:r>
+            <a:r>
+              <a:rPr lang="en-US" sz="3200" dirty="0" smtClean="0">
+                <a:solidFill>
+                  <a:schemeClr val="tx2">
+                    <a:lumMod val="60000"/>
+                    <a:lumOff val="40000"/>
+                  </a:schemeClr>
+                </a:solidFill>
+              </a:rPr>
+              <a:t> CMD</a:t>
+            </a:r>
+            <a:endParaRPr lang="en-US" sz="3200" dirty="0">
+              <a:solidFill>
+                <a:schemeClr val="tx2">
+                  <a:lumMod val="60000"/>
+                  <a:lumOff val="40000"/>
+                </a:schemeClr>
+              </a:solidFill>
+            </a:endParaRPr>
+          </a:p>
+          <a:p>
+            <a:r>
+              <a:rPr lang="en-US" sz="3200" dirty="0">
+                <a:solidFill>
+                  <a:schemeClr val="tx2">
+                    <a:lumMod val="60000"/>
+                    <a:lumOff val="40000"/>
+                  </a:schemeClr>
+                </a:solidFill>
+              </a:rPr>
+              <a:t> </a:t>
+            </a:r>
+            <a:r>
+              <a:rPr lang="en-US" sz="3200" dirty="0" smtClean="0">
+                <a:solidFill>
+                  <a:schemeClr val="tx2">
+                    <a:lumMod val="60000"/>
+                    <a:lumOff val="40000"/>
+                  </a:schemeClr>
+                </a:solidFill>
+              </a:rPr>
+              <a:t> Output</a:t>
+            </a:r>
+          </a:p>
+        </p:txBody>
+      </p:sp>
+      <p:pic>
+        <p:nvPicPr>
+          <p:cNvPr id="7" name="Picture 6"/>
+          <p:cNvPicPr>
+            <a:picLocks noChangeAspect="1"/>
+          </p:cNvPicPr>
+          <p:nvPr/>
+        </p:nvPicPr>
+        <p:blipFill>
+          <a:blip r:embed="rId2">
+            <a:extLst>
+              <a:ext uri="{28A0092B-C50C-407E-A947-70E740481C1C}">
+                <a14:useLocalDpi xmlns:a14="http://schemas.microsoft.com/office/drawing/2010/main" val="0"/>
+              </a:ext>
+            </a:extLst>
+          </a:blip>
+          <a:stretch>
+            <a:fillRect/>
+          </a:stretch>
+        </p:blipFill>
+        <p:spPr>
+          <a:xfrm>
+            <a:off x="4483904" y="76200"/>
+            <a:ext cx="4050496" cy="6727081"/>
+          </a:xfrm>
+          <a:prstGeom prst="rect">
+            <a:avLst/>
+          </a:prstGeom>
+        </p:spPr>
+      </p:pic>
     </p:spTree>
     <p:extLst>
       <p:ext uri="{BB962C8B-B14F-4D97-AF65-F5344CB8AC3E}">
-        <p14:creationId xmlns:p14="http://schemas.microsoft.com/office/powerpoint/2010/main" val="1990425162"/>
+        <p14:creationId xmlns:p14="http://schemas.microsoft.com/office/powerpoint/2010/main" val="4018000114"/>
       </p:ext>
     </p:extLst>
   </p:cSld>
   <p:clrMapOvr>
     <a:masterClrMapping/>
   </p:clrMapOvr>
+  <p:timing>
+    <p:tnLst>
+      <p:par>
+        <p:cTn id="1" dur="indefinite" restart="never" nodeType="tmRoot"/>
+      </p:par>
+    </p:tnLst>
+  </p:timing>
 </p:sld>
 </file>
 
@@ -4262,79 +5129,345 @@
         </p:nvSpPr>
         <p:spPr/>
         <p:txBody>
-          <a:bodyPr/>
+          <a:bodyPr>
+            <a:normAutofit fontScale="90000"/>
+          </a:bodyPr>
           <a:lstStyle/>
           <a:p>
             <a:r>
               <a:rPr lang="en-US" dirty="0" smtClean="0"/>
-              <a:t>Creating umbrella spec</a:t>
+              <a:t>Resource URLs Supported by Umbrella</a:t>
             </a:r>
             <a:endParaRPr lang="en-US" dirty="0"/>
           </a:p>
         </p:txBody>
       </p:sp>
-      <p:sp>
-        <p:nvSpPr>
-          <p:cNvPr id="3" name="Content Placeholder 2"/>
-          <p:cNvSpPr>
-            <a:spLocks noGrp="1"/>
-          </p:cNvSpPr>
+      <p:graphicFrame>
+        <p:nvGraphicFramePr>
+          <p:cNvPr id="5" name="Content Placeholder 4"/>
+          <p:cNvGraphicFramePr>
+            <a:graphicFrameLocks noGrp="1"/>
+          </p:cNvGraphicFramePr>
           <p:nvPr>
             <p:ph idx="1"/>
-          </p:nvPr>
-        </p:nvSpPr>
-        <p:spPr/>
-        <p:txBody>
-          <a:bodyPr/>
-          <a:lstStyle/>
-          <a:p>
-            <a:r>
-              <a:rPr lang="en-US" dirty="0" smtClean="0">
-                <a:hlinkClick r:id="rId2"/>
-              </a:rPr>
-              <a:t>http</a:t>
-            </a:r>
-            <a:r>
-              <a:rPr lang="en-US" dirty="0">
-                <a:hlinkClick r:id="rId2"/>
-              </a:rPr>
-              <a:t>://umbrella.basicuserinterface.com/creator</a:t>
-            </a:r>
-            <a:r>
-              <a:rPr lang="en-US" dirty="0" smtClean="0">
-                <a:hlinkClick r:id="rId2"/>
-              </a:rPr>
-              <a:t>/</a:t>
-            </a:r>
-            <a:endParaRPr lang="en-US" dirty="0" smtClean="0"/>
-          </a:p>
-          <a:p>
-            <a:r>
-              <a:rPr lang="en-US" dirty="0" smtClean="0"/>
-              <a:t>Login: demo</a:t>
-            </a:r>
-          </a:p>
-          <a:p>
-            <a:r>
-              <a:rPr lang="en-US" dirty="0" smtClean="0"/>
-              <a:t>Password: demo</a:t>
-            </a:r>
-          </a:p>
-          <a:p>
-            <a:endParaRPr lang="en-US" dirty="0"/>
-          </a:p>
-        </p:txBody>
-      </p:sp>
+            <p:extLst>
+              <p:ext uri="{D42A27DB-BD31-4B8C-83A1-F6EECF244321}">
+                <p14:modId xmlns:p14="http://schemas.microsoft.com/office/powerpoint/2010/main" val="1906100091"/>
+              </p:ext>
+            </p:extLst>
+          </p:nvPr>
+        </p:nvGraphicFramePr>
+        <p:xfrm>
+          <a:off x="381000" y="1600200"/>
+          <a:ext cx="8153400" cy="4343400"/>
+        </p:xfrm>
+        <a:graphic>
+          <a:graphicData uri="http://schemas.openxmlformats.org/drawingml/2006/table">
+            <a:tbl>
+              <a:tblPr firstRow="1" bandRow="1">
+                <a:tableStyleId>{5C22544A-7EE6-4342-B048-85BDC9FD1C3A}</a:tableStyleId>
+              </a:tblPr>
+              <a:tblGrid>
+                <a:gridCol w="3652044"/>
+                <a:gridCol w="4501356"/>
+              </a:tblGrid>
+              <a:tr h="542925">
+                <a:tc>
+                  <a:txBody>
+                    <a:bodyPr/>
+                    <a:lstStyle/>
+                    <a:p>
+                      <a:r>
+                        <a:rPr lang="en-US" sz="2000" dirty="0" smtClean="0"/>
+                        <a:t>Resource</a:t>
+                      </a:r>
+                      <a:endParaRPr lang="en-US" sz="2000" dirty="0"/>
+                    </a:p>
+                  </a:txBody>
+                  <a:tcPr/>
+                </a:tc>
+                <a:tc>
+                  <a:txBody>
+                    <a:bodyPr/>
+                    <a:lstStyle/>
+                    <a:p>
+                      <a:r>
+                        <a:rPr lang="en-US" sz="2000" dirty="0" smtClean="0"/>
+                        <a:t>Example URL</a:t>
+                      </a:r>
+                      <a:endParaRPr lang="en-US" sz="2000" dirty="0"/>
+                    </a:p>
+                  </a:txBody>
+                  <a:tcPr/>
+                </a:tc>
+              </a:tr>
+              <a:tr h="542925">
+                <a:tc>
+                  <a:txBody>
+                    <a:bodyPr/>
+                    <a:lstStyle/>
+                    <a:p>
+                      <a:r>
+                        <a:rPr lang="en-US" sz="2000" dirty="0" smtClean="0"/>
+                        <a:t>Local</a:t>
+                      </a:r>
+                      <a:r>
+                        <a:rPr lang="en-US" sz="2000" baseline="0" dirty="0" smtClean="0"/>
+                        <a:t> Filesystem</a:t>
+                      </a:r>
+                      <a:endParaRPr lang="en-US" sz="2000" dirty="0"/>
+                    </a:p>
+                  </a:txBody>
+                  <a:tcPr/>
+                </a:tc>
+                <a:tc>
+                  <a:txBody>
+                    <a:bodyPr/>
+                    <a:lstStyle/>
+                    <a:p>
+                      <a:r>
+                        <a:rPr lang="en-US" sz="2000" dirty="0" smtClean="0"/>
+                        <a:t>/home/</a:t>
+                      </a:r>
+                      <a:r>
+                        <a:rPr lang="en-US" sz="2000" dirty="0" err="1" smtClean="0"/>
+                        <a:t>dthain</a:t>
+                      </a:r>
+                      <a:r>
+                        <a:rPr lang="en-US" sz="2000" dirty="0" smtClean="0"/>
+                        <a:t>/data/input</a:t>
+                      </a:r>
+                      <a:endParaRPr lang="en-US" sz="2000" dirty="0"/>
+                    </a:p>
+                  </a:txBody>
+                  <a:tcPr/>
+                </a:tc>
+              </a:tr>
+              <a:tr h="542925">
+                <a:tc>
+                  <a:txBody>
+                    <a:bodyPr/>
+                    <a:lstStyle/>
+                    <a:p>
+                      <a:r>
+                        <a:rPr lang="en-US" sz="2000" dirty="0" smtClean="0"/>
+                        <a:t>HTTP</a:t>
+                      </a:r>
+                      <a:endParaRPr lang="en-US" sz="2000" dirty="0"/>
+                    </a:p>
+                  </a:txBody>
+                  <a:tcPr/>
+                </a:tc>
+                <a:tc>
+                  <a:txBody>
+                    <a:bodyPr/>
+                    <a:lstStyle/>
+                    <a:p>
+                      <a:r>
+                        <a:rPr lang="en-US" sz="2000" dirty="0" smtClean="0"/>
+                        <a:t>http://www.data.com/data/file1</a:t>
+                      </a:r>
+                      <a:endParaRPr lang="en-US" sz="2000" dirty="0"/>
+                    </a:p>
+                  </a:txBody>
+                  <a:tcPr/>
+                </a:tc>
+              </a:tr>
+              <a:tr h="542925">
+                <a:tc>
+                  <a:txBody>
+                    <a:bodyPr/>
+                    <a:lstStyle/>
+                    <a:p>
+                      <a:r>
+                        <a:rPr lang="en-US" sz="2000" dirty="0" smtClean="0"/>
+                        <a:t>HTTPS</a:t>
+                      </a:r>
+                      <a:endParaRPr lang="en-US" sz="2000" dirty="0"/>
+                    </a:p>
+                  </a:txBody>
+                  <a:tcPr/>
+                </a:tc>
+                <a:tc>
+                  <a:txBody>
+                    <a:bodyPr/>
+                    <a:lstStyle/>
+                    <a:p>
+                      <a:r>
+                        <a:rPr lang="en-US" sz="2000" dirty="0" smtClean="0"/>
+                        <a:t>https://lab.cse.nd.edu/data/hep/file2</a:t>
+                      </a:r>
+                      <a:endParaRPr lang="en-US" sz="2000" dirty="0"/>
+                    </a:p>
+                  </a:txBody>
+                  <a:tcPr/>
+                </a:tc>
+              </a:tr>
+              <a:tr h="542925">
+                <a:tc>
+                  <a:txBody>
+                    <a:bodyPr/>
+                    <a:lstStyle/>
+                    <a:p>
+                      <a:r>
+                        <a:rPr lang="en-US" sz="2000" dirty="0" smtClean="0"/>
+                        <a:t>Amazon S3</a:t>
+                      </a:r>
+                      <a:endParaRPr lang="en-US" sz="2000" dirty="0"/>
+                    </a:p>
+                  </a:txBody>
+                  <a:tcPr/>
+                </a:tc>
+                <a:tc>
+                  <a:txBody>
+                    <a:bodyPr/>
+                    <a:lstStyle/>
+                    <a:p>
+                      <a:r>
+                        <a:rPr lang="en-US" sz="2000" dirty="0" smtClean="0"/>
+                        <a:t>s3+https://s3.aws.com/…/</a:t>
+                      </a:r>
+                      <a:r>
+                        <a:rPr lang="en-US" sz="2000" dirty="0" err="1" smtClean="0"/>
+                        <a:t>cubes.pov</a:t>
+                      </a:r>
+                      <a:endParaRPr lang="en-US" sz="2000" dirty="0"/>
+                    </a:p>
+                  </a:txBody>
+                  <a:tcPr/>
+                </a:tc>
+              </a:tr>
+              <a:tr h="542925">
+                <a:tc>
+                  <a:txBody>
+                    <a:bodyPr/>
+                    <a:lstStyle/>
+                    <a:p>
+                      <a:r>
+                        <a:rPr lang="en-US" sz="2000" dirty="0" smtClean="0"/>
+                        <a:t>Open Science Framework (OSF)</a:t>
+                      </a:r>
+                      <a:endParaRPr lang="en-US" sz="2000" dirty="0"/>
+                    </a:p>
+                  </a:txBody>
+                  <a:tcPr/>
+                </a:tc>
+                <a:tc>
+                  <a:txBody>
+                    <a:bodyPr/>
+                    <a:lstStyle/>
+                    <a:p>
+                      <a:r>
+                        <a:rPr lang="en-US" sz="2000" dirty="0" err="1" smtClean="0"/>
+                        <a:t>osf+https</a:t>
+                      </a:r>
+                      <a:r>
+                        <a:rPr lang="en-US" sz="2000" dirty="0" smtClean="0"/>
+                        <a:t>://files.osf.io/v1/…/7559c3a</a:t>
+                      </a:r>
+                      <a:endParaRPr lang="en-US" sz="2000" dirty="0"/>
+                    </a:p>
+                  </a:txBody>
+                  <a:tcPr/>
+                </a:tc>
+              </a:tr>
+              <a:tr h="542925">
+                <a:tc>
+                  <a:txBody>
+                    <a:bodyPr/>
+                    <a:lstStyle/>
+                    <a:p>
+                      <a:r>
+                        <a:rPr lang="en-US" sz="2000" dirty="0" err="1" smtClean="0"/>
+                        <a:t>Git</a:t>
+                      </a:r>
+                      <a:r>
+                        <a:rPr lang="en-US" sz="2000" dirty="0" smtClean="0"/>
+                        <a:t> Repository</a:t>
+                      </a:r>
+                      <a:endParaRPr lang="en-US" sz="2000" dirty="0"/>
+                    </a:p>
+                  </a:txBody>
+                  <a:tcPr/>
+                </a:tc>
+                <a:tc>
+                  <a:txBody>
+                    <a:bodyPr/>
+                    <a:lstStyle/>
+                    <a:p>
+                      <a:r>
+                        <a:rPr lang="en-US" sz="2000" dirty="0" err="1" smtClean="0"/>
+                        <a:t>git+https</a:t>
+                      </a:r>
+                      <a:r>
+                        <a:rPr lang="en-US" sz="2000" dirty="0" smtClean="0"/>
+                        <a:t>://github.com/…/</a:t>
+                      </a:r>
+                      <a:r>
+                        <a:rPr lang="en-US" sz="2000" dirty="0" err="1" smtClean="0"/>
+                        <a:t>cctools.git</a:t>
+                      </a:r>
+                      <a:endParaRPr lang="en-US" sz="2000" dirty="0"/>
+                    </a:p>
+                  </a:txBody>
+                  <a:tcPr/>
+                </a:tc>
+              </a:tr>
+              <a:tr h="542925">
+                <a:tc>
+                  <a:txBody>
+                    <a:bodyPr/>
+                    <a:lstStyle/>
+                    <a:p>
+                      <a:r>
+                        <a:rPr lang="en-US" sz="2000" dirty="0" err="1" smtClean="0"/>
+                        <a:t>CernVM</a:t>
+                      </a:r>
+                      <a:r>
+                        <a:rPr lang="en-US" sz="2000" baseline="0" dirty="0" smtClean="0"/>
+                        <a:t> File System</a:t>
+                      </a:r>
+                      <a:endParaRPr lang="en-US" sz="2000" dirty="0"/>
+                    </a:p>
+                  </a:txBody>
+                  <a:tcPr/>
+                </a:tc>
+                <a:tc>
+                  <a:txBody>
+                    <a:bodyPr/>
+                    <a:lstStyle/>
+                    <a:p>
+                      <a:r>
+                        <a:rPr lang="en-US" sz="2000" dirty="0" smtClean="0"/>
+                        <a:t>cvmfs://cvmfs/cms.cern.ch</a:t>
+                      </a:r>
+                      <a:endParaRPr lang="en-US" sz="2000" dirty="0"/>
+                    </a:p>
+                  </a:txBody>
+                  <a:tcPr/>
+                </a:tc>
+              </a:tr>
+            </a:tbl>
+          </a:graphicData>
+        </a:graphic>
+      </p:graphicFrame>
     </p:spTree>
     <p:extLst>
       <p:ext uri="{BB962C8B-B14F-4D97-AF65-F5344CB8AC3E}">
-        <p14:creationId xmlns:p14="http://schemas.microsoft.com/office/powerpoint/2010/main" val="93308328"/>
+        <p14:creationId xmlns:p14="http://schemas.microsoft.com/office/powerpoint/2010/main" val="85451211"/>
       </p:ext>
     </p:extLst>
   </p:cSld>
   <p:clrMapOvr>
     <a:masterClrMapping/>
   </p:clrMapOvr>
+  <p:timing>
+    <p:tnLst>
+      <p:par>
+        <p:cTn id="1" dur="indefinite" restart="never" nodeType="tmRoot"/>
+      </p:par>
+    </p:tnLst>
+  </p:timing>
 </p:sld>
 </file>
 
@@ -4372,42 +5505,240 @@
           <a:p>
             <a:r>
               <a:rPr lang="en-US" dirty="0" smtClean="0"/>
-              <a:t>Step 1: Project information</a:t>
+              <a:t>Umbrella spec example</a:t>
             </a:r>
             <a:endParaRPr lang="en-US" dirty="0"/>
           </a:p>
         </p:txBody>
       </p:sp>
-      <p:pic>
-        <p:nvPicPr>
-          <p:cNvPr id="7" name="Content Placeholder 6"/>
-          <p:cNvPicPr>
-            <a:picLocks noGrp="1" noChangeAspect="1"/>
-          </p:cNvPicPr>
+      <p:sp>
+        <p:nvSpPr>
+          <p:cNvPr id="3" name="Content Placeholder 2"/>
+          <p:cNvSpPr>
+            <a:spLocks noGrp="1"/>
+          </p:cNvSpPr>
           <p:nvPr>
             <p:ph idx="1"/>
           </p:nvPr>
-        </p:nvPicPr>
-        <p:blipFill>
-          <a:blip r:embed="rId2"/>
-          <a:stretch>
-            <a:fillRect/>
-          </a:stretch>
-        </p:blipFill>
-        <p:spPr>
-          <a:xfrm>
-            <a:off x="457200" y="3199120"/>
-            <a:ext cx="8229600" cy="1556723"/>
-          </a:xfrm>
-          <a:prstGeom prst="rect">
-            <a:avLst/>
-          </a:prstGeom>
-        </p:spPr>
-      </p:pic>
+        </p:nvSpPr>
+        <p:spPr/>
+        <p:txBody>
+          <a:bodyPr>
+            <a:normAutofit fontScale="55000" lnSpcReduction="20000"/>
+          </a:bodyPr>
+          <a:lstStyle/>
+          <a:p>
+            <a:r>
+              <a:rPr lang="en-US" dirty="0"/>
+              <a:t>{</a:t>
+            </a:r>
+          </a:p>
+          <a:p>
+            <a:r>
+              <a:rPr lang="en-US" dirty="0"/>
+              <a:t>    "</a:t>
+            </a:r>
+            <a:r>
+              <a:rPr lang="en-US" dirty="0" err="1"/>
+              <a:t>cmd</a:t>
+            </a:r>
+            <a:r>
+              <a:rPr lang="en-US" dirty="0"/>
+              <a:t>": "/software/</a:t>
+            </a:r>
+            <a:r>
+              <a:rPr lang="en-US" dirty="0" err="1"/>
+              <a:t>bertini</a:t>
+            </a:r>
+            <a:r>
+              <a:rPr lang="en-US" dirty="0"/>
+              <a:t>", </a:t>
+            </a:r>
+          </a:p>
+          <a:p>
+            <a:r>
+              <a:rPr lang="en-US" dirty="0"/>
+              <a:t>    "comment": "</a:t>
+            </a:r>
+            <a:r>
+              <a:rPr lang="en-US" dirty="0" err="1"/>
+              <a:t>Bertini</a:t>
+            </a:r>
+            <a:r>
+              <a:rPr lang="en-US" dirty="0"/>
+              <a:t>", </a:t>
+            </a:r>
+          </a:p>
+          <a:p>
+            <a:r>
+              <a:rPr lang="ro-RO" dirty="0"/>
+              <a:t>    "data": {</a:t>
+            </a:r>
+          </a:p>
+          <a:p>
+            <a:r>
+              <a:rPr lang="de-DE" dirty="0"/>
+              <a:t>        "</a:t>
+            </a:r>
+            <a:r>
+              <a:rPr lang="de-DE" dirty="0" err="1"/>
+              <a:t>input</a:t>
+            </a:r>
+            <a:r>
+              <a:rPr lang="de-DE" dirty="0"/>
+              <a:t>": {</a:t>
+            </a:r>
+          </a:p>
+          <a:p>
+            <a:r>
+              <a:rPr lang="de-DE" dirty="0"/>
+              <a:t>            "</a:t>
+            </a:r>
+            <a:r>
+              <a:rPr lang="de-DE" dirty="0" err="1"/>
+              <a:t>action</a:t>
+            </a:r>
+            <a:r>
+              <a:rPr lang="de-DE" dirty="0"/>
+              <a:t>": "None", </a:t>
+            </a:r>
+          </a:p>
+          <a:p>
+            <a:r>
+              <a:rPr lang="de-DE" dirty="0"/>
+              <a:t>            "</a:t>
+            </a:r>
+            <a:r>
+              <a:rPr lang="de-DE" dirty="0" err="1"/>
+              <a:t>checksum</a:t>
+            </a:r>
+            <a:r>
+              <a:rPr lang="de-DE" dirty="0"/>
+              <a:t>": "5566c8dc820c2a2744f646abf662e34b", </a:t>
+            </a:r>
+          </a:p>
+          <a:p>
+            <a:r>
+              <a:rPr lang="de-DE" dirty="0"/>
+              <a:t>            "</a:t>
+            </a:r>
+            <a:r>
+              <a:rPr lang="de-DE" dirty="0" err="1"/>
+              <a:t>format</a:t>
+            </a:r>
+            <a:r>
+              <a:rPr lang="de-DE" dirty="0"/>
+              <a:t>": "</a:t>
+            </a:r>
+            <a:r>
+              <a:rPr lang="de-DE" dirty="0" err="1"/>
+              <a:t>plain</a:t>
+            </a:r>
+            <a:r>
+              <a:rPr lang="de-DE" dirty="0"/>
+              <a:t>", </a:t>
+            </a:r>
+          </a:p>
+          <a:p>
+            <a:r>
+              <a:rPr lang="de-DE" dirty="0"/>
+              <a:t>            "</a:t>
+            </a:r>
+            <a:r>
+              <a:rPr lang="de-DE" dirty="0" err="1"/>
+              <a:t>id</a:t>
+            </a:r>
+            <a:r>
+              <a:rPr lang="de-DE" dirty="0"/>
+              <a:t>": "5566c8dc820c2a2744f646abf662e34b", </a:t>
+            </a:r>
+          </a:p>
+          <a:p>
+            <a:r>
+              <a:rPr lang="en-US" dirty="0"/>
+              <a:t>            "</a:t>
+            </a:r>
+            <a:r>
+              <a:rPr lang="en-US" dirty="0" err="1"/>
+              <a:t>mountpoint</a:t>
+            </a:r>
+            <a:r>
+              <a:rPr lang="en-US" dirty="0"/>
+              <a:t>": "/</a:t>
+            </a:r>
+            <a:r>
+              <a:rPr lang="en-US" dirty="0" err="1"/>
+              <a:t>tmp</a:t>
+            </a:r>
+            <a:r>
+              <a:rPr lang="en-US" dirty="0"/>
+              <a:t>/input", </a:t>
+            </a:r>
+          </a:p>
+          <a:p>
+            <a:r>
+              <a:rPr lang="ro-RO" dirty="0"/>
+              <a:t>            "</a:t>
+            </a:r>
+            <a:r>
+              <a:rPr lang="ro-RO" dirty="0" err="1"/>
+              <a:t>size</a:t>
+            </a:r>
+            <a:r>
+              <a:rPr lang="ro-RO" dirty="0"/>
+              <a:t>": "197", </a:t>
+            </a:r>
+          </a:p>
+          <a:p>
+            <a:r>
+              <a:rPr lang="en-US" dirty="0"/>
+              <a:t>            "source": [</a:t>
+            </a:r>
+          </a:p>
+          <a:p>
+            <a:r>
+              <a:rPr lang="en-US" dirty="0"/>
+              <a:t>                "https://</a:t>
+            </a:r>
+            <a:r>
+              <a:rPr lang="en-US" dirty="0" err="1"/>
+              <a:t>curate.nd.edu</a:t>
+            </a:r>
+            <a:r>
+              <a:rPr lang="en-US" dirty="0"/>
+              <a:t>/downloads/8w32r496z2g"</a:t>
+            </a:r>
+          </a:p>
+          <a:p>
+            <a:r>
+              <a:rPr lang="de-DE" dirty="0"/>
+              <a:t>            ]</a:t>
+            </a:r>
+          </a:p>
+          <a:p>
+            <a:r>
+              <a:rPr lang="de-DE" dirty="0"/>
+              <a:t>        }</a:t>
+            </a:r>
+          </a:p>
+          <a:p>
+            <a:r>
+              <a:rPr lang="de-DE" dirty="0"/>
+              <a:t>    },</a:t>
+            </a:r>
+          </a:p>
+          <a:p>
+            <a:pPr marL="457200" lvl="1" indent="0">
+              <a:buNone/>
+            </a:pPr>
+            <a:endParaRPr lang="en-US" sz="2400" dirty="0"/>
+          </a:p>
+        </p:txBody>
+      </p:sp>
     </p:spTree>
     <p:extLst>
       <p:ext uri="{BB962C8B-B14F-4D97-AF65-F5344CB8AC3E}">
-        <p14:creationId xmlns:p14="http://schemas.microsoft.com/office/powerpoint/2010/main" val="419639175"/>
+        <p14:creationId xmlns:p14="http://schemas.microsoft.com/office/powerpoint/2010/main" val="518458450"/>
       </p:ext>
     </p:extLst>
   </p:cSld>
@@ -4451,48 +5782,395 @@
           <a:p>
             <a:r>
               <a:rPr lang="en-US" dirty="0" smtClean="0"/>
-              <a:t>Step 2: Hardware</a:t>
+              <a:t>Umbrella Execution Engine</a:t>
             </a:r>
             <a:endParaRPr lang="en-US" dirty="0"/>
           </a:p>
         </p:txBody>
       </p:sp>
-      <p:pic>
-        <p:nvPicPr>
+      <p:graphicFrame>
+        <p:nvGraphicFramePr>
           <p:cNvPr id="4" name="Content Placeholder 3"/>
-          <p:cNvPicPr>
-            <a:picLocks noGrp="1" noChangeAspect="1"/>
-          </p:cNvPicPr>
+          <p:cNvGraphicFramePr>
+            <a:graphicFrameLocks noGrp="1"/>
+          </p:cNvGraphicFramePr>
           <p:nvPr>
             <p:ph idx="1"/>
-          </p:nvPr>
-        </p:nvPicPr>
-        <p:blipFill>
-          <a:blip r:embed="rId2"/>
-          <a:stretch>
-            <a:fillRect/>
-          </a:stretch>
-        </p:blipFill>
+            <p:extLst>
+              <p:ext uri="{D42A27DB-BD31-4B8C-83A1-F6EECF244321}">
+                <p14:modId xmlns:p14="http://schemas.microsoft.com/office/powerpoint/2010/main" val="1130467373"/>
+              </p:ext>
+            </p:extLst>
+          </p:nvPr>
+        </p:nvGraphicFramePr>
+        <p:xfrm>
+          <a:off x="381000" y="3581400"/>
+          <a:ext cx="8237034" cy="2926080"/>
+        </p:xfrm>
+        <a:graphic>
+          <a:graphicData uri="http://schemas.openxmlformats.org/drawingml/2006/table">
+            <a:tbl>
+              <a:tblPr firstRow="1" bandRow="1">
+                <a:tableStyleId>{5C22544A-7EE6-4342-B048-85BDC9FD1C3A}</a:tableStyleId>
+              </a:tblPr>
+              <a:tblGrid>
+                <a:gridCol w="1525377"/>
+                <a:gridCol w="1296570"/>
+                <a:gridCol w="915226"/>
+                <a:gridCol w="4499861"/>
+              </a:tblGrid>
+              <a:tr h="430732">
+                <a:tc>
+                  <a:txBody>
+                    <a:bodyPr/>
+                    <a:lstStyle/>
+                    <a:p>
+                      <a:pPr algn="ctr"/>
+                      <a:r>
+                        <a:rPr lang="en-US" sz="2400" dirty="0" smtClean="0"/>
+                        <a:t>Hardware</a:t>
+                      </a:r>
+                      <a:endParaRPr lang="en-US" sz="2400" dirty="0"/>
+                    </a:p>
+                  </a:txBody>
+                  <a:tcPr/>
+                </a:tc>
+                <a:tc>
+                  <a:txBody>
+                    <a:bodyPr/>
+                    <a:lstStyle/>
+                    <a:p>
+                      <a:pPr algn="ctr"/>
+                      <a:r>
+                        <a:rPr lang="en-US" sz="2400" dirty="0" smtClean="0"/>
+                        <a:t>Kernel</a:t>
+                      </a:r>
+                      <a:endParaRPr lang="en-US" sz="2400" dirty="0"/>
+                    </a:p>
+                  </a:txBody>
+                  <a:tcPr/>
+                </a:tc>
+                <a:tc>
+                  <a:txBody>
+                    <a:bodyPr/>
+                    <a:lstStyle/>
+                    <a:p>
+                      <a:pPr algn="ctr"/>
+                      <a:r>
+                        <a:rPr lang="en-US" sz="2400" dirty="0" smtClean="0"/>
+                        <a:t>OS</a:t>
+                      </a:r>
+                      <a:endParaRPr lang="en-US" sz="2400" dirty="0"/>
+                    </a:p>
+                  </a:txBody>
+                  <a:tcPr/>
+                </a:tc>
+                <a:tc>
+                  <a:txBody>
+                    <a:bodyPr/>
+                    <a:lstStyle/>
+                    <a:p>
+                      <a:pPr algn="ctr"/>
+                      <a:r>
+                        <a:rPr lang="en-US" sz="2400" dirty="0" smtClean="0"/>
+                        <a:t>Sandbox Techniques</a:t>
+                      </a:r>
+                      <a:endParaRPr lang="en-US" sz="2400" dirty="0"/>
+                    </a:p>
+                  </a:txBody>
+                  <a:tcPr/>
+                </a:tc>
+              </a:tr>
+              <a:tr h="430732">
+                <a:tc>
+                  <a:txBody>
+                    <a:bodyPr/>
+                    <a:lstStyle/>
+                    <a:p>
+                      <a:pPr algn="ctr"/>
+                      <a:r>
+                        <a:rPr lang="en-US" sz="2400" dirty="0" smtClean="0"/>
+                        <a:t>Yes</a:t>
+                      </a:r>
+                      <a:endParaRPr lang="en-US" sz="2400" dirty="0"/>
+                    </a:p>
+                  </a:txBody>
+                  <a:tcPr/>
+                </a:tc>
+                <a:tc>
+                  <a:txBody>
+                    <a:bodyPr/>
+                    <a:lstStyle/>
+                    <a:p>
+                      <a:pPr algn="ctr"/>
+                      <a:r>
+                        <a:rPr lang="en-US" sz="2400" dirty="0" smtClean="0"/>
+                        <a:t>Yes</a:t>
+                      </a:r>
+                      <a:endParaRPr lang="en-US" sz="2400" dirty="0"/>
+                    </a:p>
+                  </a:txBody>
+                  <a:tcPr/>
+                </a:tc>
+                <a:tc>
+                  <a:txBody>
+                    <a:bodyPr/>
+                    <a:lstStyle/>
+                    <a:p>
+                      <a:pPr algn="ctr"/>
+                      <a:r>
+                        <a:rPr lang="en-US" sz="2400" dirty="0" smtClean="0"/>
+                        <a:t>Yes</a:t>
+                      </a:r>
+                      <a:endParaRPr lang="en-US" sz="2400" dirty="0"/>
+                    </a:p>
+                  </a:txBody>
+                  <a:tcPr/>
+                </a:tc>
+                <a:tc>
+                  <a:txBody>
+                    <a:bodyPr/>
+                    <a:lstStyle/>
+                    <a:p>
+                      <a:r>
+                        <a:rPr lang="en-US" sz="2400" dirty="0" smtClean="0"/>
+                        <a:t>Utilize the current</a:t>
+                      </a:r>
+                      <a:r>
+                        <a:rPr lang="en-US" sz="2400" baseline="0" dirty="0" smtClean="0"/>
+                        <a:t> OS directly</a:t>
+                      </a:r>
+                      <a:endParaRPr lang="en-US" sz="2400" dirty="0"/>
+                    </a:p>
+                  </a:txBody>
+                  <a:tcPr/>
+                </a:tc>
+              </a:tr>
+              <a:tr h="743456">
+                <a:tc>
+                  <a:txBody>
+                    <a:bodyPr/>
+                    <a:lstStyle/>
+                    <a:p>
+                      <a:pPr algn="ctr"/>
+                      <a:r>
+                        <a:rPr lang="en-US" sz="2400" dirty="0" smtClean="0"/>
+                        <a:t>Yes </a:t>
+                      </a:r>
+                      <a:endParaRPr lang="en-US" sz="2400" dirty="0"/>
+                    </a:p>
+                  </a:txBody>
+                  <a:tcPr/>
+                </a:tc>
+                <a:tc>
+                  <a:txBody>
+                    <a:bodyPr/>
+                    <a:lstStyle/>
+                    <a:p>
+                      <a:pPr algn="ctr"/>
+                      <a:r>
+                        <a:rPr lang="en-US" sz="2400" dirty="0" smtClean="0"/>
+                        <a:t>Yes</a:t>
+                      </a:r>
+                      <a:endParaRPr lang="en-US" sz="2400" dirty="0"/>
+                    </a:p>
+                  </a:txBody>
+                  <a:tcPr/>
+                </a:tc>
+                <a:tc>
+                  <a:txBody>
+                    <a:bodyPr/>
+                    <a:lstStyle/>
+                    <a:p>
+                      <a:pPr algn="ctr"/>
+                      <a:r>
+                        <a:rPr lang="en-US" sz="2400" dirty="0" smtClean="0"/>
+                        <a:t>No</a:t>
+                      </a:r>
+                      <a:endParaRPr lang="en-US" sz="2400" dirty="0"/>
+                    </a:p>
+                  </a:txBody>
+                  <a:tcPr/>
+                </a:tc>
+                <a:tc>
+                  <a:txBody>
+                    <a:bodyPr/>
+                    <a:lstStyle/>
+                    <a:p>
+                      <a:r>
+                        <a:rPr lang="en-US" sz="2400" dirty="0" smtClean="0"/>
+                        <a:t>OS-level Virtualization</a:t>
+                      </a:r>
+                    </a:p>
+                    <a:p>
+                      <a:r>
+                        <a:rPr lang="en-US" sz="2400" dirty="0" smtClean="0"/>
+                        <a:t>    Docker, Parrot</a:t>
+                      </a:r>
+                      <a:endParaRPr lang="en-US" sz="2400" dirty="0"/>
+                    </a:p>
+                  </a:txBody>
+                  <a:tcPr/>
+                </a:tc>
+              </a:tr>
+              <a:tr h="1062080">
+                <a:tc>
+                  <a:txBody>
+                    <a:bodyPr/>
+                    <a:lstStyle/>
+                    <a:p>
+                      <a:pPr algn="ctr"/>
+                      <a:r>
+                        <a:rPr lang="en-US" sz="2400" dirty="0" smtClean="0"/>
+                        <a:t>Yes/No</a:t>
+                      </a:r>
+                      <a:endParaRPr lang="en-US" sz="2400" dirty="0"/>
+                    </a:p>
+                  </a:txBody>
+                  <a:tcPr/>
+                </a:tc>
+                <a:tc>
+                  <a:txBody>
+                    <a:bodyPr/>
+                    <a:lstStyle/>
+                    <a:p>
+                      <a:pPr algn="ctr"/>
+                      <a:r>
+                        <a:rPr lang="en-US" sz="2400" dirty="0" smtClean="0"/>
+                        <a:t>No</a:t>
+                      </a:r>
+                      <a:endParaRPr lang="en-US" sz="2400" dirty="0"/>
+                    </a:p>
+                  </a:txBody>
+                  <a:tcPr/>
+                </a:tc>
+                <a:tc>
+                  <a:txBody>
+                    <a:bodyPr/>
+                    <a:lstStyle/>
+                    <a:p>
+                      <a:pPr algn="ctr"/>
+                      <a:r>
+                        <a:rPr lang="en-US" sz="2400" dirty="0" smtClean="0"/>
+                        <a:t>No</a:t>
+                      </a:r>
+                      <a:endParaRPr lang="en-US" sz="2400" dirty="0"/>
+                    </a:p>
+                  </a:txBody>
+                  <a:tcPr/>
+                </a:tc>
+                <a:tc>
+                  <a:txBody>
+                    <a:bodyPr/>
+                    <a:lstStyle/>
+                    <a:p>
+                      <a:r>
+                        <a:rPr lang="en-US" sz="2400" dirty="0" smtClean="0"/>
+                        <a:t>Hardware Virtualization</a:t>
+                      </a:r>
+                    </a:p>
+                    <a:p>
+                      <a:r>
+                        <a:rPr lang="en-US" sz="2400" baseline="0" dirty="0" smtClean="0"/>
+                        <a:t>    Local: </a:t>
+                      </a:r>
+                      <a:r>
+                        <a:rPr lang="en-US" sz="2400" baseline="0" dirty="0" err="1" smtClean="0"/>
+                        <a:t>VirtualBox</a:t>
+                      </a:r>
+                      <a:r>
+                        <a:rPr lang="en-US" sz="2400" baseline="0" dirty="0" smtClean="0"/>
+                        <a:t>, VMWare</a:t>
+                      </a:r>
+                    </a:p>
+                    <a:p>
+                      <a:r>
+                        <a:rPr lang="en-US" sz="2400" baseline="0" dirty="0" smtClean="0"/>
+                        <a:t>    Remote: Amazon EC2</a:t>
+                      </a:r>
+                      <a:endParaRPr lang="en-US" sz="2400" dirty="0"/>
+                    </a:p>
+                  </a:txBody>
+                  <a:tcPr/>
+                </a:tc>
+              </a:tr>
+            </a:tbl>
+          </a:graphicData>
+        </a:graphic>
+      </p:graphicFrame>
+      <p:sp>
+        <p:nvSpPr>
+          <p:cNvPr id="5" name="TextBox 4"/>
+          <p:cNvSpPr txBox="1"/>
+          <p:nvPr/>
+        </p:nvSpPr>
         <p:spPr>
           <a:xfrm>
-            <a:off x="461962" y="2034381"/>
-            <a:ext cx="8220075" cy="3886200"/>
+            <a:off x="609600" y="1371600"/>
+            <a:ext cx="7772400" cy="2062103"/>
           </a:xfrm>
           <a:prstGeom prst="rect">
             <a:avLst/>
           </a:prstGeom>
+          <a:noFill/>
         </p:spPr>
-      </p:pic>
+        <p:txBody>
+          <a:bodyPr wrap="square" rtlCol="0">
+            <a:spAutoFit/>
+          </a:bodyPr>
+          <a:lstStyle/>
+          <a:p>
+            <a:r>
+              <a:rPr lang="en-US" sz="3200" b="1" dirty="0" smtClean="0"/>
+              <a:t>Matching degree </a:t>
+            </a:r>
+            <a:r>
+              <a:rPr lang="en-US" sz="3200" dirty="0" smtClean="0"/>
+              <a:t>between </a:t>
+            </a:r>
+          </a:p>
+          <a:p>
+            <a:r>
+              <a:rPr lang="en-US" sz="3200" dirty="0" smtClean="0"/>
+              <a:t>   -- the execution node</a:t>
+            </a:r>
+          </a:p>
+          <a:p>
+            <a:r>
+              <a:rPr lang="en-US" sz="3200" dirty="0" smtClean="0"/>
+              <a:t>   -- the execution environment specified via </a:t>
+            </a:r>
+          </a:p>
+          <a:p>
+            <a:r>
+              <a:rPr lang="en-US" sz="3200" dirty="0"/>
+              <a:t>	</a:t>
+            </a:r>
+            <a:r>
+              <a:rPr lang="en-US" sz="3200" dirty="0" smtClean="0"/>
+              <a:t>an Umbrella specification</a:t>
+            </a:r>
+            <a:endParaRPr lang="en-US" sz="3200" dirty="0"/>
+          </a:p>
+        </p:txBody>
+      </p:sp>
     </p:spTree>
     <p:extLst>
       <p:ext uri="{BB962C8B-B14F-4D97-AF65-F5344CB8AC3E}">
-        <p14:creationId xmlns:p14="http://schemas.microsoft.com/office/powerpoint/2010/main" val="79044444"/>
+        <p14:creationId xmlns:p14="http://schemas.microsoft.com/office/powerpoint/2010/main" val="495294569"/>
       </p:ext>
     </p:extLst>
   </p:cSld>
   <p:clrMapOvr>
     <a:masterClrMapping/>
   </p:clrMapOvr>
+  <p:timing>
+    <p:tnLst>
+      <p:par>
+        <p:cTn id="1" dur="indefinite" restart="never" nodeType="tmRoot"/>
+      </p:par>
+    </p:tnLst>
+  </p:timing>
 </p:sld>
 </file>
 
@@ -4530,7 +6208,7 @@
           <a:p>
             <a:r>
               <a:rPr lang="en-US" dirty="0" smtClean="0"/>
-              <a:t>Step 3: Specify kernel</a:t>
+              <a:t>Umbrella EC2 Execution Engine</a:t>
             </a:r>
             <a:endParaRPr lang="en-US" dirty="0"/>
           </a:p>
@@ -4538,7 +6216,7 @@
       </p:sp>
       <p:pic>
         <p:nvPicPr>
-          <p:cNvPr id="4" name="Content Placeholder 3"/>
+          <p:cNvPr id="6" name="Content Placeholder 5"/>
           <p:cNvPicPr>
             <a:picLocks noGrp="1" noChangeAspect="1"/>
           </p:cNvPicPr>
@@ -4547,31 +6225,41 @@
           </p:nvPr>
         </p:nvPicPr>
         <p:blipFill>
-          <a:blip r:embed="rId2"/>
+          <a:blip r:embed="rId2">
+            <a:extLst>
+              <a:ext uri="{28A0092B-C50C-407E-A947-70E740481C1C}">
+                <a14:useLocalDpi xmlns:a14="http://schemas.microsoft.com/office/drawing/2010/main" val="0"/>
+              </a:ext>
+            </a:extLst>
+          </a:blip>
           <a:stretch>
             <a:fillRect/>
           </a:stretch>
         </p:blipFill>
         <p:spPr>
           <a:xfrm>
-            <a:off x="457200" y="3079311"/>
-            <a:ext cx="8229600" cy="1796340"/>
+            <a:off x="304800" y="1295400"/>
+            <a:ext cx="8346672" cy="5181600"/>
           </a:xfrm>
-          <a:prstGeom prst="rect">
-            <a:avLst/>
-          </a:prstGeom>
         </p:spPr>
       </p:pic>
     </p:spTree>
     <p:extLst>
       <p:ext uri="{BB962C8B-B14F-4D97-AF65-F5344CB8AC3E}">
-        <p14:creationId xmlns:p14="http://schemas.microsoft.com/office/powerpoint/2010/main" val="3432495817"/>
+        <p14:creationId xmlns:p14="http://schemas.microsoft.com/office/powerpoint/2010/main" val="1530727772"/>
       </p:ext>
     </p:extLst>
   </p:cSld>
   <p:clrMapOvr>
     <a:masterClrMapping/>
   </p:clrMapOvr>
+  <p:timing>
+    <p:tnLst>
+      <p:par>
+        <p:cTn id="1" dur="indefinite" restart="never" nodeType="tmRoot"/>
+      </p:par>
+    </p:tnLst>
+  </p:timing>
 </p:sld>
 </file>
 
@@ -4604,49 +6292,119 @@
         </p:nvSpPr>
         <p:spPr/>
         <p:txBody>
-          <a:bodyPr>
-            <a:normAutofit fontScale="90000"/>
-          </a:bodyPr>
+          <a:bodyPr/>
           <a:lstStyle/>
           <a:p>
             <a:r>
               <a:rPr lang="en-US" dirty="0" smtClean="0"/>
-              <a:t>Step 4: Specify base OS image</a:t>
+              <a:t>Example: parrot execution engine</a:t>
             </a:r>
             <a:endParaRPr lang="en-US" dirty="0"/>
           </a:p>
         </p:txBody>
       </p:sp>
-      <p:pic>
-        <p:nvPicPr>
-          <p:cNvPr id="4" name="Content Placeholder 3"/>
-          <p:cNvPicPr>
-            <a:picLocks noGrp="1" noChangeAspect="1"/>
-          </p:cNvPicPr>
+      <p:sp>
+        <p:nvSpPr>
+          <p:cNvPr id="3" name="Content Placeholder 2"/>
+          <p:cNvSpPr>
+            <a:spLocks noGrp="1"/>
+          </p:cNvSpPr>
           <p:nvPr>
             <p:ph idx="1"/>
           </p:nvPr>
-        </p:nvPicPr>
-        <p:blipFill>
-          <a:blip r:embed="rId2"/>
-          <a:stretch>
-            <a:fillRect/>
-          </a:stretch>
-        </p:blipFill>
-        <p:spPr>
-          <a:xfrm>
-            <a:off x="457200" y="3108867"/>
-            <a:ext cx="8229600" cy="1737228"/>
-          </a:xfrm>
-          <a:prstGeom prst="rect">
-            <a:avLst/>
-          </a:prstGeom>
-        </p:spPr>
-      </p:pic>
+        </p:nvSpPr>
+        <p:spPr/>
+        <p:txBody>
+          <a:bodyPr/>
+          <a:lstStyle/>
+          <a:p>
+            <a:pPr lvl="1"/>
+            <a:r>
+              <a:rPr lang="en-US" sz="2400" dirty="0"/>
+              <a:t>umbrella --spec </a:t>
+            </a:r>
+            <a:r>
+              <a:rPr lang="en-US" sz="2400" dirty="0" err="1"/>
+              <a:t>bertini.umbrella</a:t>
+            </a:r>
+            <a:r>
+              <a:rPr lang="en-US" sz="2400" dirty="0"/>
+              <a:t> \</a:t>
+            </a:r>
+          </a:p>
+          <a:p>
+            <a:pPr lvl="1"/>
+            <a:r>
+              <a:rPr lang="en-US" sz="2400" dirty="0"/>
+              <a:t>--</a:t>
+            </a:r>
+            <a:r>
+              <a:rPr lang="en-US" sz="2400" dirty="0" err="1"/>
+              <a:t>localdir</a:t>
+            </a:r>
+            <a:r>
+              <a:rPr lang="en-US" sz="2400" dirty="0"/>
+              <a:t> </a:t>
+            </a:r>
+            <a:r>
+              <a:rPr lang="en-US" sz="2400" b="1" dirty="0"/>
+              <a:t>/</a:t>
+            </a:r>
+            <a:r>
+              <a:rPr lang="en-US" sz="2400" b="1" dirty="0" err="1"/>
+              <a:t>tmp</a:t>
+            </a:r>
+            <a:r>
+              <a:rPr lang="en-US" sz="2400" b="1" dirty="0"/>
+              <a:t>/</a:t>
+            </a:r>
+            <a:r>
+              <a:rPr lang="en-US" sz="2400" b="1" dirty="0" err="1"/>
+              <a:t>umbrella_cache_par</a:t>
+            </a:r>
+            <a:r>
+              <a:rPr lang="en-US" sz="2400" b="1" dirty="0"/>
+              <a:t>/ </a:t>
+            </a:r>
+            <a:endParaRPr lang="en-US" sz="2400" dirty="0"/>
+          </a:p>
+          <a:p>
+            <a:pPr lvl="1"/>
+            <a:r>
+              <a:rPr lang="en-US" sz="2400" dirty="0"/>
+              <a:t>--</a:t>
+            </a:r>
+            <a:r>
+              <a:rPr lang="en-US" sz="2400" dirty="0" err="1"/>
+              <a:t>sandbox_mode</a:t>
+            </a:r>
+            <a:r>
+              <a:rPr lang="en-US" sz="2400" dirty="0"/>
+              <a:t> parrot \</a:t>
+            </a:r>
+          </a:p>
+          <a:p>
+            <a:pPr lvl="1"/>
+            <a:r>
+              <a:rPr lang="en-US" sz="2400" dirty="0">
+                <a:latin typeface="Helvetica Neue Light"/>
+                <a:cs typeface="Helvetica Neue Light"/>
+              </a:rPr>
+              <a:t>run</a:t>
+            </a:r>
+          </a:p>
+          <a:p>
+            <a:pPr marL="0" indent="0">
+              <a:buNone/>
+            </a:pPr>
+            <a:endParaRPr lang="en-US" dirty="0"/>
+          </a:p>
+        </p:txBody>
+      </p:sp>
     </p:spTree>
     <p:extLst>
       <p:ext uri="{BB962C8B-B14F-4D97-AF65-F5344CB8AC3E}">
-        <p14:creationId xmlns:p14="http://schemas.microsoft.com/office/powerpoint/2010/main" val="3349830945"/>
+        <p14:creationId xmlns:p14="http://schemas.microsoft.com/office/powerpoint/2010/main" val="1980093062"/>
       </p:ext>
     </p:extLst>
   </p:cSld>
@@ -4657,7 +6415,7 @@
 </file>
 
 <file path=ppt/theme/theme1.xml><?xml version="1.0" encoding="utf-8"?>
-<a:theme xmlns:a="http://schemas.openxmlformats.org/drawingml/2006/main" name="Template_2_v2">
+<a:theme xmlns:a="http://schemas.openxmlformats.org/drawingml/2006/main" name="Office Theme">
   <a:themeElements>
     <a:clrScheme name="Office">
       <a:dk1>
@@ -4799,16 +6557,20 @@
           <a:gsLst>
             <a:gs pos="0">
               <a:schemeClr val="phClr">
-                <a:tint val="100000"/>
-                <a:shade val="100000"/>
+                <a:shade val="51000"/>
+                <a:satMod val="130000"/>
+              </a:schemeClr>
+            </a:gs>
+            <a:gs pos="80000">
+              <a:schemeClr val="phClr">
+                <a:shade val="93000"/>
                 <a:satMod val="130000"/>
               </a:schemeClr>
             </a:gs>
             <a:gs pos="100000">
               <a:schemeClr val="phClr">
-                <a:tint val="50000"/>
-                <a:shade val="100000"/>
-                <a:satMod val="350000"/>
+                <a:shade val="94000"/>
+                <a:satMod val="135000"/>
               </a:schemeClr>
             </a:gs>
           </a:gsLst>
@@ -4930,46 +6692,268 @@
       </a:bgFillStyleLst>
     </a:fmtScheme>
   </a:themeElements>
-  <a:objectDefaults>
-    <a:spDef>
-      <a:spPr/>
-      <a:bodyPr/>
-      <a:lstStyle/>
-      <a:style>
-        <a:lnRef idx="1">
-          <a:schemeClr val="accent1"/>
-        </a:lnRef>
-        <a:fillRef idx="3">
-          <a:schemeClr val="accent1"/>
-        </a:fillRef>
-        <a:effectRef idx="2">
-          <a:schemeClr val="accent1"/>
-        </a:effectRef>
-        <a:fontRef idx="minor">
-          <a:schemeClr val="lt1"/>
-        </a:fontRef>
-      </a:style>
-    </a:spDef>
-    <a:lnDef>
-      <a:spPr/>
-      <a:bodyPr/>
-      <a:lstStyle/>
-      <a:style>
-        <a:lnRef idx="2">
-          <a:schemeClr val="accent1"/>
-        </a:lnRef>
-        <a:fillRef idx="0">
-          <a:schemeClr val="accent1"/>
-        </a:fillRef>
-        <a:effectRef idx="1">
-          <a:schemeClr val="accent1"/>
-        </a:effectRef>
-        <a:fontRef idx="minor">
-          <a:schemeClr val="tx1"/>
-        </a:fontRef>
-      </a:style>
-    </a:lnDef>
-  </a:objectDefaults>
+  <a:objectDefaults/>
   <a:extraClrSchemeLst/>
 </a:theme>
+</file>
+
+<file path=ppt/theme/theme2.xml><?xml version="1.0" encoding="utf-8"?>
+<a:theme xmlns:a="http://schemas.openxmlformats.org/drawingml/2006/main" name="Office Theme">
+  <a:themeElements>
+    <a:clrScheme name="Office">
+      <a:dk1>
+        <a:sysClr val="windowText" lastClr="000000"/>
+      </a:dk1>
+      <a:lt1>
+        <a:sysClr val="window" lastClr="FFFFFF"/>
+      </a:lt1>
+      <a:dk2>
+        <a:srgbClr val="44546A"/>
+      </a:dk2>
+      <a:lt2>
+        <a:srgbClr val="E7E6E6"/>
+      </a:lt2>
+      <a:accent1>
+        <a:srgbClr val="5B9BD5"/>
+      </a:accent1>
+      <a:accent2>
+        <a:srgbClr val="ED7D31"/>
+      </a:accent2>
+      <a:accent3>
+        <a:srgbClr val="A5A5A5"/>
+      </a:accent3>
+      <a:accent4>
+        <a:srgbClr val="FFC000"/>
+      </a:accent4>
+      <a:accent5>
+        <a:srgbClr val="4472C4"/>
+      </a:accent5>
+      <a:accent6>
+        <a:srgbClr val="70AD47"/>
+      </a:accent6>
+      <a:hlink>
+        <a:srgbClr val="0563C1"/>
+      </a:hlink>
+      <a:folHlink>
+        <a:srgbClr val="954F72"/>
+      </a:folHlink>
+    </a:clrScheme>
+    <a:fontScheme name="Office">
+      <a:majorFont>
+        <a:latin typeface="Calibri Light" panose="020F0302020204030204"/>
+        <a:ea typeface=""/>
+        <a:cs typeface=""/>
+        <a:font script="Jpan" typeface="ＭＳ Ｐゴシック"/>
+        <a:font script="Hang" typeface="맑은 고딕"/>
+        <a:font script="Hans" typeface="宋体"/>
+        <a:font script="Hant" typeface="新細明體"/>
+        <a:font script="Arab" typeface="Times New Roman"/>
+        <a:font script="Hebr" typeface="Times New Roman"/>
+        <a:font script="Thai" typeface="Angsana New"/>
+        <a:font script="Ethi" typeface="Nyala"/>
+        <a:font script="Beng" typeface="Vrinda"/>
+        <a:font script="Gujr" typeface="Shruti"/>
+        <a:font script="Khmr" typeface="MoolBoran"/>
+        <a:font script="Knda" typeface="Tunga"/>
+        <a:font script="Guru" typeface="Raavi"/>
+        <a:font script="Cans" typeface="Euphemia"/>
+        <a:font script="Cher" typeface="Plantagenet Cherokee"/>
+        <a:font script="Yiii" typeface="Microsoft Yi Baiti"/>
+        <a:font script="Tibt" typeface="Microsoft Himalaya"/>
+        <a:font script="Thaa" typeface="MV Boli"/>
+        <a:font script="Deva" typeface="Mangal"/>
+        <a:font script="Telu" typeface="Gautami"/>
+        <a:font script="Taml" typeface="Latha"/>
+        <a:font script="Syrc" typeface="Estrangelo Edessa"/>
+        <a:font script="Orya" typeface="Kalinga"/>
+        <a:font script="Mlym" typeface="Kartika"/>
+        <a:font script="Laoo" typeface="DokChampa"/>
+        <a:font script="Sinh" typeface="Iskoola Pota"/>
+        <a:font script="Mong" typeface="Mongolian Baiti"/>
+        <a:font script="Viet" typeface="Times New Roman"/>
+        <a:font script="Uigh" typeface="Microsoft Uighur"/>
+        <a:font script="Geor" typeface="Sylfaen"/>
+      </a:majorFont>
+      <a:minorFont>
+        <a:latin typeface="Calibri" panose="020F0502020204030204"/>
+        <a:ea typeface=""/>
+        <a:cs typeface=""/>
+        <a:font script="Jpan" typeface="ＭＳ Ｐゴシック"/>
+        <a:font script="Hang" typeface="맑은 고딕"/>
+        <a:font script="Hans" typeface="宋体"/>
+        <a:font script="Hant" typeface="新細明體"/>
+        <a:font script="Arab" typeface="Arial"/>
+        <a:font script="Hebr" typeface="Arial"/>
+        <a:font script="Thai" typeface="Cordia New"/>
+        <a:font script="Ethi" typeface="Nyala"/>
+        <a:font script="Beng" typeface="Vrinda"/>
+        <a:font script="Gujr" typeface="Shruti"/>
+        <a:font script="Khmr" typeface="DaunPenh"/>
+        <a:font script="Knda" typeface="Tunga"/>
+        <a:font script="Guru" typeface="Raavi"/>
+        <a:font script="Cans" typeface="Euphemia"/>
+        <a:font script="Cher" typeface="Plantagenet Cherokee"/>
+        <a:font script="Yiii" typeface="Microsoft Yi Baiti"/>
+        <a:font script="Tibt" typeface="Microsoft Himalaya"/>
+        <a:font script="Thaa" typeface="MV Boli"/>
+        <a:font script="Deva" typeface="Mangal"/>
+        <a:font script="Telu" typeface="Gautami"/>
+        <a:font script="Taml" typeface="Latha"/>
+        <a:font script="Syrc" typeface="Estrangelo Edessa"/>
+        <a:font script="Orya" typeface="Kalinga"/>
+        <a:font script="Mlym" typeface="Kartika"/>
+        <a:font script="Laoo" typeface="DokChampa"/>
+        <a:font script="Sinh" typeface="Iskoola Pota"/>
+        <a:font script="Mong" typeface="Mongolian Baiti"/>
+        <a:font script="Viet" typeface="Arial"/>
+        <a:font script="Uigh" typeface="Microsoft Uighur"/>
+        <a:font script="Geor" typeface="Sylfaen"/>
+      </a:minorFont>
+    </a:fontScheme>
+    <a:fmtScheme name="Office">
+      <a:fillStyleLst>
+        <a:solidFill>
+          <a:schemeClr val="phClr"/>
+        </a:solidFill>
+        <a:gradFill rotWithShape="1">
+          <a:gsLst>
+            <a:gs pos="0">
+              <a:schemeClr val="phClr">
+                <a:lumMod val="110000"/>
+                <a:satMod val="105000"/>
+                <a:tint val="67000"/>
+              </a:schemeClr>
+            </a:gs>
+            <a:gs pos="50000">
+              <a:schemeClr val="phClr">
+                <a:lumMod val="105000"/>
+                <a:satMod val="103000"/>
+                <a:tint val="73000"/>
+              </a:schemeClr>
+            </a:gs>
+            <a:gs pos="100000">
+              <a:schemeClr val="phClr">
+                <a:lumMod val="105000"/>
+                <a:satMod val="109000"/>
+                <a:tint val="81000"/>
+              </a:schemeClr>
+            </a:gs>
+          </a:gsLst>
+          <a:lin ang="5400000" scaled="0"/>
+        </a:gradFill>
+        <a:gradFill rotWithShape="1">
+          <a:gsLst>
+            <a:gs pos="0">
+              <a:schemeClr val="phClr">
+                <a:satMod val="103000"/>
+                <a:lumMod val="102000"/>
+                <a:tint val="94000"/>
+              </a:schemeClr>
+            </a:gs>
+            <a:gs pos="50000">
+              <a:schemeClr val="phClr">
+                <a:satMod val="110000"/>
+                <a:lumMod val="100000"/>
+                <a:shade val="100000"/>
+              </a:schemeClr>
+            </a:gs>
+            <a:gs pos="100000">
+              <a:schemeClr val="phClr">
+                <a:lumMod val="99000"/>
+                <a:satMod val="120000"/>
+                <a:shade val="78000"/>
+              </a:schemeClr>
+            </a:gs>
+          </a:gsLst>
+          <a:lin ang="5400000" scaled="0"/>
+        </a:gradFill>
+      </a:fillStyleLst>
+      <a:lnStyleLst>
+        <a:ln w="6350" cap="flat" cmpd="sng" algn="ctr">
+          <a:solidFill>
+            <a:schemeClr val="phClr"/>
+          </a:solidFill>
+          <a:prstDash val="solid"/>
+          <a:miter lim="800000"/>
+        </a:ln>
+        <a:ln w="12700" cap="flat" cmpd="sng" algn="ctr">
+          <a:solidFill>
+            <a:schemeClr val="phClr"/>
+          </a:solidFill>
+          <a:prstDash val="solid"/>
+          <a:miter lim="800000"/>
+        </a:ln>
+        <a:ln w="19050" cap="flat" cmpd="sng" algn="ctr">
+          <a:solidFill>
+            <a:schemeClr val="phClr"/>
+          </a:solidFill>
+          <a:prstDash val="solid"/>
+          <a:miter lim="800000"/>
+        </a:ln>
+      </a:lnStyleLst>
+      <a:effectStyleLst>
+        <a:effectStyle>
+          <a:effectLst/>
+        </a:effectStyle>
+        <a:effectStyle>
+          <a:effectLst/>
+        </a:effectStyle>
+        <a:effectStyle>
+          <a:effectLst>
+            <a:outerShdw blurRad="57150" dist="19050" dir="5400000" algn="ctr" rotWithShape="0">
+              <a:srgbClr val="000000">
+                <a:alpha val="63000"/>
+              </a:srgbClr>
+            </a:outerShdw>
+          </a:effectLst>
+        </a:effectStyle>
+      </a:effectStyleLst>
+      <a:bgFillStyleLst>
+        <a:solidFill>
+          <a:schemeClr val="phClr"/>
+        </a:solidFill>
+        <a:solidFill>
+          <a:schemeClr val="phClr">
+            <a:tint val="95000"/>
+            <a:satMod val="170000"/>
+          </a:schemeClr>
+        </a:solidFill>
+        <a:gradFill rotWithShape="1">
+          <a:gsLst>
+            <a:gs pos="0">
+              <a:schemeClr val="phClr">
+                <a:tint val="93000"/>
+                <a:satMod val="150000"/>
+                <a:shade val="98000"/>
+                <a:lumMod val="102000"/>
+              </a:schemeClr>
+            </a:gs>
+            <a:gs pos="50000">
+              <a:schemeClr val="phClr">
+                <a:tint val="98000"/>
+                <a:satMod val="130000"/>
+                <a:shade val="90000"/>
+                <a:lumMod val="103000"/>
+              </a:schemeClr>
+            </a:gs>
+            <a:gs pos="100000">
+              <a:schemeClr val="phClr">
+                <a:shade val="63000"/>
+                <a:satMod val="120000"/>
+              </a:schemeClr>
+            </a:gs>
+          </a:gsLst>
+          <a:lin ang="5400000" scaled="0"/>
+        </a:gradFill>
+      </a:bgFillStyleLst>
+    </a:fmtScheme>
+  </a:themeElements>
+  <a:objectDefaults/>
+  <a:extraClrSchemeLst/>
+  <a:extLst>
+    <a:ext uri="{05A4C25C-085E-4340-85A3-A5531E510DB2}">
+      <thm15:themeFamily xmlns:thm15="http://schemas.microsoft.com/office/thememl/2012/main" name="Office Theme" id="{62F939B6-93AF-4DB8-9C6B-D6C7DFDC589F}" vid="{4A3C46E8-61CC-4603-A589-7422A47A8E4A}"/>
+    </a:ext>
+  </a:extLst>
+</a:theme>
 </file>
--- a/Umbrella Tutorial.pptx
+++ b/Umbrella Tutorial.pptx
@@ -5,7 +5,7 @@
     <p:sldMasterId id="2147483648" r:id="rId1"/>
   </p:sldMasterIdLst>
   <p:notesMasterIdLst>
-    <p:notesMasterId r:id="rId16"/>
+    <p:notesMasterId r:id="rId19"/>
   </p:notesMasterIdLst>
   <p:sldIdLst>
     <p:sldId id="270" r:id="rId2"/>
@@ -19,9 +19,12 @@
     <p:sldId id="272" r:id="rId10"/>
     <p:sldId id="259" r:id="rId11"/>
     <p:sldId id="274" r:id="rId12"/>
-    <p:sldId id="265" r:id="rId13"/>
-    <p:sldId id="266" r:id="rId14"/>
-    <p:sldId id="275" r:id="rId15"/>
+    <p:sldId id="276" r:id="rId13"/>
+    <p:sldId id="277" r:id="rId14"/>
+    <p:sldId id="265" r:id="rId15"/>
+    <p:sldId id="266" r:id="rId16"/>
+    <p:sldId id="275" r:id="rId17"/>
+    <p:sldId id="278" r:id="rId18"/>
   </p:sldIdLst>
   <p:sldSz cx="9144000" cy="6858000" type="screen4x3"/>
   <p:notesSz cx="6858000" cy="9144000"/>
@@ -648,6 +651,90 @@
     <p:extLst>
       <p:ext uri="{BB962C8B-B14F-4D97-AF65-F5344CB8AC3E}">
         <p14:creationId xmlns:p14="http://schemas.microsoft.com/office/powerpoint/2010/main" val="256614128"/>
+      </p:ext>
+    </p:extLst>
+  </p:cSld>
+  <p:clrMapOvr>
+    <a:masterClrMapping/>
+  </p:clrMapOvr>
+</p:notes>
+</file>
+
+<file path=ppt/notesSlides/notesSlide3.xml><?xml version="1.0" encoding="utf-8"?>
+<p:notes xmlns:a="http://schemas.openxmlformats.org/drawingml/2006/main" xmlns:r="http://schemas.openxmlformats.org/officeDocument/2006/relationships" xmlns:p="http://schemas.openxmlformats.org/presentationml/2006/main">
+  <p:cSld>
+    <p:spTree>
+      <p:nvGrpSpPr>
+        <p:cNvPr id="1" name=""/>
+        <p:cNvGrpSpPr/>
+        <p:nvPr/>
+      </p:nvGrpSpPr>
+      <p:grpSpPr>
+        <a:xfrm>
+          <a:off x="0" y="0"/>
+          <a:ext cx="0" cy="0"/>
+          <a:chOff x="0" y="0"/>
+          <a:chExt cx="0" cy="0"/>
+        </a:xfrm>
+      </p:grpSpPr>
+      <p:sp>
+        <p:nvSpPr>
+          <p:cNvPr id="2" name="Slide Image Placeholder 1"/>
+          <p:cNvSpPr>
+            <a:spLocks noGrp="1" noRot="1" noChangeAspect="1"/>
+          </p:cNvSpPr>
+          <p:nvPr>
+            <p:ph type="sldImg"/>
+          </p:nvPr>
+        </p:nvSpPr>
+        <p:spPr/>
+      </p:sp>
+      <p:sp>
+        <p:nvSpPr>
+          <p:cNvPr id="3" name="Notes Placeholder 2"/>
+          <p:cNvSpPr>
+            <a:spLocks noGrp="1"/>
+          </p:cNvSpPr>
+          <p:nvPr>
+            <p:ph type="body" idx="1"/>
+          </p:nvPr>
+        </p:nvSpPr>
+        <p:spPr/>
+        <p:txBody>
+          <a:bodyPr/>
+          <a:lstStyle/>
+          <a:p>
+            <a:endParaRPr lang="en-US" dirty="0"/>
+          </a:p>
+        </p:txBody>
+      </p:sp>
+      <p:sp>
+        <p:nvSpPr>
+          <p:cNvPr id="4" name="Slide Number Placeholder 3"/>
+          <p:cNvSpPr>
+            <a:spLocks noGrp="1"/>
+          </p:cNvSpPr>
+          <p:nvPr>
+            <p:ph type="sldNum" sz="quarter" idx="10"/>
+          </p:nvPr>
+        </p:nvSpPr>
+        <p:spPr/>
+        <p:txBody>
+          <a:bodyPr/>
+          <a:lstStyle/>
+          <a:p>
+            <a:fld id="{AAF83739-0D19-6444-9F64-861DE401C1F9}" type="slidenum">
+              <a:rPr lang="en-US" smtClean="0"/>
+              <a:t>16</a:t>
+            </a:fld>
+            <a:endParaRPr lang="en-US"/>
+          </a:p>
+        </p:txBody>
+      </p:sp>
+    </p:spTree>
+    <p:extLst>
+      <p:ext uri="{BB962C8B-B14F-4D97-AF65-F5344CB8AC3E}">
+        <p14:creationId xmlns:p14="http://schemas.microsoft.com/office/powerpoint/2010/main" val="1398402411"/>
       </p:ext>
     </p:extLst>
   </p:cSld>
@@ -3945,6 +4032,601 @@
         </p:nvSpPr>
         <p:spPr/>
         <p:txBody>
+          <a:bodyPr>
+            <a:normAutofit/>
+          </a:bodyPr>
+          <a:lstStyle/>
+          <a:p>
+            <a:r>
+              <a:rPr lang="en-US" dirty="0" smtClean="0"/>
+              <a:t>Build umbrella spec</a:t>
+            </a:r>
+            <a:endParaRPr lang="en-US" dirty="0"/>
+          </a:p>
+        </p:txBody>
+      </p:sp>
+      <p:sp>
+        <p:nvSpPr>
+          <p:cNvPr id="3" name="Content Placeholder 2"/>
+          <p:cNvSpPr>
+            <a:spLocks noGrp="1"/>
+          </p:cNvSpPr>
+          <p:nvPr>
+            <p:ph idx="1"/>
+          </p:nvPr>
+        </p:nvSpPr>
+        <p:spPr/>
+        <p:txBody>
+          <a:bodyPr/>
+          <a:lstStyle/>
+          <a:p>
+            <a:pPr marL="0" indent="0">
+              <a:buNone/>
+            </a:pPr>
+            <a:r>
+              <a:rPr lang="en-US" dirty="0"/>
+              <a:t>c</a:t>
+            </a:r>
+            <a:r>
+              <a:rPr lang="en-US" dirty="0" smtClean="0"/>
+              <a:t>d ~/</a:t>
+            </a:r>
+            <a:r>
+              <a:rPr lang="en-US" dirty="0" err="1" smtClean="0"/>
+              <a:t>update_spec</a:t>
+            </a:r>
+            <a:endParaRPr lang="en-US" dirty="0" smtClean="0"/>
+          </a:p>
+          <a:p>
+            <a:pPr marL="0" indent="0">
+              <a:buNone/>
+            </a:pPr>
+            <a:r>
+              <a:rPr lang="en-US" dirty="0" smtClean="0"/>
+              <a:t>umbrella \</a:t>
+            </a:r>
+          </a:p>
+          <a:p>
+            <a:pPr marL="0" indent="0">
+              <a:buNone/>
+            </a:pPr>
+            <a:r>
+              <a:rPr lang="en-US" dirty="0" smtClean="0"/>
+              <a:t>--</a:t>
+            </a:r>
+            <a:r>
+              <a:rPr lang="en-US" dirty="0" err="1" smtClean="0"/>
+              <a:t>localdir</a:t>
+            </a:r>
+            <a:r>
+              <a:rPr lang="en-US" dirty="0" smtClean="0"/>
+              <a:t> /</a:t>
+            </a:r>
+            <a:r>
+              <a:rPr lang="en-US" dirty="0" err="1" smtClean="0"/>
+              <a:t>tmp</a:t>
+            </a:r>
+            <a:r>
+              <a:rPr lang="en-US" dirty="0" smtClean="0"/>
+              <a:t>/</a:t>
+            </a:r>
+            <a:r>
+              <a:rPr lang="en-US" dirty="0" err="1" smtClean="0"/>
+              <a:t>umbrella_test</a:t>
+            </a:r>
+            <a:r>
+              <a:rPr lang="en-US" dirty="0" smtClean="0"/>
+              <a:t>/ \</a:t>
+            </a:r>
+          </a:p>
+          <a:p>
+            <a:pPr marL="0" indent="0">
+              <a:buNone/>
+            </a:pPr>
+            <a:r>
+              <a:rPr lang="en-US" dirty="0" smtClean="0"/>
+              <a:t>build </a:t>
+            </a:r>
+            <a:r>
+              <a:rPr lang="en-US" dirty="0" err="1" smtClean="0"/>
+              <a:t>bertini.umbrella</a:t>
+            </a:r>
+            <a:r>
+              <a:rPr lang="en-US" dirty="0" smtClean="0"/>
+              <a:t> </a:t>
+            </a:r>
+            <a:r>
+              <a:rPr lang="en-US" dirty="0" err="1" smtClean="0"/>
+              <a:t>bertini.new.umbrella</a:t>
+            </a:r>
+            <a:endParaRPr lang="en-US" dirty="0" smtClean="0"/>
+          </a:p>
+          <a:p>
+            <a:pPr marL="0" indent="0">
+              <a:buNone/>
+            </a:pPr>
+            <a:endParaRPr lang="en-US" dirty="0"/>
+          </a:p>
+        </p:txBody>
+      </p:sp>
+    </p:spTree>
+    <p:extLst>
+      <p:ext uri="{BB962C8B-B14F-4D97-AF65-F5344CB8AC3E}">
+        <p14:creationId xmlns:p14="http://schemas.microsoft.com/office/powerpoint/2010/main" val="933957942"/>
+      </p:ext>
+    </p:extLst>
+  </p:cSld>
+  <p:clrMapOvr>
+    <a:masterClrMapping/>
+  </p:clrMapOvr>
+</p:sld>
+</file>
+
+<file path=ppt/slides/slide13.xml><?xml version="1.0" encoding="utf-8"?>
+<p:sld xmlns:a="http://schemas.openxmlformats.org/drawingml/2006/main" xmlns:r="http://schemas.openxmlformats.org/officeDocument/2006/relationships" xmlns:p="http://schemas.openxmlformats.org/presentationml/2006/main">
+  <p:cSld>
+    <p:spTree>
+      <p:nvGrpSpPr>
+        <p:cNvPr id="1" name=""/>
+        <p:cNvGrpSpPr/>
+        <p:nvPr/>
+      </p:nvGrpSpPr>
+      <p:grpSpPr>
+        <a:xfrm>
+          <a:off x="0" y="0"/>
+          <a:ext cx="0" cy="0"/>
+          <a:chOff x="0" y="0"/>
+          <a:chExt cx="0" cy="0"/>
+        </a:xfrm>
+      </p:grpSpPr>
+      <p:sp>
+        <p:nvSpPr>
+          <p:cNvPr id="5" name="Content Placeholder 4"/>
+          <p:cNvSpPr>
+            <a:spLocks noGrp="1"/>
+          </p:cNvSpPr>
+          <p:nvPr>
+            <p:ph sz="half" idx="1"/>
+          </p:nvPr>
+        </p:nvSpPr>
+        <p:spPr>
+          <a:xfrm>
+            <a:off x="457200" y="533400"/>
+            <a:ext cx="4038600" cy="5592763"/>
+          </a:xfrm>
+        </p:spPr>
+        <p:txBody>
+          <a:bodyPr>
+            <a:normAutofit fontScale="85000" lnSpcReduction="20000"/>
+          </a:bodyPr>
+          <a:lstStyle/>
+          <a:p>
+            <a:pPr marL="0" indent="0">
+              <a:buNone/>
+            </a:pPr>
+            <a:r>
+              <a:rPr lang="ro-RO" dirty="0"/>
+              <a:t>"data": {</a:t>
+            </a:r>
+          </a:p>
+          <a:p>
+            <a:pPr marL="0" indent="0">
+              <a:buNone/>
+            </a:pPr>
+            <a:r>
+              <a:rPr lang="de-DE" dirty="0"/>
+              <a:t>        "</a:t>
+            </a:r>
+            <a:r>
+              <a:rPr lang="de-DE" dirty="0" err="1"/>
+              <a:t>input</a:t>
+            </a:r>
+            <a:r>
+              <a:rPr lang="de-DE" dirty="0"/>
+              <a:t>": {</a:t>
+            </a:r>
+          </a:p>
+          <a:p>
+            <a:pPr marL="0" indent="0">
+              <a:buNone/>
+            </a:pPr>
+            <a:r>
+              <a:rPr lang="de-DE" dirty="0"/>
+              <a:t>         "</a:t>
+            </a:r>
+            <a:r>
+              <a:rPr lang="de-DE" dirty="0" err="1"/>
+              <a:t>format</a:t>
+            </a:r>
+            <a:r>
+              <a:rPr lang="de-DE" dirty="0"/>
+              <a:t>": "</a:t>
+            </a:r>
+            <a:r>
+              <a:rPr lang="de-DE" dirty="0" err="1"/>
+              <a:t>plain</a:t>
+            </a:r>
+            <a:r>
+              <a:rPr lang="de-DE" dirty="0"/>
+              <a:t>",</a:t>
+            </a:r>
+          </a:p>
+          <a:p>
+            <a:pPr marL="0" indent="0">
+              <a:buNone/>
+            </a:pPr>
+            <a:r>
+              <a:rPr lang="en-US" dirty="0" smtClean="0"/>
+              <a:t>"</a:t>
+            </a:r>
+            <a:r>
+              <a:rPr lang="en-US" dirty="0"/>
+              <a:t>source": [                ”/</a:t>
+            </a:r>
+            <a:r>
+              <a:rPr lang="en-US" dirty="0" err="1" smtClean="0"/>
+              <a:t>tmp</a:t>
+            </a:r>
+            <a:r>
+              <a:rPr lang="en-US" dirty="0" smtClean="0"/>
+              <a:t>/spec/</a:t>
+            </a:r>
+            <a:r>
+              <a:rPr lang="en-US" dirty="0" err="1" smtClean="0"/>
+              <a:t>input_new</a:t>
+            </a:r>
+            <a:r>
+              <a:rPr lang="en-US" dirty="0"/>
+              <a:t>"</a:t>
+            </a:r>
+          </a:p>
+          <a:p>
+            <a:pPr marL="0" indent="0">
+              <a:buNone/>
+            </a:pPr>
+            <a:r>
+              <a:rPr lang="de-DE" dirty="0"/>
+              <a:t>            ],</a:t>
+            </a:r>
+          </a:p>
+          <a:p>
+            <a:pPr marL="0" indent="0">
+              <a:buNone/>
+            </a:pPr>
+            <a:r>
+              <a:rPr lang="de-DE" dirty="0"/>
+              <a:t>            "</a:t>
+            </a:r>
+            <a:r>
+              <a:rPr lang="de-DE" dirty="0" err="1"/>
+              <a:t>action</a:t>
+            </a:r>
+            <a:r>
+              <a:rPr lang="de-DE" dirty="0"/>
+              <a:t>": "None",</a:t>
+            </a:r>
+          </a:p>
+          <a:p>
+            <a:pPr marL="0" indent="0">
+              <a:buNone/>
+            </a:pPr>
+            <a:r>
+              <a:rPr lang="de-DE" dirty="0" smtClean="0"/>
+              <a:t>          }</a:t>
+            </a:r>
+            <a:endParaRPr lang="de-DE" dirty="0"/>
+          </a:p>
+          <a:p>
+            <a:pPr marL="0" indent="0">
+              <a:buNone/>
+            </a:pPr>
+            <a:r>
+              <a:rPr lang="de-DE" dirty="0"/>
+              <a:t>}</a:t>
+            </a:r>
+          </a:p>
+          <a:p>
+            <a:pPr marL="0" indent="0">
+              <a:buNone/>
+            </a:pPr>
+            <a:endParaRPr lang="en-US" dirty="0"/>
+          </a:p>
+        </p:txBody>
+      </p:sp>
+      <p:sp>
+        <p:nvSpPr>
+          <p:cNvPr id="6" name="Content Placeholder 5"/>
+          <p:cNvSpPr>
+            <a:spLocks noGrp="1"/>
+          </p:cNvSpPr>
+          <p:nvPr>
+            <p:ph sz="half" idx="2"/>
+          </p:nvPr>
+        </p:nvSpPr>
+        <p:spPr>
+          <a:xfrm>
+            <a:off x="4648200" y="533400"/>
+            <a:ext cx="4038600" cy="5592763"/>
+          </a:xfrm>
+          <a:noFill/>
+        </p:spPr>
+        <p:txBody>
+          <a:bodyPr>
+            <a:normAutofit fontScale="85000" lnSpcReduction="20000"/>
+          </a:bodyPr>
+          <a:lstStyle/>
+          <a:p>
+            <a:pPr marL="0" indent="0">
+              <a:buNone/>
+            </a:pPr>
+            <a:r>
+              <a:rPr lang="ro-RO" dirty="0" smtClean="0"/>
+              <a:t>"</a:t>
+            </a:r>
+            <a:r>
+              <a:rPr lang="ro-RO" dirty="0"/>
+              <a:t>data": {</a:t>
+            </a:r>
+          </a:p>
+          <a:p>
+            <a:pPr marL="0" indent="0">
+              <a:buNone/>
+            </a:pPr>
+            <a:r>
+              <a:rPr lang="de-DE" dirty="0"/>
+              <a:t>        "</a:t>
+            </a:r>
+            <a:r>
+              <a:rPr lang="de-DE" dirty="0" err="1"/>
+              <a:t>input</a:t>
+            </a:r>
+            <a:r>
+              <a:rPr lang="de-DE" dirty="0"/>
+              <a:t>": </a:t>
+            </a:r>
+            <a:r>
+              <a:rPr lang="de-DE" dirty="0" smtClean="0"/>
+              <a:t>{</a:t>
+            </a:r>
+          </a:p>
+          <a:p>
+            <a:pPr marL="0" indent="0">
+              <a:buNone/>
+            </a:pPr>
+            <a:r>
+              <a:rPr lang="de-DE" dirty="0" smtClean="0"/>
+              <a:t>         </a:t>
+            </a:r>
+            <a:r>
+              <a:rPr lang="de-DE" dirty="0"/>
+              <a:t>"</a:t>
+            </a:r>
+            <a:r>
+              <a:rPr lang="de-DE" dirty="0" err="1"/>
+              <a:t>format</a:t>
+            </a:r>
+            <a:r>
+              <a:rPr lang="de-DE" dirty="0"/>
+              <a:t>": "</a:t>
+            </a:r>
+            <a:r>
+              <a:rPr lang="de-DE" dirty="0" err="1"/>
+              <a:t>plain</a:t>
+            </a:r>
+            <a:r>
+              <a:rPr lang="de-DE" dirty="0"/>
+              <a:t>",</a:t>
+            </a:r>
+          </a:p>
+          <a:p>
+            <a:pPr marL="0" indent="0">
+              <a:buNone/>
+            </a:pPr>
+            <a:r>
+              <a:rPr lang="de-DE" dirty="0"/>
+              <a:t> </a:t>
+            </a:r>
+            <a:r>
+              <a:rPr lang="de-DE" dirty="0" smtClean="0"/>
+              <a:t>         </a:t>
+            </a:r>
+            <a:r>
+              <a:rPr lang="de-DE" dirty="0"/>
+              <a:t>"</a:t>
+            </a:r>
+            <a:r>
+              <a:rPr lang="de-DE" dirty="0" err="1"/>
+              <a:t>checksum</a:t>
+            </a:r>
+            <a:r>
+              <a:rPr lang="de-DE" dirty="0"/>
+              <a:t>": "</a:t>
+            </a:r>
+            <a:r>
+              <a:rPr lang="de-DE" sz="2100" dirty="0" smtClean="0"/>
+              <a:t>5566c8dc820c2a2744f646abf662e34b</a:t>
+            </a:r>
+            <a:r>
+              <a:rPr lang="de-DE" dirty="0" smtClean="0"/>
+              <a:t>“,</a:t>
+            </a:r>
+          </a:p>
+          <a:p>
+            <a:pPr marL="0" indent="0">
+              <a:buNone/>
+            </a:pPr>
+            <a:r>
+              <a:rPr lang="en-US" dirty="0" smtClean="0"/>
+              <a:t>           </a:t>
+            </a:r>
+            <a:r>
+              <a:rPr lang="en-US" dirty="0"/>
+              <a:t>"source": </a:t>
+            </a:r>
+            <a:r>
+              <a:rPr lang="en-US" dirty="0" smtClean="0"/>
+              <a:t>[                ”/</a:t>
+            </a:r>
+            <a:r>
+              <a:rPr lang="en-US" dirty="0" err="1" smtClean="0"/>
+              <a:t>tmp</a:t>
+            </a:r>
+            <a:r>
+              <a:rPr lang="en-US" dirty="0" smtClean="0"/>
+              <a:t>/spec/</a:t>
+            </a:r>
+            <a:r>
+              <a:rPr lang="en-US" dirty="0" err="1" smtClean="0"/>
+              <a:t>input_new</a:t>
+            </a:r>
+            <a:r>
+              <a:rPr lang="en-US" dirty="0"/>
+              <a:t>"</a:t>
+            </a:r>
+          </a:p>
+          <a:p>
+            <a:pPr marL="0" indent="0">
+              <a:buNone/>
+            </a:pPr>
+            <a:r>
+              <a:rPr lang="de-DE" dirty="0"/>
+              <a:t>            ],</a:t>
+            </a:r>
+          </a:p>
+          <a:p>
+            <a:pPr marL="0" indent="0">
+              <a:buNone/>
+            </a:pPr>
+            <a:r>
+              <a:rPr lang="de-DE" dirty="0"/>
+              <a:t>            "</a:t>
+            </a:r>
+            <a:r>
+              <a:rPr lang="de-DE" dirty="0" err="1"/>
+              <a:t>action</a:t>
+            </a:r>
+            <a:r>
+              <a:rPr lang="de-DE" dirty="0"/>
+              <a:t>": "None",</a:t>
+            </a:r>
+          </a:p>
+          <a:p>
+            <a:pPr marL="0" indent="0">
+              <a:buNone/>
+            </a:pPr>
+            <a:r>
+              <a:rPr lang="de-DE" dirty="0"/>
+              <a:t>            "</a:t>
+            </a:r>
+            <a:r>
+              <a:rPr lang="de-DE" dirty="0" err="1"/>
+              <a:t>id</a:t>
+            </a:r>
+            <a:r>
+              <a:rPr lang="de-DE" dirty="0"/>
+              <a:t>": "</a:t>
+            </a:r>
+            <a:r>
+              <a:rPr lang="de-DE" sz="2100" dirty="0"/>
+              <a:t>5566c8dc820c2a2744f646abf662e34b</a:t>
+            </a:r>
+            <a:r>
+              <a:rPr lang="de-DE" dirty="0"/>
+              <a:t>",</a:t>
+            </a:r>
+          </a:p>
+          <a:p>
+            <a:pPr marL="0" indent="0">
+              <a:buNone/>
+            </a:pPr>
+            <a:r>
+              <a:rPr lang="ro-RO" dirty="0" smtClean="0"/>
+              <a:t>         </a:t>
+            </a:r>
+            <a:r>
+              <a:rPr lang="ro-RO" dirty="0"/>
+              <a:t>"</a:t>
+            </a:r>
+            <a:r>
+              <a:rPr lang="ro-RO" dirty="0" err="1"/>
+              <a:t>size</a:t>
+            </a:r>
+            <a:r>
+              <a:rPr lang="ro-RO" dirty="0"/>
+              <a:t>": "</a:t>
+            </a:r>
+            <a:r>
+              <a:rPr lang="ro-RO" dirty="0" smtClean="0"/>
+              <a:t>197”</a:t>
+            </a:r>
+            <a:r>
+              <a:rPr lang="de-DE" dirty="0" smtClean="0"/>
+              <a:t>        </a:t>
+            </a:r>
+            <a:r>
+              <a:rPr lang="de-DE" dirty="0"/>
+              <a:t>}</a:t>
+            </a:r>
+          </a:p>
+          <a:p>
+            <a:pPr marL="0" indent="0">
+              <a:buNone/>
+            </a:pPr>
+            <a:r>
+              <a:rPr lang="de-DE" dirty="0" smtClean="0"/>
+              <a:t>}</a:t>
+            </a:r>
+          </a:p>
+          <a:p>
+            <a:pPr marL="0" indent="0">
+              <a:buNone/>
+            </a:pPr>
+            <a:endParaRPr lang="en-US" dirty="0" smtClean="0"/>
+          </a:p>
+        </p:txBody>
+      </p:sp>
+    </p:spTree>
+    <p:extLst>
+      <p:ext uri="{BB962C8B-B14F-4D97-AF65-F5344CB8AC3E}">
+        <p14:creationId xmlns:p14="http://schemas.microsoft.com/office/powerpoint/2010/main" val="2106386966"/>
+      </p:ext>
+    </p:extLst>
+  </p:cSld>
+  <p:clrMapOvr>
+    <a:masterClrMapping/>
+  </p:clrMapOvr>
+</p:sld>
+</file>
+
+<file path=ppt/slides/slide14.xml><?xml version="1.0" encoding="utf-8"?>
+<p:sld xmlns:a="http://schemas.openxmlformats.org/drawingml/2006/main" xmlns:r="http://schemas.openxmlformats.org/officeDocument/2006/relationships" xmlns:p="http://schemas.openxmlformats.org/presentationml/2006/main">
+  <p:cSld>
+    <p:spTree>
+      <p:nvGrpSpPr>
+        <p:cNvPr id="1" name=""/>
+        <p:cNvGrpSpPr/>
+        <p:nvPr/>
+      </p:nvGrpSpPr>
+      <p:grpSpPr>
+        <a:xfrm>
+          <a:off x="0" y="0"/>
+          <a:ext cx="0" cy="0"/>
+          <a:chOff x="0" y="0"/>
+          <a:chExt cx="0" cy="0"/>
+        </a:xfrm>
+      </p:grpSpPr>
+      <p:sp>
+        <p:nvSpPr>
+          <p:cNvPr id="2" name="Title 1"/>
+          <p:cNvSpPr>
+            <a:spLocks noGrp="1"/>
+          </p:cNvSpPr>
+          <p:nvPr>
+            <p:ph type="title"/>
+          </p:nvPr>
+        </p:nvSpPr>
+        <p:spPr/>
+        <p:txBody>
           <a:bodyPr/>
           <a:lstStyle/>
           <a:p>
@@ -4076,7 +4758,7 @@
 </p:sld>
 </file>
 
-<file path=ppt/slides/slide13.xml><?xml version="1.0" encoding="utf-8"?>
+<file path=ppt/slides/slide15.xml><?xml version="1.0" encoding="utf-8"?>
 <p:sld xmlns:a="http://schemas.openxmlformats.org/drawingml/2006/main" xmlns:r="http://schemas.openxmlformats.org/officeDocument/2006/relationships" xmlns:p="http://schemas.openxmlformats.org/presentationml/2006/main">
   <p:cSld>
     <p:spTree>
@@ -4170,7 +4852,7 @@
 </p:sld>
 </file>
 
-<file path=ppt/slides/slide14.xml><?xml version="1.0" encoding="utf-8"?>
+<file path=ppt/slides/slide16.xml><?xml version="1.0" encoding="utf-8"?>
 <p:sld xmlns:a="http://schemas.openxmlformats.org/drawingml/2006/main" xmlns:r="http://schemas.openxmlformats.org/officeDocument/2006/relationships" xmlns:p="http://schemas.openxmlformats.org/presentationml/2006/main">
   <p:cSld>
     <p:spTree>
@@ -4221,6 +4903,9 @@
           <a:bodyPr/>
           <a:lstStyle/>
           <a:p>
+            <a:pPr marL="0" indent="0">
+              <a:buNone/>
+            </a:pPr>
             <a:r>
               <a:rPr lang="en-US" dirty="0" smtClean="0"/>
               <a:t>umbrella </a:t>
@@ -4230,14 +4915,56 @@
               <a:t>--spec </a:t>
             </a:r>
             <a:r>
+              <a:rPr lang="en-US" dirty="0" err="1" smtClean="0"/>
+              <a:t>bertini.new.umbrella</a:t>
+            </a:r>
+            <a:r>
+              <a:rPr lang="en-US" dirty="0" smtClean="0"/>
+              <a:t> \</a:t>
+            </a:r>
+          </a:p>
+          <a:p>
+            <a:pPr marL="0" indent="0">
+              <a:buNone/>
+            </a:pPr>
+            <a:r>
+              <a:rPr lang="en-US" dirty="0" smtClean="0"/>
+              <a:t>--</a:t>
+            </a:r>
+            <a:r>
               <a:rPr lang="en-US" dirty="0" err="1"/>
-              <a:t>bertini.umbrella</a:t>
+              <a:t>localdir</a:t>
             </a:r>
             <a:r>
               <a:rPr lang="en-US" dirty="0"/>
               <a:t> </a:t>
             </a:r>
             <a:r>
+              <a:rPr lang="en-US" dirty="0" err="1" smtClean="0"/>
+              <a:t>umbrella_osf</a:t>
+            </a:r>
+            <a:r>
+              <a:rPr lang="en-US" dirty="0" smtClean="0"/>
+              <a:t>/ \</a:t>
+            </a:r>
+          </a:p>
+          <a:p>
+            <a:pPr marL="0" indent="0">
+              <a:buNone/>
+            </a:pPr>
+            <a:r>
+              <a:rPr lang="en-US" dirty="0" smtClean="0"/>
+              <a:t>--</a:t>
+            </a:r>
+            <a:r>
+              <a:rPr lang="en-US" dirty="0" err="1"/>
+              <a:t>osf_userid</a:t>
+            </a:r>
+            <a:r>
+              <a:rPr lang="en-US" dirty="0"/>
+              <a:t>=kh4n3 </a:t>
+            </a:r>
+            <a:r>
               <a:rPr lang="en-US" dirty="0" smtClean="0"/>
               <a:t>\</a:t>
             </a:r>
@@ -4251,32 +4978,20 @@
               <a:t>--</a:t>
             </a:r>
             <a:r>
-              <a:rPr lang="en-US" dirty="0" err="1"/>
-              <a:t>localdir</a:t>
-            </a:r>
-            <a:r>
-              <a:rPr lang="en-US" dirty="0"/>
-              <a:t> /</a:t>
-            </a:r>
-            <a:r>
-              <a:rPr lang="en-US" dirty="0" err="1"/>
-              <a:t>tmp</a:t>
-            </a:r>
-            <a:r>
-              <a:rPr lang="en-US" dirty="0"/>
-              <a:t>/</a:t>
-            </a:r>
-            <a:r>
-              <a:rPr lang="en-US" dirty="0" err="1"/>
-              <a:t>umbrella_test</a:t>
-            </a:r>
-            <a:r>
-              <a:rPr lang="en-US" dirty="0"/>
-              <a:t>/ </a:t>
+              <a:rPr lang="en-US" dirty="0" err="1" smtClean="0"/>
+              <a:t>osf_user</a:t>
             </a:r>
             <a:r>
               <a:rPr lang="en-US" dirty="0" smtClean="0"/>
-              <a:t>\</a:t>
+              <a:t>=</a:t>
+            </a:r>
+            <a:r>
+              <a:rPr lang="en-US" dirty="0" err="1" smtClean="0"/>
+              <a:t>avyushko@nd.edu</a:t>
+            </a:r>
+            <a:r>
+              <a:rPr lang="en-US" dirty="0" smtClean="0"/>
+              <a:t> \</a:t>
             </a:r>
           </a:p>
           <a:p>
@@ -4288,83 +5003,12 @@
               <a:t>--</a:t>
             </a:r>
             <a:r>
-              <a:rPr lang="en-US" dirty="0"/>
-              <a:t>log </a:t>
-            </a:r>
-            <a:r>
-              <a:rPr lang="en-US" dirty="0" err="1"/>
-              <a:t>umbrella.log</a:t>
-            </a:r>
-            <a:r>
-              <a:rPr lang="en-US" dirty="0"/>
-              <a:t> </a:t>
-            </a:r>
-            <a:r>
-              <a:rPr lang="en-US" dirty="0" smtClean="0"/>
-              <a:t>\</a:t>
-            </a:r>
-          </a:p>
-          <a:p>
-            <a:pPr marL="0" indent="0">
-              <a:buNone/>
-            </a:pPr>
-            <a:r>
-              <a:rPr lang="en-US" dirty="0" smtClean="0"/>
-              <a:t>--</a:t>
-            </a:r>
-            <a:r>
-              <a:rPr lang="en-US" dirty="0" err="1"/>
-              <a:t>osf_userid</a:t>
-            </a:r>
-            <a:r>
-              <a:rPr lang="en-US" dirty="0"/>
-              <a:t>=kh4n3 </a:t>
-            </a:r>
-            <a:r>
-              <a:rPr lang="en-US" dirty="0" smtClean="0"/>
-              <a:t>\</a:t>
-            </a:r>
-          </a:p>
-          <a:p>
-            <a:pPr marL="0" indent="0">
-              <a:buNone/>
-            </a:pPr>
-            <a:r>
-              <a:rPr lang="en-US" dirty="0" smtClean="0"/>
-              <a:t>--</a:t>
-            </a:r>
-            <a:r>
-              <a:rPr lang="en-US" dirty="0" err="1" smtClean="0"/>
-              <a:t>osf_user</a:t>
-            </a:r>
-            <a:r>
-              <a:rPr lang="en-US" dirty="0" smtClean="0"/>
-              <a:t>=</a:t>
-            </a:r>
-            <a:r>
-              <a:rPr lang="en-US" dirty="0" err="1" smtClean="0"/>
-              <a:t>avyushko@nd.edu</a:t>
-            </a:r>
-            <a:r>
-              <a:rPr lang="en-US" dirty="0" smtClean="0"/>
-              <a:t> \</a:t>
-            </a:r>
-          </a:p>
-          <a:p>
-            <a:pPr marL="0" indent="0">
-              <a:buNone/>
-            </a:pPr>
-            <a:r>
-              <a:rPr lang="en-US" dirty="0" smtClean="0"/>
-              <a:t>--</a:t>
-            </a:r>
-            <a:r>
               <a:rPr lang="en-US" dirty="0" err="1" smtClean="0"/>
               <a:t>osf_pass</a:t>
             </a:r>
             <a:r>
               <a:rPr lang="en-US" dirty="0" smtClean="0"/>
-              <a:t>=&lt;password&gt; upload </a:t>
+              <a:t>=password upload </a:t>
             </a:r>
             <a:r>
               <a:rPr lang="en-US" dirty="0" err="1"/>
@@ -4394,6 +5038,230 @@
     <p:extLst>
       <p:ext uri="{BB962C8B-B14F-4D97-AF65-F5344CB8AC3E}">
         <p14:creationId xmlns:p14="http://schemas.microsoft.com/office/powerpoint/2010/main" val="865206731"/>
+      </p:ext>
+    </p:extLst>
+  </p:cSld>
+  <p:clrMapOvr>
+    <a:masterClrMapping/>
+  </p:clrMapOvr>
+</p:sld>
+</file>
+
+<file path=ppt/slides/slide17.xml><?xml version="1.0" encoding="utf-8"?>
+<p:sld xmlns:a="http://schemas.openxmlformats.org/drawingml/2006/main" xmlns:r="http://schemas.openxmlformats.org/officeDocument/2006/relationships" xmlns:p="http://schemas.openxmlformats.org/presentationml/2006/main">
+  <p:cSld>
+    <p:spTree>
+      <p:nvGrpSpPr>
+        <p:cNvPr id="1" name=""/>
+        <p:cNvGrpSpPr/>
+        <p:nvPr/>
+      </p:nvGrpSpPr>
+      <p:grpSpPr>
+        <a:xfrm>
+          <a:off x="0" y="0"/>
+          <a:ext cx="0" cy="0"/>
+          <a:chOff x="0" y="0"/>
+          <a:chExt cx="0" cy="0"/>
+        </a:xfrm>
+      </p:grpSpPr>
+      <p:sp>
+        <p:nvSpPr>
+          <p:cNvPr id="2" name="Title 1"/>
+          <p:cNvSpPr>
+            <a:spLocks noGrp="1"/>
+          </p:cNvSpPr>
+          <p:nvPr>
+            <p:ph type="title"/>
+          </p:nvPr>
+        </p:nvSpPr>
+        <p:spPr/>
+        <p:txBody>
+          <a:bodyPr/>
+          <a:lstStyle/>
+          <a:p>
+            <a:endParaRPr lang="en-US" dirty="0"/>
+          </a:p>
+        </p:txBody>
+      </p:sp>
+      <p:sp>
+        <p:nvSpPr>
+          <p:cNvPr id="3" name="Content Placeholder 2"/>
+          <p:cNvSpPr>
+            <a:spLocks noGrp="1"/>
+          </p:cNvSpPr>
+          <p:nvPr>
+            <p:ph idx="1"/>
+          </p:nvPr>
+        </p:nvSpPr>
+        <p:spPr/>
+        <p:txBody>
+          <a:bodyPr>
+            <a:normAutofit fontScale="55000" lnSpcReduction="20000"/>
+          </a:bodyPr>
+          <a:lstStyle/>
+          <a:p>
+            <a:r>
+              <a:rPr lang="ro-RO" dirty="0"/>
+              <a:t> "os": {</a:t>
+            </a:r>
+          </a:p>
+          <a:p>
+            <a:r>
+              <a:rPr lang="ro-RO" dirty="0"/>
+              <a:t>        "</a:t>
+            </a:r>
+            <a:r>
+              <a:rPr lang="ro-RO" dirty="0" err="1"/>
+              <a:t>name</a:t>
+            </a:r>
+            <a:r>
+              <a:rPr lang="ro-RO" dirty="0"/>
+              <a:t>": "</a:t>
+            </a:r>
+            <a:r>
+              <a:rPr lang="ro-RO" dirty="0" err="1"/>
+              <a:t>CentOS</a:t>
+            </a:r>
+            <a:r>
+              <a:rPr lang="ro-RO" dirty="0"/>
+              <a:t>",</a:t>
+            </a:r>
+          </a:p>
+          <a:p>
+            <a:r>
+              <a:rPr lang="de-DE" dirty="0"/>
+              <a:t>        "</a:t>
+            </a:r>
+            <a:r>
+              <a:rPr lang="de-DE" dirty="0" err="1"/>
+              <a:t>format</a:t>
+            </a:r>
+            <a:r>
+              <a:rPr lang="de-DE" dirty="0"/>
+              <a:t>": "</a:t>
+            </a:r>
+            <a:r>
+              <a:rPr lang="de-DE" dirty="0" err="1"/>
+              <a:t>tgz</a:t>
+            </a:r>
+            <a:r>
+              <a:rPr lang="de-DE" dirty="0"/>
+              <a:t>",</a:t>
+            </a:r>
+          </a:p>
+          <a:p>
+            <a:r>
+              <a:rPr lang="en-US" dirty="0"/>
+              <a:t>        "checksum": "902703f016e0f930a870eaf9cb31640b",</a:t>
+            </a:r>
+          </a:p>
+          <a:p>
+            <a:r>
+              <a:rPr lang="en-US" dirty="0"/>
+              <a:t>        "source": [</a:t>
+            </a:r>
+          </a:p>
+          <a:p>
+            <a:r>
+              <a:rPr lang="en-US" dirty="0" smtClean="0"/>
+              <a:t>"</a:t>
+            </a:r>
+            <a:r>
+              <a:rPr lang="en-US" sz="5100" dirty="0" err="1"/>
+              <a:t>osf+https</a:t>
+            </a:r>
+            <a:r>
+              <a:rPr lang="en-US" sz="5100" dirty="0"/>
+              <a:t>://</a:t>
+            </a:r>
+            <a:r>
+              <a:rPr lang="en-US" sz="5100" dirty="0" err="1"/>
+              <a:t>files.osf.io</a:t>
+            </a:r>
+            <a:r>
+              <a:rPr lang="en-US" sz="5100" dirty="0"/>
+              <a:t>/v1/resources/6q523/providers/</a:t>
+            </a:r>
+            <a:r>
+              <a:rPr lang="en-US" sz="5100" dirty="0" err="1"/>
+              <a:t>osfstorage</a:t>
+            </a:r>
+            <a:r>
+              <a:rPr lang="en-US" sz="5100" dirty="0"/>
+              <a:t>/573f29bdb83f6901f2768b29</a:t>
+            </a:r>
+            <a:r>
+              <a:rPr lang="en-US" dirty="0"/>
+              <a:t>"</a:t>
+            </a:r>
+          </a:p>
+          <a:p>
+            <a:r>
+              <a:rPr lang="de-DE" dirty="0"/>
+              <a:t>        ],</a:t>
+            </a:r>
+          </a:p>
+          <a:p>
+            <a:r>
+              <a:rPr lang="de-DE" dirty="0"/>
+              <a:t>        "</a:t>
+            </a:r>
+            <a:r>
+              <a:rPr lang="de-DE" dirty="0" err="1"/>
+              <a:t>version</a:t>
+            </a:r>
+            <a:r>
+              <a:rPr lang="de-DE" dirty="0"/>
+              <a:t>": "6.6",</a:t>
+            </a:r>
+          </a:p>
+          <a:p>
+            <a:r>
+              <a:rPr lang="en-US" dirty="0"/>
+              <a:t>        "</a:t>
+            </a:r>
+            <a:r>
+              <a:rPr lang="en-US" dirty="0" err="1"/>
+              <a:t>uncompressed_size</a:t>
+            </a:r>
+            <a:r>
+              <a:rPr lang="en-US" dirty="0"/>
+              <a:t>": "212684800",</a:t>
+            </a:r>
+          </a:p>
+          <a:p>
+            <a:r>
+              <a:rPr lang="de-DE" dirty="0"/>
+              <a:t>        "</a:t>
+            </a:r>
+            <a:r>
+              <a:rPr lang="de-DE" dirty="0" err="1"/>
+              <a:t>id</a:t>
+            </a:r>
+            <a:r>
+              <a:rPr lang="de-DE" dirty="0"/>
+              <a:t>": "902703f016e0f930a870eaf9cb31640b",</a:t>
+            </a:r>
+          </a:p>
+          <a:p>
+            <a:r>
+              <a:rPr lang="en-US" dirty="0"/>
+              <a:t>        "size": "72213624"</a:t>
+            </a:r>
+          </a:p>
+          <a:p>
+            <a:r>
+              <a:rPr lang="de-DE" dirty="0"/>
+              <a:t>    },</a:t>
+            </a:r>
+            <a:endParaRPr lang="en-US" dirty="0"/>
+          </a:p>
+        </p:txBody>
+      </p:sp>
+    </p:spTree>
+    <p:extLst>
+      <p:ext uri="{BB962C8B-B14F-4D97-AF65-F5344CB8AC3E}">
+        <p14:creationId xmlns:p14="http://schemas.microsoft.com/office/powerpoint/2010/main" val="1727328788"/>
       </p:ext>
     </p:extLst>
   </p:cSld>
@@ -4464,33 +5332,131 @@
         <p:spPr/>
         <p:txBody>
           <a:bodyPr>
-            <a:normAutofit fontScale="85000" lnSpcReduction="10000"/>
+            <a:normAutofit fontScale="92500"/>
           </a:bodyPr>
           <a:lstStyle/>
           <a:p>
-            <a:r>
-              <a:rPr lang="en-US" dirty="0" err="1">
+            <a:pPr marL="0" indent="0">
+              <a:buNone/>
+            </a:pPr>
+            <a:r>
+              <a:rPr lang="en-US" dirty="0" err="1" smtClean="0">
+                <a:latin typeface="Helvetica Neue Light"/>
+                <a:cs typeface="Helvetica Neue Light"/>
+              </a:rPr>
+              <a:t>mkdir</a:t>
+            </a:r>
+            <a:r>
+              <a:rPr lang="en-US" dirty="0" smtClean="0">
+                <a:latin typeface="Helvetica Neue Light"/>
+                <a:cs typeface="Helvetica Neue Light"/>
+              </a:rPr>
+              <a:t> -p /</a:t>
+            </a:r>
+            <a:r>
+              <a:rPr lang="en-US" dirty="0" err="1" smtClean="0">
+                <a:latin typeface="Helvetica Neue Light"/>
+                <a:cs typeface="Helvetica Neue Light"/>
+              </a:rPr>
+              <a:t>tmp</a:t>
+            </a:r>
+            <a:r>
+              <a:rPr lang="en-US" dirty="0" smtClean="0">
+                <a:latin typeface="Helvetica Neue Light"/>
+                <a:cs typeface="Helvetica Neue Light"/>
+              </a:rPr>
+              <a:t>/</a:t>
+            </a:r>
+            <a:r>
+              <a:rPr lang="en-US" b="1" dirty="0" err="1" smtClean="0">
+                <a:latin typeface="Helvetica Neue Light"/>
+                <a:cs typeface="Helvetica Neue Light"/>
+              </a:rPr>
+              <a:t>alex</a:t>
+            </a:r>
+            <a:r>
+              <a:rPr lang="en-US" dirty="0" smtClean="0">
+                <a:latin typeface="Helvetica Neue Light"/>
+                <a:cs typeface="Helvetica Neue Light"/>
+              </a:rPr>
+              <a:t>/</a:t>
+            </a:r>
+            <a:r>
+              <a:rPr lang="en-US" dirty="0" err="1" smtClean="0">
+                <a:latin typeface="Helvetica Neue Light"/>
+                <a:cs typeface="Helvetica Neue Light"/>
+              </a:rPr>
+              <a:t>umbrella_cache</a:t>
+            </a:r>
+            <a:endParaRPr lang="en-US" dirty="0" smtClean="0">
+              <a:latin typeface="Helvetica Neue Light"/>
+              <a:cs typeface="Helvetica Neue Light"/>
+            </a:endParaRPr>
+          </a:p>
+          <a:p>
+            <a:pPr marL="0" indent="0">
+              <a:buNone/>
+            </a:pPr>
+            <a:r>
+              <a:rPr lang="en-US" dirty="0" smtClean="0">
+                <a:latin typeface="Helvetica Neue Light"/>
+                <a:cs typeface="Helvetica Neue Light"/>
+              </a:rPr>
+              <a:t>cd /</a:t>
+            </a:r>
+            <a:r>
+              <a:rPr lang="en-US" dirty="0" err="1" smtClean="0">
+                <a:latin typeface="Helvetica Neue Light"/>
+                <a:cs typeface="Helvetica Neue Light"/>
+              </a:rPr>
+              <a:t>tmp</a:t>
+            </a:r>
+            <a:r>
+              <a:rPr lang="en-US" dirty="0" smtClean="0">
+                <a:latin typeface="Helvetica Neue Light"/>
+                <a:cs typeface="Helvetica Neue Light"/>
+              </a:rPr>
+              <a:t>/</a:t>
+            </a:r>
+            <a:r>
+              <a:rPr lang="en-US" b="1" dirty="0" err="1" smtClean="0">
+                <a:latin typeface="Helvetica Neue Light"/>
+                <a:cs typeface="Helvetica Neue Light"/>
+              </a:rPr>
+              <a:t>alex</a:t>
+            </a:r>
+            <a:endParaRPr lang="en-US" b="1" dirty="0" smtClean="0">
+              <a:latin typeface="Helvetica Neue Light"/>
+              <a:cs typeface="Helvetica Neue Light"/>
+            </a:endParaRPr>
+          </a:p>
+          <a:p>
+            <a:pPr marL="0" indent="0">
+              <a:buNone/>
+            </a:pPr>
+            <a:r>
+              <a:rPr lang="en-US" dirty="0" err="1" smtClean="0">
                 <a:latin typeface="Helvetica Neue Light"/>
                 <a:cs typeface="Helvetica Neue Light"/>
               </a:rPr>
               <a:t>wget</a:t>
             </a:r>
             <a:r>
-              <a:rPr lang="en-US" dirty="0">
+              <a:rPr lang="en-US" dirty="0" smtClean="0">
                 <a:latin typeface="Helvetica Neue Light"/>
                 <a:cs typeface="Helvetica Neue Light"/>
               </a:rPr>
               <a:t> -O </a:t>
             </a:r>
             <a:r>
-              <a:rPr lang="en-US" dirty="0" err="1">
+              <a:rPr lang="en-US" dirty="0" err="1" smtClean="0">
                 <a:latin typeface="Helvetica Neue Light"/>
                 <a:cs typeface="Helvetica Neue Light"/>
               </a:rPr>
               <a:t>bertini.umbrella</a:t>
             </a:r>
             <a:r>
-              <a:rPr lang="en-US" dirty="0">
+              <a:rPr lang="en-US" dirty="0" smtClean="0">
                 <a:latin typeface="Helvetica Neue Light"/>
                 <a:cs typeface="Helvetica Neue Light"/>
               </a:rPr>
@@ -4498,162 +5464,103 @@
             </a:r>
           </a:p>
           <a:p>
-            <a:r>
-              <a:rPr lang="en-US" dirty="0">
+            <a:pPr marL="0" indent="0">
+              <a:buNone/>
+            </a:pPr>
+            <a:r>
+              <a:rPr lang="en-US" dirty="0" smtClean="0">
                 <a:latin typeface="Helvetica Neue Light"/>
                 <a:cs typeface="Helvetica Neue Light"/>
                 <a:hlinkClick r:id="rId2"/>
               </a:rPr>
               <a:t>https://curate.nd.edu/downloads/b2773t9694n</a:t>
             </a:r>
-            <a:endParaRPr lang="en-US" dirty="0">
+            <a:endParaRPr lang="en-US" dirty="0" smtClean="0">
               <a:latin typeface="Helvetica Neue Light"/>
               <a:cs typeface="Helvetica Neue Light"/>
             </a:endParaRPr>
           </a:p>
           <a:p>
-            <a:endParaRPr lang="en-US" dirty="0">
-              <a:latin typeface="Helvetica Neue Light"/>
-              <a:cs typeface="Helvetica Neue Light"/>
-            </a:endParaRPr>
-          </a:p>
-          <a:p>
-            <a:r>
-              <a:rPr lang="en-US" dirty="0" err="1"/>
-              <a:t>sudo</a:t>
-            </a:r>
-            <a:r>
-              <a:rPr lang="en-US" dirty="0"/>
-              <a:t> umbrella --spec </a:t>
-            </a:r>
-            <a:r>
-              <a:rPr lang="en-US" dirty="0" err="1"/>
+            <a:pPr marL="0" indent="0">
+              <a:buNone/>
+            </a:pPr>
+            <a:r>
+              <a:rPr lang="en-US" dirty="0" smtClean="0"/>
+              <a:t>umbrella --spec </a:t>
+            </a:r>
+            <a:r>
+              <a:rPr lang="en-US" dirty="0" err="1" smtClean="0"/>
               <a:t>bertini.umbrella</a:t>
             </a:r>
             <a:r>
-              <a:rPr lang="en-US" dirty="0"/>
+              <a:rPr lang="en-US" dirty="0" smtClean="0"/>
               <a:t> \</a:t>
             </a:r>
           </a:p>
           <a:p>
-            <a:r>
-              <a:rPr lang="en-US" dirty="0"/>
+            <a:pPr marL="0" indent="0">
+              <a:buNone/>
+            </a:pPr>
+            <a:r>
+              <a:rPr lang="en-US" dirty="0" smtClean="0"/>
               <a:t>--</a:t>
             </a:r>
             <a:r>
-              <a:rPr lang="en-US" dirty="0" err="1"/>
+              <a:rPr lang="en-US" dirty="0" err="1" smtClean="0"/>
               <a:t>localdir</a:t>
             </a:r>
             <a:r>
-              <a:rPr lang="en-US" dirty="0"/>
+              <a:rPr lang="en-US" dirty="0" smtClean="0"/>
               <a:t> </a:t>
             </a:r>
             <a:r>
-              <a:rPr lang="en-US" b="1" dirty="0"/>
+              <a:rPr lang="en-US" dirty="0" err="1" smtClean="0"/>
+              <a:t>umbrella_cache</a:t>
+            </a:r>
+            <a:r>
+              <a:rPr lang="en-US" dirty="0" smtClean="0"/>
               <a:t>/</a:t>
             </a:r>
             <a:r>
-              <a:rPr lang="en-US" b="1" dirty="0" err="1"/>
-              <a:t>tmp</a:t>
-            </a:r>
-            <a:r>
-              <a:rPr lang="en-US" b="1" dirty="0"/>
-              <a:t>/</a:t>
-            </a:r>
-            <a:r>
-              <a:rPr lang="en-US" b="1" dirty="0" err="1"/>
-              <a:t>umbrella_cache</a:t>
-            </a:r>
-            <a:r>
-              <a:rPr lang="en-US" b="1" dirty="0"/>
-              <a:t>/ </a:t>
-            </a:r>
-            <a:r>
-              <a:rPr lang="en-US" dirty="0"/>
+              <a:rPr lang="en-US" b="1" dirty="0" smtClean="0"/>
+              <a:t> </a:t>
+            </a:r>
+            <a:r>
+              <a:rPr lang="en-US" dirty="0" smtClean="0"/>
               <a:t>\</a:t>
             </a:r>
           </a:p>
           <a:p>
-            <a:r>
-              <a:rPr lang="en-US" dirty="0"/>
-              <a:t>--output "/</a:t>
-            </a:r>
-            <a:r>
-              <a:rPr lang="en-US" dirty="0" err="1"/>
-              <a:t>tmp</a:t>
-            </a:r>
-            <a:r>
-              <a:rPr lang="en-US" dirty="0"/>
-              <a:t>=</a:t>
-            </a:r>
-            <a:r>
-              <a:rPr lang="en-US" b="1" dirty="0"/>
-              <a:t>/</a:t>
-            </a:r>
-            <a:r>
-              <a:rPr lang="en-US" b="1" dirty="0" err="1"/>
-              <a:t>tmp</a:t>
-            </a:r>
-            <a:r>
-              <a:rPr lang="en-US" b="1" dirty="0"/>
-              <a:t>/</a:t>
-            </a:r>
-            <a:r>
-              <a:rPr lang="en-US" b="1" dirty="0" err="1"/>
-              <a:t>umbrella_cache</a:t>
-            </a:r>
-            <a:r>
-              <a:rPr lang="en-US" b="1" dirty="0"/>
-              <a:t>/</a:t>
-            </a:r>
-            <a:r>
-              <a:rPr lang="en-US" b="1" dirty="0" err="1"/>
-              <a:t>bertini_output</a:t>
-            </a:r>
-            <a:r>
-              <a:rPr lang="en-US" dirty="0"/>
-              <a:t>" \</a:t>
-            </a:r>
-          </a:p>
-          <a:p>
-            <a:r>
-              <a:rPr lang="en-US" dirty="0"/>
+            <a:pPr marL="0" indent="0">
+              <a:buNone/>
+            </a:pPr>
+            <a:r>
+              <a:rPr lang="en-US" dirty="0" smtClean="0"/>
               <a:t>--</a:t>
             </a:r>
             <a:r>
-              <a:rPr lang="en-US" dirty="0" err="1"/>
+              <a:rPr lang="en-US" dirty="0" err="1" smtClean="0"/>
               <a:t>sandbox_mode</a:t>
             </a:r>
             <a:r>
-              <a:rPr lang="en-US" dirty="0"/>
+              <a:rPr lang="en-US" dirty="0" smtClean="0"/>
               <a:t> </a:t>
             </a:r>
             <a:r>
-              <a:rPr lang="en-US" dirty="0" err="1"/>
+              <a:rPr lang="en-US" dirty="0" err="1" smtClean="0"/>
               <a:t>docker</a:t>
             </a:r>
             <a:r>
-              <a:rPr lang="en-US" dirty="0"/>
+              <a:rPr lang="en-US" dirty="0" smtClean="0"/>
               <a:t> \</a:t>
             </a:r>
           </a:p>
           <a:p>
-            <a:r>
-              <a:rPr lang="en-US" dirty="0"/>
-              <a:t>--log </a:t>
-            </a:r>
-            <a:r>
-              <a:rPr lang="en-US" dirty="0" err="1"/>
-              <a:t>umbrella.log</a:t>
-            </a:r>
-            <a:r>
-              <a:rPr lang="en-US" dirty="0"/>
-              <a:t> \</a:t>
-            </a:r>
-          </a:p>
-          <a:p>
-            <a:r>
-              <a:rPr lang="en-US" dirty="0">
+            <a:pPr marL="0" indent="0">
+              <a:buNone/>
+            </a:pPr>
+            <a:r>
+              <a:rPr lang="en-US" dirty="0" smtClean="0">
                 <a:latin typeface="Helvetica Neue Light"/>
                 <a:cs typeface="Helvetica Neue Light"/>
               </a:rPr>
@@ -6318,7 +7225,9 @@
           <a:bodyPr/>
           <a:lstStyle/>
           <a:p>
-            <a:pPr lvl="1"/>
+            <a:pPr marL="457200" lvl="1" indent="0">
+              <a:buNone/>
+            </a:pPr>
             <a:r>
               <a:rPr lang="en-US" sz="2400" dirty="0"/>
               <a:t>umbrella --spec </a:t>
@@ -6333,10 +7242,16 @@
             </a:r>
           </a:p>
           <a:p>
-            <a:pPr lvl="1"/>
+            <a:pPr marL="457200" lvl="1" indent="0">
+              <a:buNone/>
+            </a:pPr>
             <a:r>
               <a:rPr lang="en-US" sz="2400" dirty="0"/>
-              <a:t>--</a:t>
+              <a:t> </a:t>
+            </a:r>
+            <a:r>
+              <a:rPr lang="en-US" sz="2400" dirty="0" smtClean="0"/>
+              <a:t> --</a:t>
             </a:r>
             <a:r>
               <a:rPr lang="en-US" sz="2400" dirty="0" err="1"/>
@@ -6347,32 +7262,26 @@
               <a:t> </a:t>
             </a:r>
             <a:r>
-              <a:rPr lang="en-US" sz="2400" b="1" dirty="0"/>
-              <a:t>/</a:t>
-            </a:r>
-            <a:r>
-              <a:rPr lang="en-US" sz="2400" b="1" dirty="0" err="1"/>
-              <a:t>tmp</a:t>
-            </a:r>
-            <a:r>
-              <a:rPr lang="en-US" sz="2400" b="1" dirty="0"/>
-              <a:t>/</a:t>
-            </a:r>
-            <a:r>
-              <a:rPr lang="en-US" sz="2400" b="1" dirty="0" err="1"/>
-              <a:t>umbrella_cache_par</a:t>
-            </a:r>
-            <a:r>
-              <a:rPr lang="en-US" sz="2400" b="1" dirty="0"/>
-              <a:t>/ </a:t>
-            </a:r>
-            <a:endParaRPr lang="en-US" sz="2400" dirty="0"/>
-          </a:p>
-          <a:p>
-            <a:pPr lvl="1"/>
+              <a:rPr lang="en-US" sz="2400" b="1" dirty="0" err="1" smtClean="0"/>
+              <a:t>umbrella_cache_parrot</a:t>
+            </a:r>
+            <a:r>
+              <a:rPr lang="en-US" sz="2400" b="1" dirty="0" smtClean="0"/>
+              <a:t>/ \</a:t>
+            </a:r>
+            <a:endParaRPr lang="en-US" sz="2400" dirty="0" smtClean="0"/>
+          </a:p>
+          <a:p>
+            <a:pPr marL="457200" lvl="1" indent="0">
+              <a:buNone/>
+            </a:pPr>
             <a:r>
               <a:rPr lang="en-US" sz="2400" dirty="0"/>
-              <a:t>--</a:t>
+              <a:t> </a:t>
+            </a:r>
+            <a:r>
+              <a:rPr lang="en-US" sz="2400" dirty="0" smtClean="0"/>
+              <a:t> --</a:t>
             </a:r>
             <a:r>
               <a:rPr lang="en-US" sz="2400" dirty="0" err="1"/>
@@ -6384,14 +7293,20 @@
             </a:r>
           </a:p>
           <a:p>
-            <a:pPr lvl="1"/>
-            <a:r>
-              <a:rPr lang="en-US" sz="2400" dirty="0">
+            <a:pPr marL="457200" lvl="1" indent="0">
+              <a:buNone/>
+            </a:pPr>
+            <a:r>
+              <a:rPr lang="en-US" sz="2400" dirty="0" smtClean="0">
                 <a:latin typeface="Helvetica Neue Light"/>
                 <a:cs typeface="Helvetica Neue Light"/>
               </a:rPr>
-              <a:t>run</a:t>
-            </a:r>
+              <a:t>  run</a:t>
+            </a:r>
+            <a:endParaRPr lang="en-US" sz="2400" dirty="0">
+              <a:latin typeface="Helvetica Neue Light"/>
+              <a:cs typeface="Helvetica Neue Light"/>
+            </a:endParaRPr>
           </a:p>
           <a:p>
             <a:pPr marL="0" indent="0">
